--- a/HTML_CSS/Material_Html/2 - HTML - ID - Class.pptx
+++ b/HTML_CSS/Material_Html/2 - HTML - ID - Class.pptx
@@ -5,24 +5,26 @@
     <p:sldMasterId id="2147483756" r:id="rId1"/>
   </p:sldMasterIdLst>
   <p:notesMasterIdLst>
-    <p:notesMasterId r:id="rId17"/>
+    <p:notesMasterId r:id="rId19"/>
   </p:notesMasterIdLst>
   <p:sldIdLst>
     <p:sldId id="261" r:id="rId2"/>
     <p:sldId id="269" r:id="rId3"/>
     <p:sldId id="262" r:id="rId4"/>
     <p:sldId id="266" r:id="rId5"/>
-    <p:sldId id="263" r:id="rId6"/>
-    <p:sldId id="264" r:id="rId7"/>
-    <p:sldId id="265" r:id="rId8"/>
-    <p:sldId id="267" r:id="rId9"/>
-    <p:sldId id="268" r:id="rId10"/>
-    <p:sldId id="270" r:id="rId11"/>
-    <p:sldId id="274" r:id="rId12"/>
-    <p:sldId id="271" r:id="rId13"/>
-    <p:sldId id="273" r:id="rId14"/>
-    <p:sldId id="272" r:id="rId15"/>
-    <p:sldId id="275" r:id="rId16"/>
+    <p:sldId id="276" r:id="rId6"/>
+    <p:sldId id="263" r:id="rId7"/>
+    <p:sldId id="277" r:id="rId8"/>
+    <p:sldId id="264" r:id="rId9"/>
+    <p:sldId id="265" r:id="rId10"/>
+    <p:sldId id="267" r:id="rId11"/>
+    <p:sldId id="268" r:id="rId12"/>
+    <p:sldId id="270" r:id="rId13"/>
+    <p:sldId id="274" r:id="rId14"/>
+    <p:sldId id="271" r:id="rId15"/>
+    <p:sldId id="273" r:id="rId16"/>
+    <p:sldId id="272" r:id="rId17"/>
+    <p:sldId id="275" r:id="rId18"/>
   </p:sldIdLst>
   <p:sldSz cx="12192000" cy="6858000"/>
   <p:notesSz cx="6858000" cy="9144000"/>
@@ -657,7 +659,7 @@
           <a:effectLst/>
           <a:extLst>
             <a:ext uri="{91240B29-F687-4f45-9708-019B960494DF}">
-              <a14:hiddenLine xmlns:a14="http://schemas.microsoft.com/office/drawing/2010/main" xmlns="" w="9525">
+              <a14:hiddenLine xmlns="" xmlns:a14="http://schemas.microsoft.com/office/drawing/2010/main" w="9525">
                 <a:solidFill>
                   <a:srgbClr val="000000"/>
                 </a:solidFill>
@@ -2187,7 +2189,7 @@
           <a:ln/>
           <a:extLst>
             <a:ext uri="{91240B29-F687-4f45-9708-019B960494DF}">
-              <a14:hiddenLine xmlns:a14="http://schemas.microsoft.com/office/drawing/2010/main" xmlns="" w="9525">
+              <a14:hiddenLine xmlns="" xmlns:a14="http://schemas.microsoft.com/office/drawing/2010/main" w="9525">
                 <a:solidFill>
                   <a:srgbClr val="000000"/>
                 </a:solidFill>
@@ -2462,7 +2464,7 @@
           <a:ln/>
           <a:extLst>
             <a:ext uri="{91240B29-F687-4f45-9708-019B960494DF}">
-              <a14:hiddenLine xmlns:a14="http://schemas.microsoft.com/office/drawing/2010/main" xmlns="" w="9525">
+              <a14:hiddenLine xmlns="" xmlns:a14="http://schemas.microsoft.com/office/drawing/2010/main" w="9525">
                 <a:solidFill>
                   <a:srgbClr val="000000"/>
                 </a:solidFill>
@@ -2745,7 +2747,7 @@
           <a:ln/>
           <a:extLst>
             <a:ext uri="{91240B29-F687-4f45-9708-019B960494DF}">
-              <a14:hiddenLine xmlns:a14="http://schemas.microsoft.com/office/drawing/2010/main" xmlns="" w="9525">
+              <a14:hiddenLine xmlns="" xmlns:a14="http://schemas.microsoft.com/office/drawing/2010/main" w="9525">
                 <a:solidFill>
                   <a:srgbClr val="000000"/>
                 </a:solidFill>
@@ -3373,7 +3375,7 @@
           <a:ln/>
           <a:extLst>
             <a:ext uri="{91240B29-F687-4f45-9708-019B960494DF}">
-              <a14:hiddenLine xmlns:a14="http://schemas.microsoft.com/office/drawing/2010/main" xmlns="" w="9525">
+              <a14:hiddenLine xmlns="" xmlns:a14="http://schemas.microsoft.com/office/drawing/2010/main" w="9525">
                 <a:solidFill>
                   <a:srgbClr val="000000"/>
                 </a:solidFill>
@@ -3717,7 +3719,7 @@
           <a:ln/>
           <a:extLst>
             <a:ext uri="{91240B29-F687-4f45-9708-019B960494DF}">
-              <a14:hiddenLine xmlns:a14="http://schemas.microsoft.com/office/drawing/2010/main" xmlns="" w="9525">
+              <a14:hiddenLine xmlns="" xmlns:a14="http://schemas.microsoft.com/office/drawing/2010/main" w="9525">
                 <a:solidFill>
                   <a:srgbClr val="000000"/>
                 </a:solidFill>
@@ -4199,7 +4201,7 @@
           <a:ln/>
           <a:extLst>
             <a:ext uri="{91240B29-F687-4f45-9708-019B960494DF}">
-              <a14:hiddenLine xmlns:a14="http://schemas.microsoft.com/office/drawing/2010/main" xmlns="" w="9525">
+              <a14:hiddenLine xmlns="" xmlns:a14="http://schemas.microsoft.com/office/drawing/2010/main" w="9525">
                 <a:solidFill>
                   <a:srgbClr val="000000"/>
                 </a:solidFill>
@@ -4628,7 +4630,7 @@
           <a:ln/>
           <a:extLst>
             <a:ext uri="{91240B29-F687-4f45-9708-019B960494DF}">
-              <a14:hiddenLine xmlns:a14="http://schemas.microsoft.com/office/drawing/2010/main" xmlns="" w="9525">
+              <a14:hiddenLine xmlns="" xmlns:a14="http://schemas.microsoft.com/office/drawing/2010/main" w="9525">
                 <a:solidFill>
                   <a:srgbClr val="000000"/>
                 </a:solidFill>
@@ -6177,64 +6179,311 @@
       </p:grpSpPr>
       <p:sp>
         <p:nvSpPr>
-          <p:cNvPr id="2" name="Título 1">
+          <p:cNvPr id="2" name="Retângulo 1">
             <a:extLst>
               <a:ext uri="{FF2B5EF4-FFF2-40B4-BE49-F238E27FC236}">
-                <a16:creationId xmlns:a16="http://schemas.microsoft.com/office/drawing/2014/main" id="{333EE2B1-F868-01A6-95FD-06CD8E0C7616}"/>
+                <a16:creationId xmlns:a16="http://schemas.microsoft.com/office/drawing/2014/main" id="{36666D60-C2C9-41D9-74BF-A8DC0409243E}"/>
               </a:ext>
             </a:extLst>
           </p:cNvPr>
-          <p:cNvSpPr>
-            <a:spLocks noGrp="1"/>
-          </p:cNvSpPr>
-          <p:nvPr>
-            <p:ph type="title"/>
-          </p:nvPr>
-        </p:nvSpPr>
-        <p:spPr/>
+          <p:cNvSpPr/>
+          <p:nvPr/>
+        </p:nvSpPr>
+        <p:spPr>
+          <a:xfrm>
+            <a:off x="174206" y="178979"/>
+            <a:ext cx="3264035" cy="923330"/>
+          </a:xfrm>
+          <a:prstGeom prst="rect">
+            <a:avLst/>
+          </a:prstGeom>
+          <a:noFill/>
+        </p:spPr>
         <p:txBody>
-          <a:bodyPr/>
+          <a:bodyPr wrap="none" lIns="91440" tIns="45720" rIns="91440" bIns="45720">
+            <a:spAutoFit/>
+          </a:bodyPr>
           <a:lstStyle/>
           <a:p>
-            <a:r>
-              <a:rPr lang="pt-BR" dirty="0"/>
-              <a:t>Classe</a:t>
+            <a:pPr algn="ctr"/>
+            <a:r>
+              <a:rPr lang="pt-BR" sz="5400" b="1" cap="none" spc="0" dirty="0">
+                <a:ln w="10160">
+                  <a:solidFill>
+                    <a:schemeClr val="accent5"/>
+                  </a:solidFill>
+                  <a:prstDash val="solid"/>
+                </a:ln>
+                <a:solidFill>
+                  <a:srgbClr val="FFFFFF"/>
+                </a:solidFill>
+                <a:effectLst>
+                  <a:outerShdw blurRad="38100" dist="22860" dir="5400000" algn="tl" rotWithShape="0">
+                    <a:srgbClr val="000000">
+                      <a:alpha val="30000"/>
+                    </a:srgbClr>
+                  </a:outerShdw>
+                </a:effectLst>
+              </a:rPr>
+              <a:t>Exercício</a:t>
             </a:r>
           </a:p>
         </p:txBody>
       </p:sp>
       <p:sp>
         <p:nvSpPr>
-          <p:cNvPr id="3" name="Espaço Reservado para Conteúdo 2">
+          <p:cNvPr id="7" name="Espaço Reservado para Conteúdo 2">
             <a:extLst>
               <a:ext uri="{FF2B5EF4-FFF2-40B4-BE49-F238E27FC236}">
-                <a16:creationId xmlns:a16="http://schemas.microsoft.com/office/drawing/2014/main" id="{623CA88F-6415-1195-AFAC-3845101762F9}"/>
+                <a16:creationId xmlns:a16="http://schemas.microsoft.com/office/drawing/2014/main" id="{39F6D17E-24AB-44D1-6FCA-B202177920D8}"/>
               </a:ext>
             </a:extLst>
           </p:cNvPr>
-          <p:cNvSpPr>
-            <a:spLocks noGrp="1"/>
+          <p:cNvSpPr txBox="1">
+            <a:spLocks/>
           </p:cNvSpPr>
-          <p:nvPr>
-            <p:ph idx="1"/>
-          </p:nvPr>
-        </p:nvSpPr>
-        <p:spPr/>
+          <p:nvPr/>
+        </p:nvSpPr>
+        <p:spPr>
+          <a:xfrm>
+            <a:off x="818712" y="2222287"/>
+            <a:ext cx="10554574" cy="3636511"/>
+          </a:xfrm>
+          <a:prstGeom prst="rect">
+            <a:avLst/>
+          </a:prstGeom>
+        </p:spPr>
         <p:txBody>
           <a:bodyPr/>
-          <a:lstStyle/>
-          <a:p>
+          <a:lstStyle>
+            <a:lvl1pPr marL="342900" indent="-342900" algn="l" defTabSz="457200" rtl="0" eaLnBrk="1" latinLnBrk="0" hangingPunct="1">
+              <a:spcBef>
+                <a:spcPct val="20000"/>
+              </a:spcBef>
+              <a:spcAft>
+                <a:spcPts val="600"/>
+              </a:spcAft>
+              <a:buClr>
+                <a:schemeClr val="accent1"/>
+              </a:buClr>
+              <a:buFont typeface="Wingdings 2" charset="2"/>
+              <a:buChar char=""/>
+              <a:defRPr sz="1800" kern="1200">
+                <a:solidFill>
+                  <a:schemeClr val="tx1"/>
+                </a:solidFill>
+                <a:latin typeface="+mn-lt"/>
+                <a:ea typeface="+mn-ea"/>
+                <a:cs typeface="+mn-cs"/>
+              </a:defRPr>
+            </a:lvl1pPr>
+            <a:lvl2pPr marL="742950" indent="-285750" algn="l" defTabSz="457200" rtl="0" eaLnBrk="1" latinLnBrk="0" hangingPunct="1">
+              <a:spcBef>
+                <a:spcPct val="20000"/>
+              </a:spcBef>
+              <a:spcAft>
+                <a:spcPts val="600"/>
+              </a:spcAft>
+              <a:buClr>
+                <a:schemeClr val="accent1"/>
+              </a:buClr>
+              <a:buFont typeface="Wingdings 2" charset="2"/>
+              <a:buChar char=""/>
+              <a:defRPr sz="1600" kern="1200">
+                <a:solidFill>
+                  <a:schemeClr val="tx1"/>
+                </a:solidFill>
+                <a:latin typeface="+mn-lt"/>
+                <a:ea typeface="+mn-ea"/>
+                <a:cs typeface="+mn-cs"/>
+              </a:defRPr>
+            </a:lvl2pPr>
+            <a:lvl3pPr marL="1143000" indent="-228600" algn="l" defTabSz="457200" rtl="0" eaLnBrk="1" latinLnBrk="0" hangingPunct="1">
+              <a:spcBef>
+                <a:spcPct val="20000"/>
+              </a:spcBef>
+              <a:spcAft>
+                <a:spcPts val="600"/>
+              </a:spcAft>
+              <a:buClr>
+                <a:schemeClr val="accent1"/>
+              </a:buClr>
+              <a:buFont typeface="Wingdings 2" charset="2"/>
+              <a:buChar char=""/>
+              <a:defRPr sz="1400" kern="1200">
+                <a:solidFill>
+                  <a:schemeClr val="tx1"/>
+                </a:solidFill>
+                <a:latin typeface="+mn-lt"/>
+                <a:ea typeface="+mn-ea"/>
+                <a:cs typeface="+mn-cs"/>
+              </a:defRPr>
+            </a:lvl3pPr>
+            <a:lvl4pPr marL="1600200" indent="-228600" algn="l" defTabSz="457200" rtl="0" eaLnBrk="1" latinLnBrk="0" hangingPunct="1">
+              <a:spcBef>
+                <a:spcPct val="20000"/>
+              </a:spcBef>
+              <a:spcAft>
+                <a:spcPts val="600"/>
+              </a:spcAft>
+              <a:buClr>
+                <a:schemeClr val="accent1"/>
+              </a:buClr>
+              <a:buFont typeface="Wingdings 2" charset="2"/>
+              <a:buChar char=""/>
+              <a:defRPr sz="1200" kern="1200">
+                <a:solidFill>
+                  <a:schemeClr val="tx1"/>
+                </a:solidFill>
+                <a:latin typeface="+mn-lt"/>
+                <a:ea typeface="+mn-ea"/>
+                <a:cs typeface="+mn-cs"/>
+              </a:defRPr>
+            </a:lvl4pPr>
+            <a:lvl5pPr marL="2057400" indent="-228600" algn="l" defTabSz="457200" rtl="0" eaLnBrk="1" latinLnBrk="0" hangingPunct="1">
+              <a:spcBef>
+                <a:spcPct val="20000"/>
+              </a:spcBef>
+              <a:spcAft>
+                <a:spcPts val="600"/>
+              </a:spcAft>
+              <a:buClr>
+                <a:schemeClr val="accent1"/>
+              </a:buClr>
+              <a:buFont typeface="Wingdings 2" charset="2"/>
+              <a:buChar char=""/>
+              <a:defRPr sz="1200" kern="1200">
+                <a:solidFill>
+                  <a:schemeClr val="tx1"/>
+                </a:solidFill>
+                <a:latin typeface="+mn-lt"/>
+                <a:ea typeface="+mn-ea"/>
+                <a:cs typeface="+mn-cs"/>
+              </a:defRPr>
+            </a:lvl5pPr>
+            <a:lvl6pPr marL="2400000" indent="-228600" algn="l" defTabSz="457200" rtl="0" eaLnBrk="1" latinLnBrk="0" hangingPunct="1">
+              <a:spcBef>
+                <a:spcPct val="20000"/>
+              </a:spcBef>
+              <a:spcAft>
+                <a:spcPts val="600"/>
+              </a:spcAft>
+              <a:buClr>
+                <a:schemeClr val="accent1"/>
+              </a:buClr>
+              <a:buFont typeface="Wingdings 2" charset="2"/>
+              <a:buChar char=""/>
+              <a:defRPr sz="1200" kern="1200">
+                <a:solidFill>
+                  <a:schemeClr val="tx1"/>
+                </a:solidFill>
+                <a:latin typeface="+mn-lt"/>
+                <a:ea typeface="+mn-ea"/>
+                <a:cs typeface="+mn-cs"/>
+              </a:defRPr>
+            </a:lvl6pPr>
+            <a:lvl7pPr marL="2800000" indent="-228600" algn="l" defTabSz="457200" rtl="0" eaLnBrk="1" latinLnBrk="0" hangingPunct="1">
+              <a:spcBef>
+                <a:spcPct val="20000"/>
+              </a:spcBef>
+              <a:spcAft>
+                <a:spcPts val="600"/>
+              </a:spcAft>
+              <a:buClr>
+                <a:schemeClr val="accent1"/>
+              </a:buClr>
+              <a:buFont typeface="Wingdings 2" charset="2"/>
+              <a:buChar char=""/>
+              <a:defRPr sz="1200" kern="1200">
+                <a:solidFill>
+                  <a:schemeClr val="tx1"/>
+                </a:solidFill>
+                <a:latin typeface="+mn-lt"/>
+                <a:ea typeface="+mn-ea"/>
+                <a:cs typeface="+mn-cs"/>
+              </a:defRPr>
+            </a:lvl7pPr>
+            <a:lvl8pPr marL="3200000" indent="-228600" algn="l" defTabSz="457200" rtl="0" eaLnBrk="1" latinLnBrk="0" hangingPunct="1">
+              <a:spcBef>
+                <a:spcPct val="20000"/>
+              </a:spcBef>
+              <a:spcAft>
+                <a:spcPts val="600"/>
+              </a:spcAft>
+              <a:buClr>
+                <a:schemeClr val="accent1"/>
+              </a:buClr>
+              <a:buFont typeface="Wingdings 2" charset="2"/>
+              <a:buChar char=""/>
+              <a:defRPr sz="1200" kern="1200">
+                <a:solidFill>
+                  <a:schemeClr val="tx1"/>
+                </a:solidFill>
+                <a:latin typeface="+mn-lt"/>
+                <a:ea typeface="+mn-ea"/>
+                <a:cs typeface="+mn-cs"/>
+              </a:defRPr>
+            </a:lvl8pPr>
+            <a:lvl9pPr marL="3600000" indent="-228600" algn="l" defTabSz="457200" rtl="0" eaLnBrk="1" latinLnBrk="0" hangingPunct="1">
+              <a:spcBef>
+                <a:spcPct val="20000"/>
+              </a:spcBef>
+              <a:spcAft>
+                <a:spcPts val="600"/>
+              </a:spcAft>
+              <a:buClr>
+                <a:schemeClr val="accent1"/>
+              </a:buClr>
+              <a:buFont typeface="Wingdings 2" charset="2"/>
+              <a:buChar char=""/>
+              <a:defRPr sz="1200" kern="1200">
+                <a:solidFill>
+                  <a:schemeClr val="tx1"/>
+                </a:solidFill>
+                <a:latin typeface="+mn-lt"/>
+                <a:ea typeface="+mn-ea"/>
+                <a:cs typeface="+mn-cs"/>
+              </a:defRPr>
+            </a:lvl9pPr>
+          </a:lstStyle>
+          <a:p>
+            <a:pPr>
+              <a:buFont typeface="+mj-lt"/>
+              <a:buAutoNum type="arabicPeriod"/>
+            </a:pPr>
             <a:r>
               <a:rPr lang="pt-BR" dirty="0"/>
-              <a:t>No HTML, o atributo </a:t>
-            </a:r>
-            <a:r>
-              <a:rPr lang="pt-BR" dirty="0" err="1"/>
-              <a:t>class</a:t>
-            </a:r>
+              <a:t>Criar Html.</a:t>
+            </a:r>
+          </a:p>
+          <a:p>
+            <a:pPr>
+              <a:buFont typeface="+mj-lt"/>
+              <a:buAutoNum type="arabicPeriod"/>
+            </a:pPr>
             <a:r>
               <a:rPr lang="pt-BR" dirty="0"/>
-              <a:t> é utilizado para definir uma ou mais classes para um elemento. As classes são uma maneira de agrupar elementos e aplicar estilos ou comportamentos específicos a esses grupos de elementos. Diferente do atributo id, que deve ser único dentro do documento, várias instâncias de elementos podem compartilhar o mesmo valor de class.</a:t>
+              <a:t>1- Faça um documento HTML utilizado ID para trocar a cor do título</a:t>
+            </a:r>
+          </a:p>
+          <a:p>
+            <a:pPr>
+              <a:buFont typeface="+mj-lt"/>
+              <a:buAutoNum type="arabicPeriod"/>
+            </a:pPr>
+            <a:r>
+              <a:rPr lang="pt-BR" dirty="0"/>
+              <a:t>2- Colocar tamanho da fonte com 24px</a:t>
+            </a:r>
+          </a:p>
+          <a:p>
+            <a:pPr>
+              <a:buFont typeface="+mj-lt"/>
+              <a:buAutoNum type="arabicPeriod"/>
+            </a:pPr>
+            <a:r>
+              <a:rPr lang="pt-BR" dirty="0"/>
+              <a:t>3- Faça um botão para trocar o texto do parágrafo usando ID</a:t>
             </a:r>
           </a:p>
         </p:txBody>
@@ -6242,7 +6491,7 @@
     </p:spTree>
     <p:extLst>
       <p:ext uri="{BB962C8B-B14F-4D97-AF65-F5344CB8AC3E}">
-        <p14:creationId xmlns:p14="http://schemas.microsoft.com/office/powerpoint/2010/main" val="2467300827"/>
+        <p14:creationId xmlns:p14="http://schemas.microsoft.com/office/powerpoint/2010/main" val="996139780"/>
       </p:ext>
     </p:extLst>
   </p:cSld>
@@ -6255,6 +6504,14 @@
 <file path=ppt/slides/slide11.xml><?xml version="1.0" encoding="utf-8"?>
 <p:sld xmlns:a="http://schemas.openxmlformats.org/drawingml/2006/main" xmlns:r="http://schemas.openxmlformats.org/officeDocument/2006/relationships" xmlns:p="http://schemas.openxmlformats.org/presentationml/2006/main">
   <p:cSld>
+    <p:bg>
+      <p:bgPr>
+        <a:solidFill>
+          <a:schemeClr val="bg2"/>
+        </a:solidFill>
+        <a:effectLst/>
+      </p:bgPr>
+    </p:bg>
     <p:spTree>
       <p:nvGrpSpPr>
         <p:cNvPr id="1" name=""/>
@@ -6274,7 +6531,7 @@
           <p:cNvPr id="2" name="Título 1">
             <a:extLst>
               <a:ext uri="{FF2B5EF4-FFF2-40B4-BE49-F238E27FC236}">
-                <a16:creationId xmlns:a16="http://schemas.microsoft.com/office/drawing/2014/main" id="{487415E2-437C-66D3-616F-ECAF627E875F}"/>
+                <a16:creationId xmlns:a16="http://schemas.microsoft.com/office/drawing/2014/main" id="{C7E3F66C-3E58-FA1A-CC60-111D2EA0E710}"/>
               </a:ext>
             </a:extLst>
           </p:cNvPr>
@@ -6292,17 +6549,17 @@
           <a:p>
             <a:r>
               <a:rPr lang="pt-BR" dirty="0"/>
-              <a:t>Regras</a:t>
+              <a:t>Classe</a:t>
             </a:r>
           </a:p>
         </p:txBody>
       </p:sp>
       <p:sp>
         <p:nvSpPr>
-          <p:cNvPr id="3" name="Espaço Reservado para Conteúdo 2">
+          <p:cNvPr id="3" name="Espaço Reservado para Texto 2">
             <a:extLst>
               <a:ext uri="{FF2B5EF4-FFF2-40B4-BE49-F238E27FC236}">
-                <a16:creationId xmlns:a16="http://schemas.microsoft.com/office/drawing/2014/main" id="{80B41DFD-5625-87E9-AF61-A3DB6C872EFE}"/>
+                <a16:creationId xmlns:a16="http://schemas.microsoft.com/office/drawing/2014/main" id="{5364AAC8-3360-8A2E-669F-5B2D952CA997}"/>
               </a:ext>
             </a:extLst>
           </p:cNvPr>
@@ -6310,7 +6567,7 @@
             <a:spLocks noGrp="1"/>
           </p:cNvSpPr>
           <p:nvPr>
-            <p:ph idx="1"/>
+            <p:ph type="body" idx="1"/>
           </p:nvPr>
         </p:nvSpPr>
         <p:spPr/>
@@ -6325,49 +6582,8 @@
                 </a:solidFill>
                 <a:latin typeface="Söhne"/>
               </a:rPr>
-              <a:t>Nomenclatura:</a:t>
-            </a:r>
-          </a:p>
-          <a:p>
-            <a:pPr marL="0" indent="0">
-              <a:buNone/>
-            </a:pPr>
-            <a:r>
-              <a:rPr lang="pt-BR" dirty="0"/>
-              <a:t>Os valores de </a:t>
-            </a:r>
-            <a:r>
-              <a:rPr lang="pt-BR" dirty="0" err="1"/>
-              <a:t>class</a:t>
-            </a:r>
-            <a:r>
-              <a:rPr lang="pt-BR" dirty="0"/>
-              <a:t> devem começar com uma letra (A-Z ou </a:t>
-            </a:r>
-            <a:r>
-              <a:rPr lang="pt-BR" dirty="0" err="1"/>
-              <a:t>a-z</a:t>
-            </a:r>
-            <a:r>
-              <a:rPr lang="pt-BR" dirty="0"/>
-              <a:t>) e podem ser seguidos por letras, dígitos (0-9), </a:t>
-            </a:r>
-            <a:r>
-              <a:rPr lang="pt-BR" dirty="0" err="1"/>
-              <a:t>hífens</a:t>
-            </a:r>
-            <a:r>
-              <a:rPr lang="pt-BR" dirty="0"/>
-              <a:t> (-), e sublinhados (_).</a:t>
-            </a:r>
-          </a:p>
-          <a:p>
-            <a:pPr marL="0" indent="0">
-              <a:buNone/>
-            </a:pPr>
-            <a:endParaRPr lang="pt-BR" dirty="0"/>
-          </a:p>
-          <a:p>
+              <a:t>C</a:t>
+            </a:r>
             <a:r>
               <a:rPr lang="pt-BR" b="1" i="0" dirty="0">
                 <a:solidFill>
@@ -6376,24 +6592,16 @@
                 <a:effectLst/>
                 <a:latin typeface="Söhne"/>
               </a:rPr>
-              <a:t>Múltiplas Classes:</a:t>
-            </a:r>
-          </a:p>
-          <a:p>
-            <a:pPr marL="0" indent="0">
-              <a:buNone/>
-            </a:pPr>
-            <a:r>
-              <a:rPr lang="pt-BR" dirty="0"/>
-              <a:t>Quando se aplicam múltiplas classes a um elemento, elas são separadas por espaços.</a:t>
-            </a:r>
+              <a:t>lasses para um ou mias elementos</a:t>
+            </a:r>
+            <a:endParaRPr lang="pt-BR" b="1" dirty="0"/>
           </a:p>
         </p:txBody>
       </p:sp>
     </p:spTree>
     <p:extLst>
       <p:ext uri="{BB962C8B-B14F-4D97-AF65-F5344CB8AC3E}">
-        <p14:creationId xmlns:p14="http://schemas.microsoft.com/office/powerpoint/2010/main" val="3545266007"/>
+        <p14:creationId xmlns:p14="http://schemas.microsoft.com/office/powerpoint/2010/main" val="1070905612"/>
       </p:ext>
     </p:extLst>
   </p:cSld>
@@ -6425,7 +6633,7 @@
           <p:cNvPr id="2" name="Título 1">
             <a:extLst>
               <a:ext uri="{FF2B5EF4-FFF2-40B4-BE49-F238E27FC236}">
-                <a16:creationId xmlns:a16="http://schemas.microsoft.com/office/drawing/2014/main" id="{61311C7A-C61B-5ACF-936F-40687DC20D20}"/>
+                <a16:creationId xmlns:a16="http://schemas.microsoft.com/office/drawing/2014/main" id="{333EE2B1-F868-01A6-95FD-06CD8E0C7616}"/>
               </a:ext>
             </a:extLst>
           </p:cNvPr>
@@ -6443,639 +6651,43 @@
           <a:p>
             <a:r>
               <a:rPr lang="pt-BR" dirty="0"/>
-              <a:t>Estilização com CSS.</a:t>
+              <a:t>Classe</a:t>
             </a:r>
           </a:p>
         </p:txBody>
       </p:sp>
       <p:sp>
         <p:nvSpPr>
-          <p:cNvPr id="5" name="CaixaDeTexto 4">
+          <p:cNvPr id="3" name="Espaço Reservado para Conteúdo 2">
             <a:extLst>
               <a:ext uri="{FF2B5EF4-FFF2-40B4-BE49-F238E27FC236}">
-                <a16:creationId xmlns:a16="http://schemas.microsoft.com/office/drawing/2014/main" id="{74B84FB2-8A8D-C3F7-8F9C-F3DB9D878009}"/>
+                <a16:creationId xmlns:a16="http://schemas.microsoft.com/office/drawing/2014/main" id="{623CA88F-6415-1195-AFAC-3845101762F9}"/>
               </a:ext>
             </a:extLst>
           </p:cNvPr>
-          <p:cNvSpPr txBox="1"/>
-          <p:nvPr/>
-        </p:nvSpPr>
-        <p:spPr>
-          <a:xfrm>
-            <a:off x="810000" y="2601163"/>
-            <a:ext cx="10230533" cy="2862322"/>
-          </a:xfrm>
-          <a:prstGeom prst="rect">
-            <a:avLst/>
-          </a:prstGeom>
-          <a:noFill/>
-        </p:spPr>
+          <p:cNvSpPr>
+            <a:spLocks noGrp="1"/>
+          </p:cNvSpPr>
+          <p:nvPr>
+            <p:ph idx="1"/>
+          </p:nvPr>
+        </p:nvSpPr>
+        <p:spPr/>
         <p:txBody>
-          <a:bodyPr wrap="square">
-            <a:spAutoFit/>
-          </a:bodyPr>
+          <a:bodyPr/>
           <a:lstStyle/>
           <a:p>
             <a:r>
-              <a:rPr lang="pt-BR" b="0" dirty="0">
-                <a:solidFill>
-                  <a:srgbClr val="6A9955"/>
-                </a:solidFill>
-                <a:effectLst/>
-                <a:latin typeface="Consolas" panose="020B0609020204030204" pitchFamily="49" charset="0"/>
-              </a:rPr>
-              <a:t>&lt;!-- Reaproveitamento do </a:t>
-            </a:r>
-            <a:r>
-              <a:rPr lang="pt-BR" b="0" dirty="0" err="1">
-                <a:solidFill>
-                  <a:srgbClr val="6A9955"/>
-                </a:solidFill>
-                <a:effectLst/>
-                <a:latin typeface="Consolas" panose="020B0609020204030204" pitchFamily="49" charset="0"/>
-              </a:rPr>
-              <a:t>stilo</a:t>
-            </a:r>
-            <a:r>
-              <a:rPr lang="pt-BR" b="0" dirty="0">
-                <a:solidFill>
-                  <a:srgbClr val="6A9955"/>
-                </a:solidFill>
-                <a:effectLst/>
-                <a:latin typeface="Consolas" panose="020B0609020204030204" pitchFamily="49" charset="0"/>
-              </a:rPr>
-              <a:t> em dois elementos --&gt;</a:t>
-            </a:r>
-            <a:endParaRPr lang="pt-BR" b="0" dirty="0">
-              <a:solidFill>
-                <a:srgbClr val="CCCCCC"/>
-              </a:solidFill>
-              <a:effectLst/>
-              <a:latin typeface="Consolas" panose="020B0609020204030204" pitchFamily="49" charset="0"/>
-            </a:endParaRPr>
-          </a:p>
-          <a:p>
-            <a:r>
-              <a:rPr lang="pt-BR" b="0" dirty="0">
-                <a:solidFill>
-                  <a:srgbClr val="CCCCCC"/>
-                </a:solidFill>
-                <a:effectLst/>
-                <a:latin typeface="Consolas" panose="020B0609020204030204" pitchFamily="49" charset="0"/>
-              </a:rPr>
-              <a:t>    </a:t>
-            </a:r>
-            <a:r>
-              <a:rPr lang="pt-BR" b="0" dirty="0">
-                <a:solidFill>
-                  <a:srgbClr val="808080"/>
-                </a:solidFill>
-                <a:effectLst/>
-                <a:latin typeface="Consolas" panose="020B0609020204030204" pitchFamily="49" charset="0"/>
-              </a:rPr>
-              <a:t>&lt;</a:t>
-            </a:r>
-            <a:r>
-              <a:rPr lang="pt-BR" b="0" dirty="0" err="1">
-                <a:solidFill>
-                  <a:srgbClr val="569CD6"/>
-                </a:solidFill>
-                <a:effectLst/>
-                <a:latin typeface="Consolas" panose="020B0609020204030204" pitchFamily="49" charset="0"/>
-              </a:rPr>
-              <a:t>style</a:t>
-            </a:r>
-            <a:r>
-              <a:rPr lang="pt-BR" b="0" dirty="0">
-                <a:solidFill>
-                  <a:srgbClr val="808080"/>
-                </a:solidFill>
-                <a:effectLst/>
-                <a:latin typeface="Consolas" panose="020B0609020204030204" pitchFamily="49" charset="0"/>
-              </a:rPr>
-              <a:t>&gt;</a:t>
-            </a:r>
-            <a:endParaRPr lang="pt-BR" b="0" dirty="0">
-              <a:solidFill>
-                <a:srgbClr val="CCCCCC"/>
-              </a:solidFill>
-              <a:effectLst/>
-              <a:latin typeface="Consolas" panose="020B0609020204030204" pitchFamily="49" charset="0"/>
-            </a:endParaRPr>
-          </a:p>
-          <a:p>
-            <a:r>
-              <a:rPr lang="pt-BR" b="0" dirty="0">
-                <a:solidFill>
-                  <a:srgbClr val="D4D4D4"/>
-                </a:solidFill>
-                <a:effectLst/>
-                <a:latin typeface="Consolas" panose="020B0609020204030204" pitchFamily="49" charset="0"/>
-              </a:rPr>
-              <a:t>        </a:t>
-            </a:r>
-            <a:r>
-              <a:rPr lang="pt-BR" b="0" dirty="0">
-                <a:solidFill>
-                  <a:srgbClr val="D7BA7D"/>
-                </a:solidFill>
-                <a:effectLst/>
-                <a:latin typeface="Consolas" panose="020B0609020204030204" pitchFamily="49" charset="0"/>
-              </a:rPr>
-              <a:t>.destacado</a:t>
-            </a:r>
-            <a:r>
-              <a:rPr lang="pt-BR" b="0" dirty="0">
-                <a:solidFill>
-                  <a:srgbClr val="D4D4D4"/>
-                </a:solidFill>
-                <a:effectLst/>
-                <a:latin typeface="Consolas" panose="020B0609020204030204" pitchFamily="49" charset="0"/>
-              </a:rPr>
-              <a:t> {</a:t>
-            </a:r>
-            <a:endParaRPr lang="pt-BR" b="0" dirty="0">
-              <a:solidFill>
-                <a:srgbClr val="CCCCCC"/>
-              </a:solidFill>
-              <a:effectLst/>
-              <a:latin typeface="Consolas" panose="020B0609020204030204" pitchFamily="49" charset="0"/>
-            </a:endParaRPr>
-          </a:p>
-          <a:p>
-            <a:r>
-              <a:rPr lang="pt-BR" b="0" dirty="0">
-                <a:solidFill>
-                  <a:srgbClr val="D4D4D4"/>
-                </a:solidFill>
-                <a:effectLst/>
-                <a:latin typeface="Consolas" panose="020B0609020204030204" pitchFamily="49" charset="0"/>
-              </a:rPr>
-              <a:t>            </a:t>
-            </a:r>
-            <a:r>
-              <a:rPr lang="pt-BR" b="0" dirty="0">
-                <a:solidFill>
-                  <a:srgbClr val="9CDCFE"/>
-                </a:solidFill>
-                <a:effectLst/>
-                <a:latin typeface="Consolas" panose="020B0609020204030204" pitchFamily="49" charset="0"/>
-              </a:rPr>
-              <a:t>color</a:t>
-            </a:r>
-            <a:r>
-              <a:rPr lang="pt-BR" b="0" dirty="0">
-                <a:solidFill>
-                  <a:srgbClr val="D4D4D4"/>
-                </a:solidFill>
-                <a:effectLst/>
-                <a:latin typeface="Consolas" panose="020B0609020204030204" pitchFamily="49" charset="0"/>
-              </a:rPr>
-              <a:t>: </a:t>
-            </a:r>
-            <a:r>
-              <a:rPr lang="pt-BR" b="0" dirty="0" err="1">
-                <a:solidFill>
-                  <a:srgbClr val="CE9178"/>
-                </a:solidFill>
-                <a:effectLst/>
-                <a:latin typeface="Consolas" panose="020B0609020204030204" pitchFamily="49" charset="0"/>
-              </a:rPr>
-              <a:t>red</a:t>
-            </a:r>
-            <a:r>
-              <a:rPr lang="pt-BR" b="0" dirty="0">
-                <a:solidFill>
-                  <a:srgbClr val="D4D4D4"/>
-                </a:solidFill>
-                <a:effectLst/>
-                <a:latin typeface="Consolas" panose="020B0609020204030204" pitchFamily="49" charset="0"/>
-              </a:rPr>
-              <a:t>;</a:t>
-            </a:r>
-            <a:endParaRPr lang="pt-BR" b="0" dirty="0">
-              <a:solidFill>
-                <a:srgbClr val="CCCCCC"/>
-              </a:solidFill>
-              <a:effectLst/>
-              <a:latin typeface="Consolas" panose="020B0609020204030204" pitchFamily="49" charset="0"/>
-            </a:endParaRPr>
-          </a:p>
-          <a:p>
-            <a:r>
-              <a:rPr lang="pt-BR" b="0" dirty="0">
-                <a:solidFill>
-                  <a:srgbClr val="D4D4D4"/>
-                </a:solidFill>
-                <a:effectLst/>
-                <a:latin typeface="Consolas" panose="020B0609020204030204" pitchFamily="49" charset="0"/>
-              </a:rPr>
-              <a:t>            </a:t>
-            </a:r>
-            <a:r>
-              <a:rPr lang="pt-BR" b="0" dirty="0" err="1">
-                <a:solidFill>
-                  <a:srgbClr val="9CDCFE"/>
-                </a:solidFill>
-                <a:effectLst/>
-                <a:latin typeface="Consolas" panose="020B0609020204030204" pitchFamily="49" charset="0"/>
-              </a:rPr>
-              <a:t>font-weight</a:t>
-            </a:r>
-            <a:r>
-              <a:rPr lang="pt-BR" b="0" dirty="0">
-                <a:solidFill>
-                  <a:srgbClr val="D4D4D4"/>
-                </a:solidFill>
-                <a:effectLst/>
-                <a:latin typeface="Consolas" panose="020B0609020204030204" pitchFamily="49" charset="0"/>
-              </a:rPr>
-              <a:t>: </a:t>
-            </a:r>
-            <a:r>
-              <a:rPr lang="pt-BR" b="0" dirty="0" err="1">
-                <a:solidFill>
-                  <a:srgbClr val="CE9178"/>
-                </a:solidFill>
-                <a:effectLst/>
-                <a:latin typeface="Consolas" panose="020B0609020204030204" pitchFamily="49" charset="0"/>
-              </a:rPr>
-              <a:t>bold</a:t>
-            </a:r>
-            <a:r>
-              <a:rPr lang="pt-BR" b="0" dirty="0">
-                <a:solidFill>
-                  <a:srgbClr val="D4D4D4"/>
-                </a:solidFill>
-                <a:effectLst/>
-                <a:latin typeface="Consolas" panose="020B0609020204030204" pitchFamily="49" charset="0"/>
-              </a:rPr>
-              <a:t>;</a:t>
-            </a:r>
-            <a:endParaRPr lang="pt-BR" b="0" dirty="0">
-              <a:solidFill>
-                <a:srgbClr val="CCCCCC"/>
-              </a:solidFill>
-              <a:effectLst/>
-              <a:latin typeface="Consolas" panose="020B0609020204030204" pitchFamily="49" charset="0"/>
-            </a:endParaRPr>
-          </a:p>
-          <a:p>
-            <a:r>
-              <a:rPr lang="pt-BR" b="0" dirty="0">
-                <a:solidFill>
-                  <a:srgbClr val="D4D4D4"/>
-                </a:solidFill>
-                <a:effectLst/>
-                <a:latin typeface="Consolas" panose="020B0609020204030204" pitchFamily="49" charset="0"/>
-              </a:rPr>
-              <a:t>        }</a:t>
-            </a:r>
-            <a:endParaRPr lang="pt-BR" b="0" dirty="0">
-              <a:solidFill>
-                <a:srgbClr val="CCCCCC"/>
-              </a:solidFill>
-              <a:effectLst/>
-              <a:latin typeface="Consolas" panose="020B0609020204030204" pitchFamily="49" charset="0"/>
-            </a:endParaRPr>
-          </a:p>
-          <a:p>
-            <a:r>
-              <a:rPr lang="pt-BR" b="0" dirty="0">
-                <a:solidFill>
-                  <a:srgbClr val="D4D4D4"/>
-                </a:solidFill>
-                <a:effectLst/>
-                <a:latin typeface="Consolas" panose="020B0609020204030204" pitchFamily="49" charset="0"/>
-              </a:rPr>
-              <a:t>    </a:t>
-            </a:r>
-            <a:r>
-              <a:rPr lang="pt-BR" b="0" dirty="0">
-                <a:solidFill>
-                  <a:srgbClr val="808080"/>
-                </a:solidFill>
-                <a:effectLst/>
-                <a:latin typeface="Consolas" panose="020B0609020204030204" pitchFamily="49" charset="0"/>
-              </a:rPr>
-              <a:t>&lt;/</a:t>
-            </a:r>
-            <a:r>
-              <a:rPr lang="pt-BR" b="0" dirty="0" err="1">
-                <a:solidFill>
-                  <a:srgbClr val="569CD6"/>
-                </a:solidFill>
-                <a:effectLst/>
-                <a:latin typeface="Consolas" panose="020B0609020204030204" pitchFamily="49" charset="0"/>
-              </a:rPr>
-              <a:t>style</a:t>
-            </a:r>
-            <a:r>
-              <a:rPr lang="pt-BR" b="0" dirty="0">
-                <a:solidFill>
-                  <a:srgbClr val="808080"/>
-                </a:solidFill>
-                <a:effectLst/>
-                <a:latin typeface="Consolas" panose="020B0609020204030204" pitchFamily="49" charset="0"/>
-              </a:rPr>
-              <a:t>&gt;</a:t>
-            </a:r>
-            <a:endParaRPr lang="pt-BR" b="0" dirty="0">
-              <a:solidFill>
-                <a:srgbClr val="CCCCCC"/>
-              </a:solidFill>
-              <a:effectLst/>
-              <a:latin typeface="Consolas" panose="020B0609020204030204" pitchFamily="49" charset="0"/>
-            </a:endParaRPr>
-          </a:p>
-          <a:p>
-            <a:r>
-              <a:rPr lang="pt-BR" b="0" dirty="0">
-                <a:solidFill>
-                  <a:srgbClr val="CCCCCC"/>
-                </a:solidFill>
-                <a:effectLst/>
-                <a:latin typeface="Consolas" panose="020B0609020204030204" pitchFamily="49" charset="0"/>
-              </a:rPr>
-              <a:t>    </a:t>
-            </a:r>
-            <a:r>
-              <a:rPr lang="pt-BR" b="0" dirty="0">
-                <a:solidFill>
-                  <a:srgbClr val="6A9955"/>
-                </a:solidFill>
-                <a:effectLst/>
-                <a:latin typeface="Consolas" panose="020B0609020204030204" pitchFamily="49" charset="0"/>
-              </a:rPr>
-              <a:t>&lt;!--Classe--&gt;</a:t>
-            </a:r>
-            <a:endParaRPr lang="pt-BR" b="0" dirty="0">
-              <a:solidFill>
-                <a:srgbClr val="CCCCCC"/>
-              </a:solidFill>
-              <a:effectLst/>
-              <a:latin typeface="Consolas" panose="020B0609020204030204" pitchFamily="49" charset="0"/>
-            </a:endParaRPr>
-          </a:p>
-          <a:p>
-            <a:r>
-              <a:rPr lang="pt-BR" b="0" dirty="0">
-                <a:solidFill>
-                  <a:srgbClr val="CCCCCC"/>
-                </a:solidFill>
-                <a:effectLst/>
-                <a:latin typeface="Consolas" panose="020B0609020204030204" pitchFamily="49" charset="0"/>
-              </a:rPr>
-              <a:t>    </a:t>
-            </a:r>
-            <a:r>
-              <a:rPr lang="pt-BR" b="0" dirty="0">
-                <a:solidFill>
-                  <a:srgbClr val="808080"/>
-                </a:solidFill>
-                <a:effectLst/>
-                <a:latin typeface="Consolas" panose="020B0609020204030204" pitchFamily="49" charset="0"/>
-              </a:rPr>
-              <a:t>&lt;</a:t>
-            </a:r>
-            <a:r>
-              <a:rPr lang="pt-BR" b="0" dirty="0">
-                <a:solidFill>
-                  <a:srgbClr val="569CD6"/>
-                </a:solidFill>
-                <a:effectLst/>
-                <a:latin typeface="Consolas" panose="020B0609020204030204" pitchFamily="49" charset="0"/>
-              </a:rPr>
-              <a:t>p</a:t>
-            </a:r>
-            <a:r>
-              <a:rPr lang="pt-BR" b="0" dirty="0">
-                <a:solidFill>
-                  <a:srgbClr val="CCCCCC"/>
-                </a:solidFill>
-                <a:effectLst/>
-                <a:latin typeface="Consolas" panose="020B0609020204030204" pitchFamily="49" charset="0"/>
-              </a:rPr>
-              <a:t> </a:t>
-            </a:r>
-            <a:r>
-              <a:rPr lang="pt-BR" b="0" dirty="0" err="1">
-                <a:solidFill>
-                  <a:srgbClr val="9CDCFE"/>
-                </a:solidFill>
-                <a:effectLst/>
-                <a:latin typeface="Consolas" panose="020B0609020204030204" pitchFamily="49" charset="0"/>
-              </a:rPr>
+              <a:rPr lang="pt-BR" dirty="0"/>
+              <a:t>No HTML, o atributo </a:t>
+            </a:r>
+            <a:r>
+              <a:rPr lang="pt-BR" dirty="0" err="1"/>
               <a:t>class</a:t>
             </a:r>
             <a:r>
-              <a:rPr lang="pt-BR" b="0" dirty="0">
-                <a:solidFill>
-                  <a:srgbClr val="CCCCCC"/>
-                </a:solidFill>
-                <a:effectLst/>
-                <a:latin typeface="Consolas" panose="020B0609020204030204" pitchFamily="49" charset="0"/>
-              </a:rPr>
-              <a:t>=</a:t>
-            </a:r>
-            <a:r>
-              <a:rPr lang="pt-BR" b="0" dirty="0">
-                <a:solidFill>
-                  <a:srgbClr val="CE9178"/>
-                </a:solidFill>
-                <a:effectLst/>
-                <a:latin typeface="Consolas" panose="020B0609020204030204" pitchFamily="49" charset="0"/>
-              </a:rPr>
-              <a:t>"destacado"</a:t>
-            </a:r>
-            <a:r>
-              <a:rPr lang="pt-BR" b="0" dirty="0">
-                <a:solidFill>
-                  <a:srgbClr val="808080"/>
-                </a:solidFill>
-                <a:effectLst/>
-                <a:latin typeface="Consolas" panose="020B0609020204030204" pitchFamily="49" charset="0"/>
-              </a:rPr>
-              <a:t>&gt;</a:t>
-            </a:r>
-            <a:r>
-              <a:rPr lang="pt-BR" b="0" dirty="0">
-                <a:solidFill>
-                  <a:srgbClr val="CCCCCC"/>
-                </a:solidFill>
-                <a:effectLst/>
-                <a:latin typeface="Consolas" panose="020B0609020204030204" pitchFamily="49" charset="0"/>
-              </a:rPr>
-              <a:t>Este parágrafo está destacado.</a:t>
-            </a:r>
-            <a:r>
-              <a:rPr lang="pt-BR" b="0" dirty="0">
-                <a:solidFill>
-                  <a:srgbClr val="808080"/>
-                </a:solidFill>
-                <a:effectLst/>
-                <a:latin typeface="Consolas" panose="020B0609020204030204" pitchFamily="49" charset="0"/>
-              </a:rPr>
-              <a:t>&lt;/</a:t>
-            </a:r>
-            <a:r>
-              <a:rPr lang="pt-BR" b="0" dirty="0">
-                <a:solidFill>
-                  <a:srgbClr val="569CD6"/>
-                </a:solidFill>
-                <a:effectLst/>
-                <a:latin typeface="Consolas" panose="020B0609020204030204" pitchFamily="49" charset="0"/>
-              </a:rPr>
-              <a:t>p</a:t>
-            </a:r>
-            <a:r>
-              <a:rPr lang="pt-BR" b="0" dirty="0">
-                <a:solidFill>
-                  <a:srgbClr val="808080"/>
-                </a:solidFill>
-                <a:effectLst/>
-                <a:latin typeface="Consolas" panose="020B0609020204030204" pitchFamily="49" charset="0"/>
-              </a:rPr>
-              <a:t>&gt;</a:t>
-            </a:r>
-            <a:endParaRPr lang="pt-BR" b="0" dirty="0">
-              <a:solidFill>
-                <a:srgbClr val="CCCCCC"/>
-              </a:solidFill>
-              <a:effectLst/>
-              <a:latin typeface="Consolas" panose="020B0609020204030204" pitchFamily="49" charset="0"/>
-            </a:endParaRPr>
-          </a:p>
-          <a:p>
-            <a:r>
-              <a:rPr lang="pt-BR" b="0" dirty="0">
-                <a:solidFill>
-                  <a:srgbClr val="CCCCCC"/>
-                </a:solidFill>
-                <a:effectLst/>
-                <a:latin typeface="Consolas" panose="020B0609020204030204" pitchFamily="49" charset="0"/>
-              </a:rPr>
-              <a:t>    </a:t>
-            </a:r>
-            <a:r>
-              <a:rPr lang="pt-BR" b="0" dirty="0">
-                <a:solidFill>
-                  <a:srgbClr val="808080"/>
-                </a:solidFill>
-                <a:effectLst/>
-                <a:latin typeface="Consolas" panose="020B0609020204030204" pitchFamily="49" charset="0"/>
-              </a:rPr>
-              <a:t>&lt;</a:t>
-            </a:r>
-            <a:r>
-              <a:rPr lang="pt-BR" b="0" dirty="0">
-                <a:solidFill>
-                  <a:srgbClr val="569CD6"/>
-                </a:solidFill>
-                <a:effectLst/>
-                <a:latin typeface="Consolas" panose="020B0609020204030204" pitchFamily="49" charset="0"/>
-              </a:rPr>
-              <a:t>p</a:t>
-            </a:r>
-            <a:r>
-              <a:rPr lang="pt-BR" b="0" dirty="0">
-                <a:solidFill>
-                  <a:srgbClr val="CCCCCC"/>
-                </a:solidFill>
-                <a:effectLst/>
-                <a:latin typeface="Consolas" panose="020B0609020204030204" pitchFamily="49" charset="0"/>
-              </a:rPr>
-              <a:t> </a:t>
-            </a:r>
-            <a:r>
-              <a:rPr lang="pt-BR" b="0" dirty="0" err="1">
-                <a:solidFill>
-                  <a:srgbClr val="9CDCFE"/>
-                </a:solidFill>
-                <a:effectLst/>
-                <a:latin typeface="Consolas" panose="020B0609020204030204" pitchFamily="49" charset="0"/>
-              </a:rPr>
-              <a:t>class</a:t>
-            </a:r>
-            <a:r>
-              <a:rPr lang="pt-BR" b="0" dirty="0">
-                <a:solidFill>
-                  <a:srgbClr val="CCCCCC"/>
-                </a:solidFill>
-                <a:effectLst/>
-                <a:latin typeface="Consolas" panose="020B0609020204030204" pitchFamily="49" charset="0"/>
-              </a:rPr>
-              <a:t>=</a:t>
-            </a:r>
-            <a:r>
-              <a:rPr lang="pt-BR" b="0" dirty="0">
-                <a:solidFill>
-                  <a:srgbClr val="CE9178"/>
-                </a:solidFill>
-                <a:effectLst/>
-                <a:latin typeface="Consolas" panose="020B0609020204030204" pitchFamily="49" charset="0"/>
-              </a:rPr>
-              <a:t>"destacado"</a:t>
-            </a:r>
-            <a:r>
-              <a:rPr lang="pt-BR" b="0" dirty="0">
-                <a:solidFill>
-                  <a:srgbClr val="808080"/>
-                </a:solidFill>
-                <a:effectLst/>
-                <a:latin typeface="Consolas" panose="020B0609020204030204" pitchFamily="49" charset="0"/>
-              </a:rPr>
-              <a:t>&gt;</a:t>
-            </a:r>
-            <a:r>
-              <a:rPr lang="pt-BR" b="0" dirty="0">
-                <a:solidFill>
-                  <a:srgbClr val="CCCCCC"/>
-                </a:solidFill>
-                <a:effectLst/>
-                <a:latin typeface="Consolas" panose="020B0609020204030204" pitchFamily="49" charset="0"/>
-              </a:rPr>
-              <a:t>Este também está destacado.</a:t>
-            </a:r>
-            <a:r>
-              <a:rPr lang="pt-BR" b="0" dirty="0">
-                <a:solidFill>
-                  <a:srgbClr val="808080"/>
-                </a:solidFill>
-                <a:effectLst/>
-                <a:latin typeface="Consolas" panose="020B0609020204030204" pitchFamily="49" charset="0"/>
-              </a:rPr>
-              <a:t>&lt;/</a:t>
-            </a:r>
-            <a:r>
-              <a:rPr lang="pt-BR" b="0" dirty="0">
-                <a:solidFill>
-                  <a:srgbClr val="569CD6"/>
-                </a:solidFill>
-                <a:effectLst/>
-                <a:latin typeface="Consolas" panose="020B0609020204030204" pitchFamily="49" charset="0"/>
-              </a:rPr>
-              <a:t>p</a:t>
-            </a:r>
-            <a:r>
-              <a:rPr lang="pt-BR" b="0" dirty="0">
-                <a:solidFill>
-                  <a:srgbClr val="808080"/>
-                </a:solidFill>
-                <a:effectLst/>
-                <a:latin typeface="Consolas" panose="020B0609020204030204" pitchFamily="49" charset="0"/>
-              </a:rPr>
-              <a:t>&gt;</a:t>
-            </a:r>
-            <a:r>
-              <a:rPr lang="pt-BR" b="0" dirty="0">
-                <a:solidFill>
-                  <a:srgbClr val="CCCCCC"/>
-                </a:solidFill>
-                <a:effectLst/>
-                <a:latin typeface="Consolas" panose="020B0609020204030204" pitchFamily="49" charset="0"/>
-              </a:rPr>
-              <a:t>   </a:t>
+              <a:rPr lang="pt-BR" dirty="0"/>
+              <a:t> é utilizado para definir uma ou mais classes para um elemento. As classes são uma maneira de agrupar elementos e aplicar estilos ou comportamentos específicos a esses grupos de elementos. Diferente do atributo id, que deve ser único dentro do documento, várias instâncias de elementos podem compartilhar o mesmo valor de class.</a:t>
             </a:r>
           </a:p>
         </p:txBody>
@@ -7083,7 +6695,7 @@
     </p:spTree>
     <p:extLst>
       <p:ext uri="{BB962C8B-B14F-4D97-AF65-F5344CB8AC3E}">
-        <p14:creationId xmlns:p14="http://schemas.microsoft.com/office/powerpoint/2010/main" val="335438052"/>
+        <p14:creationId xmlns:p14="http://schemas.microsoft.com/office/powerpoint/2010/main" val="2467300827"/>
       </p:ext>
     </p:extLst>
   </p:cSld>
@@ -7115,7 +6727,7 @@
           <p:cNvPr id="2" name="Título 1">
             <a:extLst>
               <a:ext uri="{FF2B5EF4-FFF2-40B4-BE49-F238E27FC236}">
-                <a16:creationId xmlns:a16="http://schemas.microsoft.com/office/drawing/2014/main" id="{8EFFDECD-2548-6E76-DE66-11AF425DD21F}"/>
+                <a16:creationId xmlns:a16="http://schemas.microsoft.com/office/drawing/2014/main" id="{487415E2-437C-66D3-616F-ECAF627E875F}"/>
               </a:ext>
             </a:extLst>
           </p:cNvPr>
@@ -7133,614 +6745,108 @@
           <a:p>
             <a:r>
               <a:rPr lang="pt-BR" dirty="0"/>
-              <a:t>Aplicar Múltiplas Classes.</a:t>
+              <a:t>Regras</a:t>
             </a:r>
           </a:p>
         </p:txBody>
       </p:sp>
       <p:sp>
         <p:nvSpPr>
-          <p:cNvPr id="5" name="CaixaDeTexto 4">
+          <p:cNvPr id="3" name="Espaço Reservado para Conteúdo 2">
             <a:extLst>
               <a:ext uri="{FF2B5EF4-FFF2-40B4-BE49-F238E27FC236}">
-                <a16:creationId xmlns:a16="http://schemas.microsoft.com/office/drawing/2014/main" id="{3C8CFC2E-E315-B209-8234-A30B1F7DA20D}"/>
+                <a16:creationId xmlns:a16="http://schemas.microsoft.com/office/drawing/2014/main" id="{80B41DFD-5625-87E9-AF61-A3DB6C872EFE}"/>
               </a:ext>
             </a:extLst>
           </p:cNvPr>
-          <p:cNvSpPr txBox="1"/>
-          <p:nvPr/>
-        </p:nvSpPr>
-        <p:spPr>
-          <a:xfrm>
-            <a:off x="810000" y="2392740"/>
-            <a:ext cx="10326511" cy="2862322"/>
-          </a:xfrm>
-          <a:prstGeom prst="rect">
-            <a:avLst/>
-          </a:prstGeom>
-          <a:noFill/>
-        </p:spPr>
+          <p:cNvSpPr>
+            <a:spLocks noGrp="1"/>
+          </p:cNvSpPr>
+          <p:nvPr>
+            <p:ph idx="1"/>
+          </p:nvPr>
+        </p:nvSpPr>
+        <p:spPr/>
         <p:txBody>
-          <a:bodyPr wrap="square">
-            <a:spAutoFit/>
-          </a:bodyPr>
+          <a:bodyPr/>
           <a:lstStyle/>
           <a:p>
             <a:r>
-              <a:rPr lang="pt-BR" b="0" dirty="0">
-                <a:solidFill>
-                  <a:srgbClr val="CCCCCC"/>
-                </a:solidFill>
-                <a:effectLst/>
-                <a:latin typeface="Consolas" panose="020B0609020204030204" pitchFamily="49" charset="0"/>
-              </a:rPr>
-              <a:t>    </a:t>
-            </a:r>
-            <a:r>
-              <a:rPr lang="pt-BR" b="0" dirty="0">
-                <a:solidFill>
-                  <a:srgbClr val="6A9955"/>
-                </a:solidFill>
-                <a:effectLst/>
-                <a:latin typeface="Consolas" panose="020B0609020204030204" pitchFamily="49" charset="0"/>
-              </a:rPr>
-              <a:t>&lt;!-- </a:t>
-            </a:r>
-            <a:r>
-              <a:rPr lang="pt-BR" b="0" dirty="0" err="1">
-                <a:solidFill>
-                  <a:srgbClr val="6A9955"/>
-                </a:solidFill>
-                <a:effectLst/>
-                <a:latin typeface="Consolas" panose="020B0609020204030204" pitchFamily="49" charset="0"/>
-              </a:rPr>
-              <a:t>Multiplas</a:t>
-            </a:r>
-            <a:r>
-              <a:rPr lang="pt-BR" b="0" dirty="0">
-                <a:solidFill>
-                  <a:srgbClr val="6A9955"/>
-                </a:solidFill>
-                <a:effectLst/>
-                <a:latin typeface="Consolas" panose="020B0609020204030204" pitchFamily="49" charset="0"/>
-              </a:rPr>
-              <a:t> Classes --&gt;</a:t>
-            </a:r>
-            <a:endParaRPr lang="pt-BR" b="0" dirty="0">
-              <a:solidFill>
-                <a:srgbClr val="CCCCCC"/>
-              </a:solidFill>
-              <a:effectLst/>
-              <a:latin typeface="Consolas" panose="020B0609020204030204" pitchFamily="49" charset="0"/>
-            </a:endParaRPr>
-          </a:p>
-          <a:p>
-            <a:r>
-              <a:rPr lang="pt-BR" b="0" dirty="0">
-                <a:solidFill>
-                  <a:srgbClr val="CCCCCC"/>
-                </a:solidFill>
-                <a:effectLst/>
-                <a:latin typeface="Consolas" panose="020B0609020204030204" pitchFamily="49" charset="0"/>
-              </a:rPr>
-              <a:t>    </a:t>
-            </a:r>
-            <a:r>
-              <a:rPr lang="pt-BR" b="0" dirty="0">
-                <a:solidFill>
-                  <a:srgbClr val="808080"/>
-                </a:solidFill>
-                <a:effectLst/>
-                <a:latin typeface="Consolas" panose="020B0609020204030204" pitchFamily="49" charset="0"/>
-              </a:rPr>
-              <a:t>&lt;</a:t>
-            </a:r>
-            <a:r>
-              <a:rPr lang="pt-BR" b="0" dirty="0" err="1">
-                <a:solidFill>
-                  <a:srgbClr val="569CD6"/>
-                </a:solidFill>
-                <a:effectLst/>
-                <a:latin typeface="Consolas" panose="020B0609020204030204" pitchFamily="49" charset="0"/>
-              </a:rPr>
-              <a:t>style</a:t>
-            </a:r>
-            <a:r>
-              <a:rPr lang="pt-BR" b="0" dirty="0">
-                <a:solidFill>
-                  <a:srgbClr val="808080"/>
-                </a:solidFill>
-                <a:effectLst/>
-                <a:latin typeface="Consolas" panose="020B0609020204030204" pitchFamily="49" charset="0"/>
-              </a:rPr>
-              <a:t>&gt;</a:t>
-            </a:r>
-            <a:endParaRPr lang="pt-BR" b="0" dirty="0">
-              <a:solidFill>
-                <a:srgbClr val="CCCCCC"/>
-              </a:solidFill>
-              <a:effectLst/>
-              <a:latin typeface="Consolas" panose="020B0609020204030204" pitchFamily="49" charset="0"/>
-            </a:endParaRPr>
-          </a:p>
-          <a:p>
-            <a:r>
-              <a:rPr lang="pt-BR" b="0" dirty="0">
-                <a:solidFill>
-                  <a:srgbClr val="D4D4D4"/>
-                </a:solidFill>
-                <a:effectLst/>
-                <a:latin typeface="Consolas" panose="020B0609020204030204" pitchFamily="49" charset="0"/>
-              </a:rPr>
-              <a:t>        </a:t>
-            </a:r>
-            <a:r>
-              <a:rPr lang="pt-BR" b="0" dirty="0">
-                <a:solidFill>
-                  <a:srgbClr val="D7BA7D"/>
-                </a:solidFill>
-                <a:effectLst/>
-                <a:latin typeface="Consolas" panose="020B0609020204030204" pitchFamily="49" charset="0"/>
-              </a:rPr>
-              <a:t>.</a:t>
-            </a:r>
-            <a:r>
-              <a:rPr lang="pt-BR" b="0" dirty="0" err="1">
-                <a:solidFill>
-                  <a:srgbClr val="D7BA7D"/>
-                </a:solidFill>
-                <a:effectLst/>
-                <a:latin typeface="Consolas" panose="020B0609020204030204" pitchFamily="49" charset="0"/>
-              </a:rPr>
-              <a:t>textoVerde</a:t>
-            </a:r>
-            <a:r>
-              <a:rPr lang="pt-BR" b="0" dirty="0">
-                <a:solidFill>
-                  <a:srgbClr val="D4D4D4"/>
-                </a:solidFill>
-                <a:effectLst/>
-                <a:latin typeface="Consolas" panose="020B0609020204030204" pitchFamily="49" charset="0"/>
-              </a:rPr>
-              <a:t> {</a:t>
-            </a:r>
-            <a:endParaRPr lang="pt-BR" b="0" dirty="0">
-              <a:solidFill>
-                <a:srgbClr val="CCCCCC"/>
-              </a:solidFill>
-              <a:effectLst/>
-              <a:latin typeface="Consolas" panose="020B0609020204030204" pitchFamily="49" charset="0"/>
-            </a:endParaRPr>
-          </a:p>
-          <a:p>
-            <a:r>
-              <a:rPr lang="pt-BR" b="0" dirty="0">
-                <a:solidFill>
-                  <a:srgbClr val="D4D4D4"/>
-                </a:solidFill>
-                <a:effectLst/>
-                <a:latin typeface="Consolas" panose="020B0609020204030204" pitchFamily="49" charset="0"/>
-              </a:rPr>
-              <a:t>            </a:t>
-            </a:r>
-            <a:r>
-              <a:rPr lang="pt-BR" b="0" dirty="0">
-                <a:solidFill>
-                  <a:srgbClr val="9CDCFE"/>
-                </a:solidFill>
-                <a:effectLst/>
-                <a:latin typeface="Consolas" panose="020B0609020204030204" pitchFamily="49" charset="0"/>
-              </a:rPr>
-              <a:t>color</a:t>
-            </a:r>
-            <a:r>
-              <a:rPr lang="pt-BR" b="0" dirty="0">
-                <a:solidFill>
-                  <a:srgbClr val="D4D4D4"/>
-                </a:solidFill>
-                <a:effectLst/>
-                <a:latin typeface="Consolas" panose="020B0609020204030204" pitchFamily="49" charset="0"/>
-              </a:rPr>
-              <a:t>: </a:t>
-            </a:r>
-            <a:r>
-              <a:rPr lang="pt-BR" b="0" dirty="0" err="1">
-                <a:solidFill>
-                  <a:srgbClr val="CE9178"/>
-                </a:solidFill>
-                <a:effectLst/>
-                <a:latin typeface="Consolas" panose="020B0609020204030204" pitchFamily="49" charset="0"/>
-              </a:rPr>
-              <a:t>green</a:t>
-            </a:r>
-            <a:r>
-              <a:rPr lang="pt-BR" b="0" dirty="0">
-                <a:solidFill>
-                  <a:srgbClr val="D4D4D4"/>
-                </a:solidFill>
-                <a:effectLst/>
-                <a:latin typeface="Consolas" panose="020B0609020204030204" pitchFamily="49" charset="0"/>
-              </a:rPr>
-              <a:t>;</a:t>
-            </a:r>
-            <a:endParaRPr lang="pt-BR" b="0" dirty="0">
-              <a:solidFill>
-                <a:srgbClr val="CCCCCC"/>
-              </a:solidFill>
-              <a:effectLst/>
-              <a:latin typeface="Consolas" panose="020B0609020204030204" pitchFamily="49" charset="0"/>
-            </a:endParaRPr>
-          </a:p>
-          <a:p>
-            <a:r>
-              <a:rPr lang="pt-BR" b="0" dirty="0">
-                <a:solidFill>
-                  <a:srgbClr val="D4D4D4"/>
-                </a:solidFill>
-                <a:effectLst/>
-                <a:latin typeface="Consolas" panose="020B0609020204030204" pitchFamily="49" charset="0"/>
-              </a:rPr>
-              <a:t>        }</a:t>
-            </a:r>
-            <a:endParaRPr lang="pt-BR" b="0" dirty="0">
-              <a:solidFill>
-                <a:srgbClr val="CCCCCC"/>
-              </a:solidFill>
-              <a:effectLst/>
-              <a:latin typeface="Consolas" panose="020B0609020204030204" pitchFamily="49" charset="0"/>
-            </a:endParaRPr>
-          </a:p>
-          <a:p>
-            <a:r>
-              <a:rPr lang="pt-BR" b="0" dirty="0">
-                <a:solidFill>
-                  <a:srgbClr val="D4D4D4"/>
-                </a:solidFill>
-                <a:effectLst/>
-                <a:latin typeface="Consolas" panose="020B0609020204030204" pitchFamily="49" charset="0"/>
-              </a:rPr>
-              <a:t>        </a:t>
-            </a:r>
-            <a:r>
-              <a:rPr lang="pt-BR" b="0" dirty="0">
-                <a:solidFill>
-                  <a:srgbClr val="D7BA7D"/>
-                </a:solidFill>
-                <a:effectLst/>
-                <a:latin typeface="Consolas" panose="020B0609020204030204" pitchFamily="49" charset="0"/>
-              </a:rPr>
-              <a:t>.</a:t>
-            </a:r>
-            <a:r>
-              <a:rPr lang="pt-BR" b="0" dirty="0" err="1">
-                <a:solidFill>
-                  <a:srgbClr val="D7BA7D"/>
-                </a:solidFill>
-                <a:effectLst/>
-                <a:latin typeface="Consolas" panose="020B0609020204030204" pitchFamily="49" charset="0"/>
-              </a:rPr>
-              <a:t>textoGrande</a:t>
-            </a:r>
-            <a:r>
-              <a:rPr lang="pt-BR" b="0" dirty="0">
-                <a:solidFill>
-                  <a:srgbClr val="D4D4D4"/>
-                </a:solidFill>
-                <a:effectLst/>
-                <a:latin typeface="Consolas" panose="020B0609020204030204" pitchFamily="49" charset="0"/>
-              </a:rPr>
-              <a:t> {</a:t>
-            </a:r>
-            <a:endParaRPr lang="pt-BR" b="0" dirty="0">
-              <a:solidFill>
-                <a:srgbClr val="CCCCCC"/>
-              </a:solidFill>
-              <a:effectLst/>
-              <a:latin typeface="Consolas" panose="020B0609020204030204" pitchFamily="49" charset="0"/>
-            </a:endParaRPr>
-          </a:p>
-          <a:p>
-            <a:r>
-              <a:rPr lang="pt-BR" b="0" dirty="0">
-                <a:solidFill>
-                  <a:srgbClr val="D4D4D4"/>
-                </a:solidFill>
-                <a:effectLst/>
-                <a:latin typeface="Consolas" panose="020B0609020204030204" pitchFamily="49" charset="0"/>
-              </a:rPr>
-              <a:t>            </a:t>
-            </a:r>
-            <a:r>
-              <a:rPr lang="pt-BR" b="0" dirty="0" err="1">
-                <a:solidFill>
-                  <a:srgbClr val="9CDCFE"/>
-                </a:solidFill>
-                <a:effectLst/>
-                <a:latin typeface="Consolas" panose="020B0609020204030204" pitchFamily="49" charset="0"/>
-              </a:rPr>
-              <a:t>font-size</a:t>
-            </a:r>
-            <a:r>
-              <a:rPr lang="pt-BR" b="0" dirty="0">
-                <a:solidFill>
-                  <a:srgbClr val="D4D4D4"/>
-                </a:solidFill>
-                <a:effectLst/>
-                <a:latin typeface="Consolas" panose="020B0609020204030204" pitchFamily="49" charset="0"/>
-              </a:rPr>
-              <a:t>: </a:t>
-            </a:r>
-            <a:r>
-              <a:rPr lang="pt-BR" b="0" dirty="0">
-                <a:solidFill>
-                  <a:srgbClr val="B5CEA8"/>
-                </a:solidFill>
-                <a:effectLst/>
-                <a:latin typeface="Consolas" panose="020B0609020204030204" pitchFamily="49" charset="0"/>
-              </a:rPr>
-              <a:t>20px</a:t>
-            </a:r>
-            <a:r>
-              <a:rPr lang="pt-BR" b="0" dirty="0">
-                <a:solidFill>
-                  <a:srgbClr val="D4D4D4"/>
-                </a:solidFill>
-                <a:effectLst/>
-                <a:latin typeface="Consolas" panose="020B0609020204030204" pitchFamily="49" charset="0"/>
-              </a:rPr>
-              <a:t>;</a:t>
-            </a:r>
-            <a:endParaRPr lang="pt-BR" b="0" dirty="0">
-              <a:solidFill>
-                <a:srgbClr val="CCCCCC"/>
-              </a:solidFill>
-              <a:effectLst/>
-              <a:latin typeface="Consolas" panose="020B0609020204030204" pitchFamily="49" charset="0"/>
-            </a:endParaRPr>
-          </a:p>
-          <a:p>
-            <a:r>
-              <a:rPr lang="pt-BR" b="0" dirty="0">
-                <a:solidFill>
-                  <a:srgbClr val="D4D4D4"/>
-                </a:solidFill>
-                <a:effectLst/>
-                <a:latin typeface="Consolas" panose="020B0609020204030204" pitchFamily="49" charset="0"/>
-              </a:rPr>
-              <a:t>        }</a:t>
-            </a:r>
-            <a:endParaRPr lang="pt-BR" b="0" dirty="0">
-              <a:solidFill>
-                <a:srgbClr val="CCCCCC"/>
-              </a:solidFill>
-              <a:effectLst/>
-              <a:latin typeface="Consolas" panose="020B0609020204030204" pitchFamily="49" charset="0"/>
-            </a:endParaRPr>
-          </a:p>
-          <a:p>
-            <a:r>
-              <a:rPr lang="pt-BR" b="0" dirty="0">
-                <a:solidFill>
-                  <a:srgbClr val="D4D4D4"/>
-                </a:solidFill>
-                <a:effectLst/>
-                <a:latin typeface="Consolas" panose="020B0609020204030204" pitchFamily="49" charset="0"/>
-              </a:rPr>
-              <a:t>    </a:t>
-            </a:r>
-            <a:r>
-              <a:rPr lang="pt-BR" b="0" dirty="0">
-                <a:solidFill>
-                  <a:srgbClr val="808080"/>
-                </a:solidFill>
-                <a:effectLst/>
-                <a:latin typeface="Consolas" panose="020B0609020204030204" pitchFamily="49" charset="0"/>
-              </a:rPr>
-              <a:t>&lt;/</a:t>
-            </a:r>
-            <a:r>
-              <a:rPr lang="pt-BR" b="0" dirty="0" err="1">
-                <a:solidFill>
-                  <a:srgbClr val="569CD6"/>
-                </a:solidFill>
-                <a:effectLst/>
-                <a:latin typeface="Consolas" panose="020B0609020204030204" pitchFamily="49" charset="0"/>
-              </a:rPr>
-              <a:t>style</a:t>
-            </a:r>
-            <a:r>
-              <a:rPr lang="pt-BR" b="0" dirty="0">
-                <a:solidFill>
-                  <a:srgbClr val="808080"/>
-                </a:solidFill>
-                <a:effectLst/>
-                <a:latin typeface="Consolas" panose="020B0609020204030204" pitchFamily="49" charset="0"/>
-              </a:rPr>
-              <a:t>&gt;</a:t>
-            </a:r>
-            <a:endParaRPr lang="pt-BR" b="0" dirty="0">
-              <a:solidFill>
-                <a:srgbClr val="CCCCCC"/>
-              </a:solidFill>
-              <a:effectLst/>
-              <a:latin typeface="Consolas" panose="020B0609020204030204" pitchFamily="49" charset="0"/>
-            </a:endParaRPr>
-          </a:p>
-          <a:p>
-            <a:r>
-              <a:rPr lang="pt-BR" b="0" dirty="0">
-                <a:solidFill>
-                  <a:srgbClr val="CCCCCC"/>
-                </a:solidFill>
-                <a:effectLst/>
-                <a:latin typeface="Consolas" panose="020B0609020204030204" pitchFamily="49" charset="0"/>
-              </a:rPr>
-              <a:t>    </a:t>
-            </a:r>
-            <a:r>
-              <a:rPr lang="pt-BR" b="0" dirty="0">
-                <a:solidFill>
-                  <a:srgbClr val="808080"/>
-                </a:solidFill>
-                <a:effectLst/>
-                <a:latin typeface="Consolas" panose="020B0609020204030204" pitchFamily="49" charset="0"/>
-              </a:rPr>
-              <a:t>&lt;</a:t>
-            </a:r>
-            <a:r>
-              <a:rPr lang="pt-BR" b="0" dirty="0">
-                <a:solidFill>
-                  <a:srgbClr val="569CD6"/>
-                </a:solidFill>
-                <a:effectLst/>
-                <a:latin typeface="Consolas" panose="020B0609020204030204" pitchFamily="49" charset="0"/>
-              </a:rPr>
-              <a:t>p</a:t>
-            </a:r>
-            <a:r>
-              <a:rPr lang="pt-BR" b="0" dirty="0">
-                <a:solidFill>
-                  <a:srgbClr val="CCCCCC"/>
-                </a:solidFill>
-                <a:effectLst/>
-                <a:latin typeface="Consolas" panose="020B0609020204030204" pitchFamily="49" charset="0"/>
-              </a:rPr>
-              <a:t> </a:t>
-            </a:r>
-            <a:r>
-              <a:rPr lang="pt-BR" b="0" dirty="0" err="1">
-                <a:solidFill>
-                  <a:srgbClr val="9CDCFE"/>
-                </a:solidFill>
-                <a:effectLst/>
-                <a:latin typeface="Consolas" panose="020B0609020204030204" pitchFamily="49" charset="0"/>
-              </a:rPr>
+              <a:rPr lang="pt-BR" b="1" dirty="0">
+                <a:solidFill>
+                  <a:srgbClr val="ECECEC"/>
+                </a:solidFill>
+                <a:latin typeface="Söhne"/>
+              </a:rPr>
+              <a:t>Nomenclatura:</a:t>
+            </a:r>
+          </a:p>
+          <a:p>
+            <a:pPr marL="0" indent="0">
+              <a:buNone/>
+            </a:pPr>
+            <a:r>
+              <a:rPr lang="pt-BR" dirty="0"/>
+              <a:t>Os valores de </a:t>
+            </a:r>
+            <a:r>
+              <a:rPr lang="pt-BR" dirty="0" err="1"/>
               <a:t>class</a:t>
             </a:r>
             <a:r>
-              <a:rPr lang="pt-BR" b="0" dirty="0">
-                <a:solidFill>
-                  <a:srgbClr val="CCCCCC"/>
-                </a:solidFill>
-                <a:effectLst/>
-                <a:latin typeface="Consolas" panose="020B0609020204030204" pitchFamily="49" charset="0"/>
-              </a:rPr>
-              <a:t>=</a:t>
-            </a:r>
-            <a:r>
-              <a:rPr lang="pt-BR" b="0" dirty="0">
-                <a:solidFill>
-                  <a:srgbClr val="CE9178"/>
-                </a:solidFill>
-                <a:effectLst/>
-                <a:latin typeface="Consolas" panose="020B0609020204030204" pitchFamily="49" charset="0"/>
-              </a:rPr>
-              <a:t>"</a:t>
-            </a:r>
-            <a:r>
-              <a:rPr lang="pt-BR" b="0" dirty="0" err="1">
-                <a:solidFill>
-                  <a:srgbClr val="CE9178"/>
-                </a:solidFill>
-                <a:effectLst/>
-                <a:latin typeface="Consolas" panose="020B0609020204030204" pitchFamily="49" charset="0"/>
-              </a:rPr>
-              <a:t>textoVerde</a:t>
-            </a:r>
-            <a:r>
-              <a:rPr lang="pt-BR" b="0" dirty="0">
-                <a:solidFill>
-                  <a:srgbClr val="CE9178"/>
-                </a:solidFill>
-                <a:effectLst/>
-                <a:latin typeface="Consolas" panose="020B0609020204030204" pitchFamily="49" charset="0"/>
-              </a:rPr>
-              <a:t> </a:t>
-            </a:r>
-            <a:r>
-              <a:rPr lang="pt-BR" b="0" dirty="0" err="1">
-                <a:solidFill>
-                  <a:srgbClr val="CE9178"/>
-                </a:solidFill>
-                <a:effectLst/>
-                <a:latin typeface="Consolas" panose="020B0609020204030204" pitchFamily="49" charset="0"/>
-              </a:rPr>
-              <a:t>textoGrande</a:t>
-            </a:r>
-            <a:r>
-              <a:rPr lang="pt-BR" b="0" dirty="0">
-                <a:solidFill>
-                  <a:srgbClr val="CE9178"/>
-                </a:solidFill>
-                <a:effectLst/>
-                <a:latin typeface="Consolas" panose="020B0609020204030204" pitchFamily="49" charset="0"/>
-              </a:rPr>
-              <a:t>"</a:t>
-            </a:r>
-            <a:r>
-              <a:rPr lang="pt-BR" b="0" dirty="0">
-                <a:solidFill>
-                  <a:srgbClr val="808080"/>
-                </a:solidFill>
-                <a:effectLst/>
-                <a:latin typeface="Consolas" panose="020B0609020204030204" pitchFamily="49" charset="0"/>
-              </a:rPr>
-              <a:t>&gt;</a:t>
-            </a:r>
-            <a:r>
-              <a:rPr lang="pt-BR" b="0" dirty="0">
-                <a:solidFill>
-                  <a:srgbClr val="CCCCCC"/>
-                </a:solidFill>
-                <a:effectLst/>
-                <a:latin typeface="Consolas" panose="020B0609020204030204" pitchFamily="49" charset="0"/>
-              </a:rPr>
-              <a:t>Este parágrafo é verde e grande.</a:t>
-            </a:r>
-            <a:r>
-              <a:rPr lang="pt-BR" b="0" dirty="0">
-                <a:solidFill>
-                  <a:srgbClr val="808080"/>
-                </a:solidFill>
-                <a:effectLst/>
-                <a:latin typeface="Consolas" panose="020B0609020204030204" pitchFamily="49" charset="0"/>
-              </a:rPr>
-              <a:t>&lt;/</a:t>
-            </a:r>
-            <a:r>
-              <a:rPr lang="pt-BR" b="0" dirty="0">
-                <a:solidFill>
-                  <a:srgbClr val="569CD6"/>
-                </a:solidFill>
-                <a:effectLst/>
-                <a:latin typeface="Consolas" panose="020B0609020204030204" pitchFamily="49" charset="0"/>
-              </a:rPr>
-              <a:t>p</a:t>
-            </a:r>
-            <a:r>
-              <a:rPr lang="pt-BR" b="0" dirty="0">
-                <a:solidFill>
-                  <a:srgbClr val="808080"/>
-                </a:solidFill>
-                <a:effectLst/>
-                <a:latin typeface="Consolas" panose="020B0609020204030204" pitchFamily="49" charset="0"/>
-              </a:rPr>
-              <a:t>&gt;</a:t>
-            </a:r>
-            <a:endParaRPr lang="pt-BR" b="0" dirty="0">
-              <a:solidFill>
-                <a:srgbClr val="CCCCCC"/>
-              </a:solidFill>
-              <a:effectLst/>
-              <a:latin typeface="Consolas" panose="020B0609020204030204" pitchFamily="49" charset="0"/>
-            </a:endParaRPr>
+              <a:rPr lang="pt-BR" dirty="0"/>
+              <a:t> devem começar com uma letra (A-Z ou </a:t>
+            </a:r>
+            <a:r>
+              <a:rPr lang="pt-BR" dirty="0" err="1"/>
+              <a:t>a-z</a:t>
+            </a:r>
+            <a:r>
+              <a:rPr lang="pt-BR" dirty="0"/>
+              <a:t>) e podem ser seguidos por letras, dígitos (0-9), </a:t>
+            </a:r>
+            <a:r>
+              <a:rPr lang="pt-BR" dirty="0" err="1"/>
+              <a:t>hífens</a:t>
+            </a:r>
+            <a:r>
+              <a:rPr lang="pt-BR" dirty="0"/>
+              <a:t> (-), e sublinhados (_).</a:t>
+            </a:r>
+          </a:p>
+          <a:p>
+            <a:pPr marL="0" indent="0">
+              <a:buNone/>
+            </a:pPr>
+            <a:endParaRPr lang="pt-BR" dirty="0"/>
+          </a:p>
+          <a:p>
+            <a:r>
+              <a:rPr lang="pt-BR" b="1" i="0" dirty="0">
+                <a:solidFill>
+                  <a:srgbClr val="ECECEC"/>
+                </a:solidFill>
+                <a:effectLst/>
+                <a:latin typeface="Söhne"/>
+              </a:rPr>
+              <a:t>Múltiplas Classes:</a:t>
+            </a:r>
+          </a:p>
+          <a:p>
+            <a:pPr marL="0" indent="0">
+              <a:buNone/>
+            </a:pPr>
+            <a:r>
+              <a:rPr lang="pt-BR" dirty="0"/>
+              <a:t>Quando se aplicam múltiplas classes a um elemento, elas são separadas por espaços.</a:t>
+            </a:r>
           </a:p>
         </p:txBody>
       </p:sp>
     </p:spTree>
     <p:extLst>
       <p:ext uri="{BB962C8B-B14F-4D97-AF65-F5344CB8AC3E}">
-        <p14:creationId xmlns:p14="http://schemas.microsoft.com/office/powerpoint/2010/main" val="2305689583"/>
+        <p14:creationId xmlns:p14="http://schemas.microsoft.com/office/powerpoint/2010/main" val="3545266007"/>
       </p:ext>
     </p:extLst>
   </p:cSld>
@@ -7772,6 +6878,1353 @@
           <p:cNvPr id="2" name="Título 1">
             <a:extLst>
               <a:ext uri="{FF2B5EF4-FFF2-40B4-BE49-F238E27FC236}">
+                <a16:creationId xmlns:a16="http://schemas.microsoft.com/office/drawing/2014/main" id="{61311C7A-C61B-5ACF-936F-40687DC20D20}"/>
+              </a:ext>
+            </a:extLst>
+          </p:cNvPr>
+          <p:cNvSpPr>
+            <a:spLocks noGrp="1"/>
+          </p:cNvSpPr>
+          <p:nvPr>
+            <p:ph type="title"/>
+          </p:nvPr>
+        </p:nvSpPr>
+        <p:spPr/>
+        <p:txBody>
+          <a:bodyPr/>
+          <a:lstStyle/>
+          <a:p>
+            <a:r>
+              <a:rPr lang="pt-BR" dirty="0"/>
+              <a:t>Estilização com CSS.</a:t>
+            </a:r>
+          </a:p>
+        </p:txBody>
+      </p:sp>
+      <p:sp>
+        <p:nvSpPr>
+          <p:cNvPr id="5" name="CaixaDeTexto 4">
+            <a:extLst>
+              <a:ext uri="{FF2B5EF4-FFF2-40B4-BE49-F238E27FC236}">
+                <a16:creationId xmlns:a16="http://schemas.microsoft.com/office/drawing/2014/main" id="{74B84FB2-8A8D-C3F7-8F9C-F3DB9D878009}"/>
+              </a:ext>
+            </a:extLst>
+          </p:cNvPr>
+          <p:cNvSpPr txBox="1"/>
+          <p:nvPr/>
+        </p:nvSpPr>
+        <p:spPr>
+          <a:xfrm>
+            <a:off x="810000" y="2601163"/>
+            <a:ext cx="10230533" cy="2862322"/>
+          </a:xfrm>
+          <a:prstGeom prst="rect">
+            <a:avLst/>
+          </a:prstGeom>
+          <a:noFill/>
+        </p:spPr>
+        <p:txBody>
+          <a:bodyPr wrap="square">
+            <a:spAutoFit/>
+          </a:bodyPr>
+          <a:lstStyle/>
+          <a:p>
+            <a:r>
+              <a:rPr lang="pt-BR" b="0" dirty="0">
+                <a:solidFill>
+                  <a:srgbClr val="6A9955"/>
+                </a:solidFill>
+                <a:effectLst/>
+                <a:latin typeface="Consolas" panose="020B0609020204030204" pitchFamily="49" charset="0"/>
+              </a:rPr>
+              <a:t>&lt;!-- Reaproveitamento do </a:t>
+            </a:r>
+            <a:r>
+              <a:rPr lang="pt-BR" b="0" dirty="0" err="1">
+                <a:solidFill>
+                  <a:srgbClr val="6A9955"/>
+                </a:solidFill>
+                <a:effectLst/>
+                <a:latin typeface="Consolas" panose="020B0609020204030204" pitchFamily="49" charset="0"/>
+              </a:rPr>
+              <a:t>stilo</a:t>
+            </a:r>
+            <a:r>
+              <a:rPr lang="pt-BR" b="0" dirty="0">
+                <a:solidFill>
+                  <a:srgbClr val="6A9955"/>
+                </a:solidFill>
+                <a:effectLst/>
+                <a:latin typeface="Consolas" panose="020B0609020204030204" pitchFamily="49" charset="0"/>
+              </a:rPr>
+              <a:t> em dois elementos --&gt;</a:t>
+            </a:r>
+            <a:endParaRPr lang="pt-BR" b="0" dirty="0">
+              <a:solidFill>
+                <a:srgbClr val="CCCCCC"/>
+              </a:solidFill>
+              <a:effectLst/>
+              <a:latin typeface="Consolas" panose="020B0609020204030204" pitchFamily="49" charset="0"/>
+            </a:endParaRPr>
+          </a:p>
+          <a:p>
+            <a:r>
+              <a:rPr lang="pt-BR" b="0" dirty="0">
+                <a:solidFill>
+                  <a:srgbClr val="CCCCCC"/>
+                </a:solidFill>
+                <a:effectLst/>
+                <a:latin typeface="Consolas" panose="020B0609020204030204" pitchFamily="49" charset="0"/>
+              </a:rPr>
+              <a:t>    </a:t>
+            </a:r>
+            <a:r>
+              <a:rPr lang="pt-BR" b="0" dirty="0">
+                <a:solidFill>
+                  <a:srgbClr val="808080"/>
+                </a:solidFill>
+                <a:effectLst/>
+                <a:latin typeface="Consolas" panose="020B0609020204030204" pitchFamily="49" charset="0"/>
+              </a:rPr>
+              <a:t>&lt;</a:t>
+            </a:r>
+            <a:r>
+              <a:rPr lang="pt-BR" b="0" dirty="0" err="1">
+                <a:solidFill>
+                  <a:srgbClr val="569CD6"/>
+                </a:solidFill>
+                <a:effectLst/>
+                <a:latin typeface="Consolas" panose="020B0609020204030204" pitchFamily="49" charset="0"/>
+              </a:rPr>
+              <a:t>style</a:t>
+            </a:r>
+            <a:r>
+              <a:rPr lang="pt-BR" b="0" dirty="0">
+                <a:solidFill>
+                  <a:srgbClr val="808080"/>
+                </a:solidFill>
+                <a:effectLst/>
+                <a:latin typeface="Consolas" panose="020B0609020204030204" pitchFamily="49" charset="0"/>
+              </a:rPr>
+              <a:t>&gt;</a:t>
+            </a:r>
+            <a:endParaRPr lang="pt-BR" b="0" dirty="0">
+              <a:solidFill>
+                <a:srgbClr val="CCCCCC"/>
+              </a:solidFill>
+              <a:effectLst/>
+              <a:latin typeface="Consolas" panose="020B0609020204030204" pitchFamily="49" charset="0"/>
+            </a:endParaRPr>
+          </a:p>
+          <a:p>
+            <a:r>
+              <a:rPr lang="pt-BR" b="0" dirty="0">
+                <a:solidFill>
+                  <a:srgbClr val="D4D4D4"/>
+                </a:solidFill>
+                <a:effectLst/>
+                <a:latin typeface="Consolas" panose="020B0609020204030204" pitchFamily="49" charset="0"/>
+              </a:rPr>
+              <a:t>        </a:t>
+            </a:r>
+            <a:r>
+              <a:rPr lang="pt-BR" b="0" dirty="0">
+                <a:solidFill>
+                  <a:srgbClr val="D7BA7D"/>
+                </a:solidFill>
+                <a:effectLst/>
+                <a:latin typeface="Consolas" panose="020B0609020204030204" pitchFamily="49" charset="0"/>
+              </a:rPr>
+              <a:t>.destacado</a:t>
+            </a:r>
+            <a:r>
+              <a:rPr lang="pt-BR" b="0" dirty="0">
+                <a:solidFill>
+                  <a:srgbClr val="D4D4D4"/>
+                </a:solidFill>
+                <a:effectLst/>
+                <a:latin typeface="Consolas" panose="020B0609020204030204" pitchFamily="49" charset="0"/>
+              </a:rPr>
+              <a:t> {</a:t>
+            </a:r>
+            <a:endParaRPr lang="pt-BR" b="0" dirty="0">
+              <a:solidFill>
+                <a:srgbClr val="CCCCCC"/>
+              </a:solidFill>
+              <a:effectLst/>
+              <a:latin typeface="Consolas" panose="020B0609020204030204" pitchFamily="49" charset="0"/>
+            </a:endParaRPr>
+          </a:p>
+          <a:p>
+            <a:r>
+              <a:rPr lang="pt-BR" b="0" dirty="0">
+                <a:solidFill>
+                  <a:srgbClr val="D4D4D4"/>
+                </a:solidFill>
+                <a:effectLst/>
+                <a:latin typeface="Consolas" panose="020B0609020204030204" pitchFamily="49" charset="0"/>
+              </a:rPr>
+              <a:t>            </a:t>
+            </a:r>
+            <a:r>
+              <a:rPr lang="pt-BR" b="0" dirty="0">
+                <a:solidFill>
+                  <a:srgbClr val="9CDCFE"/>
+                </a:solidFill>
+                <a:effectLst/>
+                <a:latin typeface="Consolas" panose="020B0609020204030204" pitchFamily="49" charset="0"/>
+              </a:rPr>
+              <a:t>color</a:t>
+            </a:r>
+            <a:r>
+              <a:rPr lang="pt-BR" b="0" dirty="0">
+                <a:solidFill>
+                  <a:srgbClr val="D4D4D4"/>
+                </a:solidFill>
+                <a:effectLst/>
+                <a:latin typeface="Consolas" panose="020B0609020204030204" pitchFamily="49" charset="0"/>
+              </a:rPr>
+              <a:t>: </a:t>
+            </a:r>
+            <a:r>
+              <a:rPr lang="pt-BR" b="0" dirty="0" err="1">
+                <a:solidFill>
+                  <a:srgbClr val="CE9178"/>
+                </a:solidFill>
+                <a:effectLst/>
+                <a:latin typeface="Consolas" panose="020B0609020204030204" pitchFamily="49" charset="0"/>
+              </a:rPr>
+              <a:t>red</a:t>
+            </a:r>
+            <a:r>
+              <a:rPr lang="pt-BR" b="0" dirty="0">
+                <a:solidFill>
+                  <a:srgbClr val="D4D4D4"/>
+                </a:solidFill>
+                <a:effectLst/>
+                <a:latin typeface="Consolas" panose="020B0609020204030204" pitchFamily="49" charset="0"/>
+              </a:rPr>
+              <a:t>;</a:t>
+            </a:r>
+            <a:endParaRPr lang="pt-BR" b="0" dirty="0">
+              <a:solidFill>
+                <a:srgbClr val="CCCCCC"/>
+              </a:solidFill>
+              <a:effectLst/>
+              <a:latin typeface="Consolas" panose="020B0609020204030204" pitchFamily="49" charset="0"/>
+            </a:endParaRPr>
+          </a:p>
+          <a:p>
+            <a:r>
+              <a:rPr lang="pt-BR" b="0" dirty="0">
+                <a:solidFill>
+                  <a:srgbClr val="D4D4D4"/>
+                </a:solidFill>
+                <a:effectLst/>
+                <a:latin typeface="Consolas" panose="020B0609020204030204" pitchFamily="49" charset="0"/>
+              </a:rPr>
+              <a:t>            </a:t>
+            </a:r>
+            <a:r>
+              <a:rPr lang="pt-BR" b="0" dirty="0" err="1">
+                <a:solidFill>
+                  <a:srgbClr val="9CDCFE"/>
+                </a:solidFill>
+                <a:effectLst/>
+                <a:latin typeface="Consolas" panose="020B0609020204030204" pitchFamily="49" charset="0"/>
+              </a:rPr>
+              <a:t>font-weight</a:t>
+            </a:r>
+            <a:r>
+              <a:rPr lang="pt-BR" b="0" dirty="0">
+                <a:solidFill>
+                  <a:srgbClr val="D4D4D4"/>
+                </a:solidFill>
+                <a:effectLst/>
+                <a:latin typeface="Consolas" panose="020B0609020204030204" pitchFamily="49" charset="0"/>
+              </a:rPr>
+              <a:t>: </a:t>
+            </a:r>
+            <a:r>
+              <a:rPr lang="pt-BR" b="0" dirty="0" err="1">
+                <a:solidFill>
+                  <a:srgbClr val="CE9178"/>
+                </a:solidFill>
+                <a:effectLst/>
+                <a:latin typeface="Consolas" panose="020B0609020204030204" pitchFamily="49" charset="0"/>
+              </a:rPr>
+              <a:t>bold</a:t>
+            </a:r>
+            <a:r>
+              <a:rPr lang="pt-BR" b="0" dirty="0">
+                <a:solidFill>
+                  <a:srgbClr val="D4D4D4"/>
+                </a:solidFill>
+                <a:effectLst/>
+                <a:latin typeface="Consolas" panose="020B0609020204030204" pitchFamily="49" charset="0"/>
+              </a:rPr>
+              <a:t>;</a:t>
+            </a:r>
+            <a:endParaRPr lang="pt-BR" b="0" dirty="0">
+              <a:solidFill>
+                <a:srgbClr val="CCCCCC"/>
+              </a:solidFill>
+              <a:effectLst/>
+              <a:latin typeface="Consolas" panose="020B0609020204030204" pitchFamily="49" charset="0"/>
+            </a:endParaRPr>
+          </a:p>
+          <a:p>
+            <a:r>
+              <a:rPr lang="pt-BR" b="0" dirty="0">
+                <a:solidFill>
+                  <a:srgbClr val="D4D4D4"/>
+                </a:solidFill>
+                <a:effectLst/>
+                <a:latin typeface="Consolas" panose="020B0609020204030204" pitchFamily="49" charset="0"/>
+              </a:rPr>
+              <a:t>        }</a:t>
+            </a:r>
+            <a:endParaRPr lang="pt-BR" b="0" dirty="0">
+              <a:solidFill>
+                <a:srgbClr val="CCCCCC"/>
+              </a:solidFill>
+              <a:effectLst/>
+              <a:latin typeface="Consolas" panose="020B0609020204030204" pitchFamily="49" charset="0"/>
+            </a:endParaRPr>
+          </a:p>
+          <a:p>
+            <a:r>
+              <a:rPr lang="pt-BR" b="0" dirty="0">
+                <a:solidFill>
+                  <a:srgbClr val="D4D4D4"/>
+                </a:solidFill>
+                <a:effectLst/>
+                <a:latin typeface="Consolas" panose="020B0609020204030204" pitchFamily="49" charset="0"/>
+              </a:rPr>
+              <a:t>    </a:t>
+            </a:r>
+            <a:r>
+              <a:rPr lang="pt-BR" b="0" dirty="0">
+                <a:solidFill>
+                  <a:srgbClr val="808080"/>
+                </a:solidFill>
+                <a:effectLst/>
+                <a:latin typeface="Consolas" panose="020B0609020204030204" pitchFamily="49" charset="0"/>
+              </a:rPr>
+              <a:t>&lt;/</a:t>
+            </a:r>
+            <a:r>
+              <a:rPr lang="pt-BR" b="0" dirty="0" err="1">
+                <a:solidFill>
+                  <a:srgbClr val="569CD6"/>
+                </a:solidFill>
+                <a:effectLst/>
+                <a:latin typeface="Consolas" panose="020B0609020204030204" pitchFamily="49" charset="0"/>
+              </a:rPr>
+              <a:t>style</a:t>
+            </a:r>
+            <a:r>
+              <a:rPr lang="pt-BR" b="0" dirty="0">
+                <a:solidFill>
+                  <a:srgbClr val="808080"/>
+                </a:solidFill>
+                <a:effectLst/>
+                <a:latin typeface="Consolas" panose="020B0609020204030204" pitchFamily="49" charset="0"/>
+              </a:rPr>
+              <a:t>&gt;</a:t>
+            </a:r>
+            <a:endParaRPr lang="pt-BR" b="0" dirty="0">
+              <a:solidFill>
+                <a:srgbClr val="CCCCCC"/>
+              </a:solidFill>
+              <a:effectLst/>
+              <a:latin typeface="Consolas" panose="020B0609020204030204" pitchFamily="49" charset="0"/>
+            </a:endParaRPr>
+          </a:p>
+          <a:p>
+            <a:r>
+              <a:rPr lang="pt-BR" b="0" dirty="0">
+                <a:solidFill>
+                  <a:srgbClr val="CCCCCC"/>
+                </a:solidFill>
+                <a:effectLst/>
+                <a:latin typeface="Consolas" panose="020B0609020204030204" pitchFamily="49" charset="0"/>
+              </a:rPr>
+              <a:t>    </a:t>
+            </a:r>
+            <a:r>
+              <a:rPr lang="pt-BR" b="0" dirty="0">
+                <a:solidFill>
+                  <a:srgbClr val="6A9955"/>
+                </a:solidFill>
+                <a:effectLst/>
+                <a:latin typeface="Consolas" panose="020B0609020204030204" pitchFamily="49" charset="0"/>
+              </a:rPr>
+              <a:t>&lt;!--Classe--&gt;</a:t>
+            </a:r>
+            <a:endParaRPr lang="pt-BR" b="0" dirty="0">
+              <a:solidFill>
+                <a:srgbClr val="CCCCCC"/>
+              </a:solidFill>
+              <a:effectLst/>
+              <a:latin typeface="Consolas" panose="020B0609020204030204" pitchFamily="49" charset="0"/>
+            </a:endParaRPr>
+          </a:p>
+          <a:p>
+            <a:r>
+              <a:rPr lang="pt-BR" b="0" dirty="0">
+                <a:solidFill>
+                  <a:srgbClr val="CCCCCC"/>
+                </a:solidFill>
+                <a:effectLst/>
+                <a:latin typeface="Consolas" panose="020B0609020204030204" pitchFamily="49" charset="0"/>
+              </a:rPr>
+              <a:t>    </a:t>
+            </a:r>
+            <a:r>
+              <a:rPr lang="pt-BR" b="0" dirty="0">
+                <a:solidFill>
+                  <a:srgbClr val="808080"/>
+                </a:solidFill>
+                <a:effectLst/>
+                <a:latin typeface="Consolas" panose="020B0609020204030204" pitchFamily="49" charset="0"/>
+              </a:rPr>
+              <a:t>&lt;</a:t>
+            </a:r>
+            <a:r>
+              <a:rPr lang="pt-BR" b="0" dirty="0">
+                <a:solidFill>
+                  <a:srgbClr val="569CD6"/>
+                </a:solidFill>
+                <a:effectLst/>
+                <a:latin typeface="Consolas" panose="020B0609020204030204" pitchFamily="49" charset="0"/>
+              </a:rPr>
+              <a:t>p</a:t>
+            </a:r>
+            <a:r>
+              <a:rPr lang="pt-BR" b="0" dirty="0">
+                <a:solidFill>
+                  <a:srgbClr val="CCCCCC"/>
+                </a:solidFill>
+                <a:effectLst/>
+                <a:latin typeface="Consolas" panose="020B0609020204030204" pitchFamily="49" charset="0"/>
+              </a:rPr>
+              <a:t> </a:t>
+            </a:r>
+            <a:r>
+              <a:rPr lang="pt-BR" b="0" dirty="0" err="1">
+                <a:solidFill>
+                  <a:srgbClr val="9CDCFE"/>
+                </a:solidFill>
+                <a:effectLst/>
+                <a:latin typeface="Consolas" panose="020B0609020204030204" pitchFamily="49" charset="0"/>
+              </a:rPr>
+              <a:t>class</a:t>
+            </a:r>
+            <a:r>
+              <a:rPr lang="pt-BR" b="0" dirty="0">
+                <a:solidFill>
+                  <a:srgbClr val="CCCCCC"/>
+                </a:solidFill>
+                <a:effectLst/>
+                <a:latin typeface="Consolas" panose="020B0609020204030204" pitchFamily="49" charset="0"/>
+              </a:rPr>
+              <a:t>=</a:t>
+            </a:r>
+            <a:r>
+              <a:rPr lang="pt-BR" b="0" dirty="0">
+                <a:solidFill>
+                  <a:srgbClr val="CE9178"/>
+                </a:solidFill>
+                <a:effectLst/>
+                <a:latin typeface="Consolas" panose="020B0609020204030204" pitchFamily="49" charset="0"/>
+              </a:rPr>
+              <a:t>"destacado"</a:t>
+            </a:r>
+            <a:r>
+              <a:rPr lang="pt-BR" b="0" dirty="0">
+                <a:solidFill>
+                  <a:srgbClr val="808080"/>
+                </a:solidFill>
+                <a:effectLst/>
+                <a:latin typeface="Consolas" panose="020B0609020204030204" pitchFamily="49" charset="0"/>
+              </a:rPr>
+              <a:t>&gt;</a:t>
+            </a:r>
+            <a:r>
+              <a:rPr lang="pt-BR" b="0" dirty="0">
+                <a:solidFill>
+                  <a:srgbClr val="CCCCCC"/>
+                </a:solidFill>
+                <a:effectLst/>
+                <a:latin typeface="Consolas" panose="020B0609020204030204" pitchFamily="49" charset="0"/>
+              </a:rPr>
+              <a:t>Este parágrafo está destacado.</a:t>
+            </a:r>
+            <a:r>
+              <a:rPr lang="pt-BR" b="0" dirty="0">
+                <a:solidFill>
+                  <a:srgbClr val="808080"/>
+                </a:solidFill>
+                <a:effectLst/>
+                <a:latin typeface="Consolas" panose="020B0609020204030204" pitchFamily="49" charset="0"/>
+              </a:rPr>
+              <a:t>&lt;/</a:t>
+            </a:r>
+            <a:r>
+              <a:rPr lang="pt-BR" b="0" dirty="0">
+                <a:solidFill>
+                  <a:srgbClr val="569CD6"/>
+                </a:solidFill>
+                <a:effectLst/>
+                <a:latin typeface="Consolas" panose="020B0609020204030204" pitchFamily="49" charset="0"/>
+              </a:rPr>
+              <a:t>p</a:t>
+            </a:r>
+            <a:r>
+              <a:rPr lang="pt-BR" b="0" dirty="0">
+                <a:solidFill>
+                  <a:srgbClr val="808080"/>
+                </a:solidFill>
+                <a:effectLst/>
+                <a:latin typeface="Consolas" panose="020B0609020204030204" pitchFamily="49" charset="0"/>
+              </a:rPr>
+              <a:t>&gt;</a:t>
+            </a:r>
+            <a:endParaRPr lang="pt-BR" b="0" dirty="0">
+              <a:solidFill>
+                <a:srgbClr val="CCCCCC"/>
+              </a:solidFill>
+              <a:effectLst/>
+              <a:latin typeface="Consolas" panose="020B0609020204030204" pitchFamily="49" charset="0"/>
+            </a:endParaRPr>
+          </a:p>
+          <a:p>
+            <a:r>
+              <a:rPr lang="pt-BR" b="0" dirty="0">
+                <a:solidFill>
+                  <a:srgbClr val="CCCCCC"/>
+                </a:solidFill>
+                <a:effectLst/>
+                <a:latin typeface="Consolas" panose="020B0609020204030204" pitchFamily="49" charset="0"/>
+              </a:rPr>
+              <a:t>    </a:t>
+            </a:r>
+            <a:r>
+              <a:rPr lang="pt-BR" b="0" dirty="0">
+                <a:solidFill>
+                  <a:srgbClr val="808080"/>
+                </a:solidFill>
+                <a:effectLst/>
+                <a:latin typeface="Consolas" panose="020B0609020204030204" pitchFamily="49" charset="0"/>
+              </a:rPr>
+              <a:t>&lt;</a:t>
+            </a:r>
+            <a:r>
+              <a:rPr lang="pt-BR" b="0" dirty="0">
+                <a:solidFill>
+                  <a:srgbClr val="569CD6"/>
+                </a:solidFill>
+                <a:effectLst/>
+                <a:latin typeface="Consolas" panose="020B0609020204030204" pitchFamily="49" charset="0"/>
+              </a:rPr>
+              <a:t>p</a:t>
+            </a:r>
+            <a:r>
+              <a:rPr lang="pt-BR" b="0" dirty="0">
+                <a:solidFill>
+                  <a:srgbClr val="CCCCCC"/>
+                </a:solidFill>
+                <a:effectLst/>
+                <a:latin typeface="Consolas" panose="020B0609020204030204" pitchFamily="49" charset="0"/>
+              </a:rPr>
+              <a:t> </a:t>
+            </a:r>
+            <a:r>
+              <a:rPr lang="pt-BR" b="0" dirty="0" err="1">
+                <a:solidFill>
+                  <a:srgbClr val="9CDCFE"/>
+                </a:solidFill>
+                <a:effectLst/>
+                <a:latin typeface="Consolas" panose="020B0609020204030204" pitchFamily="49" charset="0"/>
+              </a:rPr>
+              <a:t>class</a:t>
+            </a:r>
+            <a:r>
+              <a:rPr lang="pt-BR" b="0" dirty="0">
+                <a:solidFill>
+                  <a:srgbClr val="CCCCCC"/>
+                </a:solidFill>
+                <a:effectLst/>
+                <a:latin typeface="Consolas" panose="020B0609020204030204" pitchFamily="49" charset="0"/>
+              </a:rPr>
+              <a:t>=</a:t>
+            </a:r>
+            <a:r>
+              <a:rPr lang="pt-BR" b="0" dirty="0">
+                <a:solidFill>
+                  <a:srgbClr val="CE9178"/>
+                </a:solidFill>
+                <a:effectLst/>
+                <a:latin typeface="Consolas" panose="020B0609020204030204" pitchFamily="49" charset="0"/>
+              </a:rPr>
+              <a:t>"destacado"</a:t>
+            </a:r>
+            <a:r>
+              <a:rPr lang="pt-BR" b="0" dirty="0">
+                <a:solidFill>
+                  <a:srgbClr val="808080"/>
+                </a:solidFill>
+                <a:effectLst/>
+                <a:latin typeface="Consolas" panose="020B0609020204030204" pitchFamily="49" charset="0"/>
+              </a:rPr>
+              <a:t>&gt;</a:t>
+            </a:r>
+            <a:r>
+              <a:rPr lang="pt-BR" b="0" dirty="0">
+                <a:solidFill>
+                  <a:srgbClr val="CCCCCC"/>
+                </a:solidFill>
+                <a:effectLst/>
+                <a:latin typeface="Consolas" panose="020B0609020204030204" pitchFamily="49" charset="0"/>
+              </a:rPr>
+              <a:t>Este também está destacado.</a:t>
+            </a:r>
+            <a:r>
+              <a:rPr lang="pt-BR" b="0" dirty="0">
+                <a:solidFill>
+                  <a:srgbClr val="808080"/>
+                </a:solidFill>
+                <a:effectLst/>
+                <a:latin typeface="Consolas" panose="020B0609020204030204" pitchFamily="49" charset="0"/>
+              </a:rPr>
+              <a:t>&lt;/</a:t>
+            </a:r>
+            <a:r>
+              <a:rPr lang="pt-BR" b="0" dirty="0">
+                <a:solidFill>
+                  <a:srgbClr val="569CD6"/>
+                </a:solidFill>
+                <a:effectLst/>
+                <a:latin typeface="Consolas" panose="020B0609020204030204" pitchFamily="49" charset="0"/>
+              </a:rPr>
+              <a:t>p</a:t>
+            </a:r>
+            <a:r>
+              <a:rPr lang="pt-BR" b="0" dirty="0">
+                <a:solidFill>
+                  <a:srgbClr val="808080"/>
+                </a:solidFill>
+                <a:effectLst/>
+                <a:latin typeface="Consolas" panose="020B0609020204030204" pitchFamily="49" charset="0"/>
+              </a:rPr>
+              <a:t>&gt;</a:t>
+            </a:r>
+            <a:r>
+              <a:rPr lang="pt-BR" b="0" dirty="0">
+                <a:solidFill>
+                  <a:srgbClr val="CCCCCC"/>
+                </a:solidFill>
+                <a:effectLst/>
+                <a:latin typeface="Consolas" panose="020B0609020204030204" pitchFamily="49" charset="0"/>
+              </a:rPr>
+              <a:t>   </a:t>
+            </a:r>
+          </a:p>
+        </p:txBody>
+      </p:sp>
+    </p:spTree>
+    <p:extLst>
+      <p:ext uri="{BB962C8B-B14F-4D97-AF65-F5344CB8AC3E}">
+        <p14:creationId xmlns:p14="http://schemas.microsoft.com/office/powerpoint/2010/main" val="335438052"/>
+      </p:ext>
+    </p:extLst>
+  </p:cSld>
+  <p:clrMapOvr>
+    <a:masterClrMapping/>
+  </p:clrMapOvr>
+</p:sld>
+</file>
+
+<file path=ppt/slides/slide15.xml><?xml version="1.0" encoding="utf-8"?>
+<p:sld xmlns:a="http://schemas.openxmlformats.org/drawingml/2006/main" xmlns:r="http://schemas.openxmlformats.org/officeDocument/2006/relationships" xmlns:p="http://schemas.openxmlformats.org/presentationml/2006/main">
+  <p:cSld>
+    <p:spTree>
+      <p:nvGrpSpPr>
+        <p:cNvPr id="1" name=""/>
+        <p:cNvGrpSpPr/>
+        <p:nvPr/>
+      </p:nvGrpSpPr>
+      <p:grpSpPr>
+        <a:xfrm>
+          <a:off x="0" y="0"/>
+          <a:ext cx="0" cy="0"/>
+          <a:chOff x="0" y="0"/>
+          <a:chExt cx="0" cy="0"/>
+        </a:xfrm>
+      </p:grpSpPr>
+      <p:sp>
+        <p:nvSpPr>
+          <p:cNvPr id="2" name="Título 1">
+            <a:extLst>
+              <a:ext uri="{FF2B5EF4-FFF2-40B4-BE49-F238E27FC236}">
+                <a16:creationId xmlns:a16="http://schemas.microsoft.com/office/drawing/2014/main" id="{8EFFDECD-2548-6E76-DE66-11AF425DD21F}"/>
+              </a:ext>
+            </a:extLst>
+          </p:cNvPr>
+          <p:cNvSpPr>
+            <a:spLocks noGrp="1"/>
+          </p:cNvSpPr>
+          <p:nvPr>
+            <p:ph type="title"/>
+          </p:nvPr>
+        </p:nvSpPr>
+        <p:spPr/>
+        <p:txBody>
+          <a:bodyPr/>
+          <a:lstStyle/>
+          <a:p>
+            <a:r>
+              <a:rPr lang="pt-BR" dirty="0"/>
+              <a:t>Aplicar Múltiplas Classes.</a:t>
+            </a:r>
+          </a:p>
+        </p:txBody>
+      </p:sp>
+      <p:sp>
+        <p:nvSpPr>
+          <p:cNvPr id="5" name="CaixaDeTexto 4">
+            <a:extLst>
+              <a:ext uri="{FF2B5EF4-FFF2-40B4-BE49-F238E27FC236}">
+                <a16:creationId xmlns:a16="http://schemas.microsoft.com/office/drawing/2014/main" id="{3C8CFC2E-E315-B209-8234-A30B1F7DA20D}"/>
+              </a:ext>
+            </a:extLst>
+          </p:cNvPr>
+          <p:cNvSpPr txBox="1"/>
+          <p:nvPr/>
+        </p:nvSpPr>
+        <p:spPr>
+          <a:xfrm>
+            <a:off x="810000" y="2392740"/>
+            <a:ext cx="10326511" cy="2862322"/>
+          </a:xfrm>
+          <a:prstGeom prst="rect">
+            <a:avLst/>
+          </a:prstGeom>
+          <a:noFill/>
+        </p:spPr>
+        <p:txBody>
+          <a:bodyPr wrap="square">
+            <a:spAutoFit/>
+          </a:bodyPr>
+          <a:lstStyle/>
+          <a:p>
+            <a:r>
+              <a:rPr lang="pt-BR" b="0" dirty="0">
+                <a:solidFill>
+                  <a:srgbClr val="CCCCCC"/>
+                </a:solidFill>
+                <a:effectLst/>
+                <a:latin typeface="Consolas" panose="020B0609020204030204" pitchFamily="49" charset="0"/>
+              </a:rPr>
+              <a:t>    </a:t>
+            </a:r>
+            <a:r>
+              <a:rPr lang="pt-BR" b="0" dirty="0">
+                <a:solidFill>
+                  <a:srgbClr val="6A9955"/>
+                </a:solidFill>
+                <a:effectLst/>
+                <a:latin typeface="Consolas" panose="020B0609020204030204" pitchFamily="49" charset="0"/>
+              </a:rPr>
+              <a:t>&lt;!-- </a:t>
+            </a:r>
+            <a:r>
+              <a:rPr lang="pt-BR" b="0" dirty="0" err="1">
+                <a:solidFill>
+                  <a:srgbClr val="6A9955"/>
+                </a:solidFill>
+                <a:effectLst/>
+                <a:latin typeface="Consolas" panose="020B0609020204030204" pitchFamily="49" charset="0"/>
+              </a:rPr>
+              <a:t>Multiplas</a:t>
+            </a:r>
+            <a:r>
+              <a:rPr lang="pt-BR" b="0" dirty="0">
+                <a:solidFill>
+                  <a:srgbClr val="6A9955"/>
+                </a:solidFill>
+                <a:effectLst/>
+                <a:latin typeface="Consolas" panose="020B0609020204030204" pitchFamily="49" charset="0"/>
+              </a:rPr>
+              <a:t> Classes --&gt;</a:t>
+            </a:r>
+            <a:endParaRPr lang="pt-BR" b="0" dirty="0">
+              <a:solidFill>
+                <a:srgbClr val="CCCCCC"/>
+              </a:solidFill>
+              <a:effectLst/>
+              <a:latin typeface="Consolas" panose="020B0609020204030204" pitchFamily="49" charset="0"/>
+            </a:endParaRPr>
+          </a:p>
+          <a:p>
+            <a:r>
+              <a:rPr lang="pt-BR" b="0" dirty="0">
+                <a:solidFill>
+                  <a:srgbClr val="CCCCCC"/>
+                </a:solidFill>
+                <a:effectLst/>
+                <a:latin typeface="Consolas" panose="020B0609020204030204" pitchFamily="49" charset="0"/>
+              </a:rPr>
+              <a:t>    </a:t>
+            </a:r>
+            <a:r>
+              <a:rPr lang="pt-BR" b="0" dirty="0">
+                <a:solidFill>
+                  <a:srgbClr val="808080"/>
+                </a:solidFill>
+                <a:effectLst/>
+                <a:latin typeface="Consolas" panose="020B0609020204030204" pitchFamily="49" charset="0"/>
+              </a:rPr>
+              <a:t>&lt;</a:t>
+            </a:r>
+            <a:r>
+              <a:rPr lang="pt-BR" b="0" dirty="0" err="1">
+                <a:solidFill>
+                  <a:srgbClr val="569CD6"/>
+                </a:solidFill>
+                <a:effectLst/>
+                <a:latin typeface="Consolas" panose="020B0609020204030204" pitchFamily="49" charset="0"/>
+              </a:rPr>
+              <a:t>style</a:t>
+            </a:r>
+            <a:r>
+              <a:rPr lang="pt-BR" b="0" dirty="0">
+                <a:solidFill>
+                  <a:srgbClr val="808080"/>
+                </a:solidFill>
+                <a:effectLst/>
+                <a:latin typeface="Consolas" panose="020B0609020204030204" pitchFamily="49" charset="0"/>
+              </a:rPr>
+              <a:t>&gt;</a:t>
+            </a:r>
+            <a:endParaRPr lang="pt-BR" b="0" dirty="0">
+              <a:solidFill>
+                <a:srgbClr val="CCCCCC"/>
+              </a:solidFill>
+              <a:effectLst/>
+              <a:latin typeface="Consolas" panose="020B0609020204030204" pitchFamily="49" charset="0"/>
+            </a:endParaRPr>
+          </a:p>
+          <a:p>
+            <a:r>
+              <a:rPr lang="pt-BR" b="0" dirty="0">
+                <a:solidFill>
+                  <a:srgbClr val="D4D4D4"/>
+                </a:solidFill>
+                <a:effectLst/>
+                <a:latin typeface="Consolas" panose="020B0609020204030204" pitchFamily="49" charset="0"/>
+              </a:rPr>
+              <a:t>        </a:t>
+            </a:r>
+            <a:r>
+              <a:rPr lang="pt-BR" b="0" dirty="0">
+                <a:solidFill>
+                  <a:srgbClr val="D7BA7D"/>
+                </a:solidFill>
+                <a:effectLst/>
+                <a:latin typeface="Consolas" panose="020B0609020204030204" pitchFamily="49" charset="0"/>
+              </a:rPr>
+              <a:t>.</a:t>
+            </a:r>
+            <a:r>
+              <a:rPr lang="pt-BR" b="0" dirty="0" err="1">
+                <a:solidFill>
+                  <a:srgbClr val="D7BA7D"/>
+                </a:solidFill>
+                <a:effectLst/>
+                <a:latin typeface="Consolas" panose="020B0609020204030204" pitchFamily="49" charset="0"/>
+              </a:rPr>
+              <a:t>textoVerde</a:t>
+            </a:r>
+            <a:r>
+              <a:rPr lang="pt-BR" b="0" dirty="0">
+                <a:solidFill>
+                  <a:srgbClr val="D4D4D4"/>
+                </a:solidFill>
+                <a:effectLst/>
+                <a:latin typeface="Consolas" panose="020B0609020204030204" pitchFamily="49" charset="0"/>
+              </a:rPr>
+              <a:t> {</a:t>
+            </a:r>
+            <a:endParaRPr lang="pt-BR" b="0" dirty="0">
+              <a:solidFill>
+                <a:srgbClr val="CCCCCC"/>
+              </a:solidFill>
+              <a:effectLst/>
+              <a:latin typeface="Consolas" panose="020B0609020204030204" pitchFamily="49" charset="0"/>
+            </a:endParaRPr>
+          </a:p>
+          <a:p>
+            <a:r>
+              <a:rPr lang="pt-BR" b="0" dirty="0">
+                <a:solidFill>
+                  <a:srgbClr val="D4D4D4"/>
+                </a:solidFill>
+                <a:effectLst/>
+                <a:latin typeface="Consolas" panose="020B0609020204030204" pitchFamily="49" charset="0"/>
+              </a:rPr>
+              <a:t>            </a:t>
+            </a:r>
+            <a:r>
+              <a:rPr lang="pt-BR" b="0" dirty="0">
+                <a:solidFill>
+                  <a:srgbClr val="9CDCFE"/>
+                </a:solidFill>
+                <a:effectLst/>
+                <a:latin typeface="Consolas" panose="020B0609020204030204" pitchFamily="49" charset="0"/>
+              </a:rPr>
+              <a:t>color</a:t>
+            </a:r>
+            <a:r>
+              <a:rPr lang="pt-BR" b="0" dirty="0">
+                <a:solidFill>
+                  <a:srgbClr val="D4D4D4"/>
+                </a:solidFill>
+                <a:effectLst/>
+                <a:latin typeface="Consolas" panose="020B0609020204030204" pitchFamily="49" charset="0"/>
+              </a:rPr>
+              <a:t>: </a:t>
+            </a:r>
+            <a:r>
+              <a:rPr lang="pt-BR" b="0" dirty="0" err="1">
+                <a:solidFill>
+                  <a:srgbClr val="CE9178"/>
+                </a:solidFill>
+                <a:effectLst/>
+                <a:latin typeface="Consolas" panose="020B0609020204030204" pitchFamily="49" charset="0"/>
+              </a:rPr>
+              <a:t>green</a:t>
+            </a:r>
+            <a:r>
+              <a:rPr lang="pt-BR" b="0" dirty="0">
+                <a:solidFill>
+                  <a:srgbClr val="D4D4D4"/>
+                </a:solidFill>
+                <a:effectLst/>
+                <a:latin typeface="Consolas" panose="020B0609020204030204" pitchFamily="49" charset="0"/>
+              </a:rPr>
+              <a:t>;</a:t>
+            </a:r>
+            <a:endParaRPr lang="pt-BR" b="0" dirty="0">
+              <a:solidFill>
+                <a:srgbClr val="CCCCCC"/>
+              </a:solidFill>
+              <a:effectLst/>
+              <a:latin typeface="Consolas" panose="020B0609020204030204" pitchFamily="49" charset="0"/>
+            </a:endParaRPr>
+          </a:p>
+          <a:p>
+            <a:r>
+              <a:rPr lang="pt-BR" b="0" dirty="0">
+                <a:solidFill>
+                  <a:srgbClr val="D4D4D4"/>
+                </a:solidFill>
+                <a:effectLst/>
+                <a:latin typeface="Consolas" panose="020B0609020204030204" pitchFamily="49" charset="0"/>
+              </a:rPr>
+              <a:t>        }</a:t>
+            </a:r>
+            <a:endParaRPr lang="pt-BR" b="0" dirty="0">
+              <a:solidFill>
+                <a:srgbClr val="CCCCCC"/>
+              </a:solidFill>
+              <a:effectLst/>
+              <a:latin typeface="Consolas" panose="020B0609020204030204" pitchFamily="49" charset="0"/>
+            </a:endParaRPr>
+          </a:p>
+          <a:p>
+            <a:r>
+              <a:rPr lang="pt-BR" b="0" dirty="0">
+                <a:solidFill>
+                  <a:srgbClr val="D4D4D4"/>
+                </a:solidFill>
+                <a:effectLst/>
+                <a:latin typeface="Consolas" panose="020B0609020204030204" pitchFamily="49" charset="0"/>
+              </a:rPr>
+              <a:t>        </a:t>
+            </a:r>
+            <a:r>
+              <a:rPr lang="pt-BR" b="0" dirty="0">
+                <a:solidFill>
+                  <a:srgbClr val="D7BA7D"/>
+                </a:solidFill>
+                <a:effectLst/>
+                <a:latin typeface="Consolas" panose="020B0609020204030204" pitchFamily="49" charset="0"/>
+              </a:rPr>
+              <a:t>.</a:t>
+            </a:r>
+            <a:r>
+              <a:rPr lang="pt-BR" b="0" dirty="0" err="1">
+                <a:solidFill>
+                  <a:srgbClr val="D7BA7D"/>
+                </a:solidFill>
+                <a:effectLst/>
+                <a:latin typeface="Consolas" panose="020B0609020204030204" pitchFamily="49" charset="0"/>
+              </a:rPr>
+              <a:t>textoGrande</a:t>
+            </a:r>
+            <a:r>
+              <a:rPr lang="pt-BR" b="0" dirty="0">
+                <a:solidFill>
+                  <a:srgbClr val="D4D4D4"/>
+                </a:solidFill>
+                <a:effectLst/>
+                <a:latin typeface="Consolas" panose="020B0609020204030204" pitchFamily="49" charset="0"/>
+              </a:rPr>
+              <a:t> {</a:t>
+            </a:r>
+            <a:endParaRPr lang="pt-BR" b="0" dirty="0">
+              <a:solidFill>
+                <a:srgbClr val="CCCCCC"/>
+              </a:solidFill>
+              <a:effectLst/>
+              <a:latin typeface="Consolas" panose="020B0609020204030204" pitchFamily="49" charset="0"/>
+            </a:endParaRPr>
+          </a:p>
+          <a:p>
+            <a:r>
+              <a:rPr lang="pt-BR" b="0" dirty="0">
+                <a:solidFill>
+                  <a:srgbClr val="D4D4D4"/>
+                </a:solidFill>
+                <a:effectLst/>
+                <a:latin typeface="Consolas" panose="020B0609020204030204" pitchFamily="49" charset="0"/>
+              </a:rPr>
+              <a:t>            </a:t>
+            </a:r>
+            <a:r>
+              <a:rPr lang="pt-BR" b="0" dirty="0" err="1">
+                <a:solidFill>
+                  <a:srgbClr val="9CDCFE"/>
+                </a:solidFill>
+                <a:effectLst/>
+                <a:latin typeface="Consolas" panose="020B0609020204030204" pitchFamily="49" charset="0"/>
+              </a:rPr>
+              <a:t>font-size</a:t>
+            </a:r>
+            <a:r>
+              <a:rPr lang="pt-BR" b="0" dirty="0">
+                <a:solidFill>
+                  <a:srgbClr val="D4D4D4"/>
+                </a:solidFill>
+                <a:effectLst/>
+                <a:latin typeface="Consolas" panose="020B0609020204030204" pitchFamily="49" charset="0"/>
+              </a:rPr>
+              <a:t>: </a:t>
+            </a:r>
+            <a:r>
+              <a:rPr lang="pt-BR" b="0" dirty="0">
+                <a:solidFill>
+                  <a:srgbClr val="B5CEA8"/>
+                </a:solidFill>
+                <a:effectLst/>
+                <a:latin typeface="Consolas" panose="020B0609020204030204" pitchFamily="49" charset="0"/>
+              </a:rPr>
+              <a:t>20px</a:t>
+            </a:r>
+            <a:r>
+              <a:rPr lang="pt-BR" b="0" dirty="0">
+                <a:solidFill>
+                  <a:srgbClr val="D4D4D4"/>
+                </a:solidFill>
+                <a:effectLst/>
+                <a:latin typeface="Consolas" panose="020B0609020204030204" pitchFamily="49" charset="0"/>
+              </a:rPr>
+              <a:t>;</a:t>
+            </a:r>
+            <a:endParaRPr lang="pt-BR" b="0" dirty="0">
+              <a:solidFill>
+                <a:srgbClr val="CCCCCC"/>
+              </a:solidFill>
+              <a:effectLst/>
+              <a:latin typeface="Consolas" panose="020B0609020204030204" pitchFamily="49" charset="0"/>
+            </a:endParaRPr>
+          </a:p>
+          <a:p>
+            <a:r>
+              <a:rPr lang="pt-BR" b="0" dirty="0">
+                <a:solidFill>
+                  <a:srgbClr val="D4D4D4"/>
+                </a:solidFill>
+                <a:effectLst/>
+                <a:latin typeface="Consolas" panose="020B0609020204030204" pitchFamily="49" charset="0"/>
+              </a:rPr>
+              <a:t>        }</a:t>
+            </a:r>
+            <a:endParaRPr lang="pt-BR" b="0" dirty="0">
+              <a:solidFill>
+                <a:srgbClr val="CCCCCC"/>
+              </a:solidFill>
+              <a:effectLst/>
+              <a:latin typeface="Consolas" panose="020B0609020204030204" pitchFamily="49" charset="0"/>
+            </a:endParaRPr>
+          </a:p>
+          <a:p>
+            <a:r>
+              <a:rPr lang="pt-BR" b="0" dirty="0">
+                <a:solidFill>
+                  <a:srgbClr val="D4D4D4"/>
+                </a:solidFill>
+                <a:effectLst/>
+                <a:latin typeface="Consolas" panose="020B0609020204030204" pitchFamily="49" charset="0"/>
+              </a:rPr>
+              <a:t>    </a:t>
+            </a:r>
+            <a:r>
+              <a:rPr lang="pt-BR" b="0" dirty="0">
+                <a:solidFill>
+                  <a:srgbClr val="808080"/>
+                </a:solidFill>
+                <a:effectLst/>
+                <a:latin typeface="Consolas" panose="020B0609020204030204" pitchFamily="49" charset="0"/>
+              </a:rPr>
+              <a:t>&lt;/</a:t>
+            </a:r>
+            <a:r>
+              <a:rPr lang="pt-BR" b="0" dirty="0" err="1">
+                <a:solidFill>
+                  <a:srgbClr val="569CD6"/>
+                </a:solidFill>
+                <a:effectLst/>
+                <a:latin typeface="Consolas" panose="020B0609020204030204" pitchFamily="49" charset="0"/>
+              </a:rPr>
+              <a:t>style</a:t>
+            </a:r>
+            <a:r>
+              <a:rPr lang="pt-BR" b="0" dirty="0">
+                <a:solidFill>
+                  <a:srgbClr val="808080"/>
+                </a:solidFill>
+                <a:effectLst/>
+                <a:latin typeface="Consolas" panose="020B0609020204030204" pitchFamily="49" charset="0"/>
+              </a:rPr>
+              <a:t>&gt;</a:t>
+            </a:r>
+            <a:endParaRPr lang="pt-BR" b="0" dirty="0">
+              <a:solidFill>
+                <a:srgbClr val="CCCCCC"/>
+              </a:solidFill>
+              <a:effectLst/>
+              <a:latin typeface="Consolas" panose="020B0609020204030204" pitchFamily="49" charset="0"/>
+            </a:endParaRPr>
+          </a:p>
+          <a:p>
+            <a:r>
+              <a:rPr lang="pt-BR" b="0" dirty="0">
+                <a:solidFill>
+                  <a:srgbClr val="CCCCCC"/>
+                </a:solidFill>
+                <a:effectLst/>
+                <a:latin typeface="Consolas" panose="020B0609020204030204" pitchFamily="49" charset="0"/>
+              </a:rPr>
+              <a:t>    </a:t>
+            </a:r>
+            <a:r>
+              <a:rPr lang="pt-BR" b="0" dirty="0">
+                <a:solidFill>
+                  <a:srgbClr val="808080"/>
+                </a:solidFill>
+                <a:effectLst/>
+                <a:latin typeface="Consolas" panose="020B0609020204030204" pitchFamily="49" charset="0"/>
+              </a:rPr>
+              <a:t>&lt;</a:t>
+            </a:r>
+            <a:r>
+              <a:rPr lang="pt-BR" b="0" dirty="0">
+                <a:solidFill>
+                  <a:srgbClr val="569CD6"/>
+                </a:solidFill>
+                <a:effectLst/>
+                <a:latin typeface="Consolas" panose="020B0609020204030204" pitchFamily="49" charset="0"/>
+              </a:rPr>
+              <a:t>p</a:t>
+            </a:r>
+            <a:r>
+              <a:rPr lang="pt-BR" b="0" dirty="0">
+                <a:solidFill>
+                  <a:srgbClr val="CCCCCC"/>
+                </a:solidFill>
+                <a:effectLst/>
+                <a:latin typeface="Consolas" panose="020B0609020204030204" pitchFamily="49" charset="0"/>
+              </a:rPr>
+              <a:t> </a:t>
+            </a:r>
+            <a:r>
+              <a:rPr lang="pt-BR" b="0" dirty="0" err="1">
+                <a:solidFill>
+                  <a:srgbClr val="9CDCFE"/>
+                </a:solidFill>
+                <a:effectLst/>
+                <a:latin typeface="Consolas" panose="020B0609020204030204" pitchFamily="49" charset="0"/>
+              </a:rPr>
+              <a:t>class</a:t>
+            </a:r>
+            <a:r>
+              <a:rPr lang="pt-BR" b="0" dirty="0">
+                <a:solidFill>
+                  <a:srgbClr val="CCCCCC"/>
+                </a:solidFill>
+                <a:effectLst/>
+                <a:latin typeface="Consolas" panose="020B0609020204030204" pitchFamily="49" charset="0"/>
+              </a:rPr>
+              <a:t>=</a:t>
+            </a:r>
+            <a:r>
+              <a:rPr lang="pt-BR" b="0" dirty="0">
+                <a:solidFill>
+                  <a:srgbClr val="CE9178"/>
+                </a:solidFill>
+                <a:effectLst/>
+                <a:latin typeface="Consolas" panose="020B0609020204030204" pitchFamily="49" charset="0"/>
+              </a:rPr>
+              <a:t>"</a:t>
+            </a:r>
+            <a:r>
+              <a:rPr lang="pt-BR" b="0" dirty="0" err="1">
+                <a:solidFill>
+                  <a:srgbClr val="CE9178"/>
+                </a:solidFill>
+                <a:effectLst/>
+                <a:latin typeface="Consolas" panose="020B0609020204030204" pitchFamily="49" charset="0"/>
+              </a:rPr>
+              <a:t>textoVerde</a:t>
+            </a:r>
+            <a:r>
+              <a:rPr lang="pt-BR" b="0" dirty="0">
+                <a:solidFill>
+                  <a:srgbClr val="CE9178"/>
+                </a:solidFill>
+                <a:effectLst/>
+                <a:latin typeface="Consolas" panose="020B0609020204030204" pitchFamily="49" charset="0"/>
+              </a:rPr>
+              <a:t> </a:t>
+            </a:r>
+            <a:r>
+              <a:rPr lang="pt-BR" b="0" dirty="0" err="1">
+                <a:solidFill>
+                  <a:srgbClr val="CE9178"/>
+                </a:solidFill>
+                <a:effectLst/>
+                <a:latin typeface="Consolas" panose="020B0609020204030204" pitchFamily="49" charset="0"/>
+              </a:rPr>
+              <a:t>textoGrande</a:t>
+            </a:r>
+            <a:r>
+              <a:rPr lang="pt-BR" b="0" dirty="0">
+                <a:solidFill>
+                  <a:srgbClr val="CE9178"/>
+                </a:solidFill>
+                <a:effectLst/>
+                <a:latin typeface="Consolas" panose="020B0609020204030204" pitchFamily="49" charset="0"/>
+              </a:rPr>
+              <a:t>"</a:t>
+            </a:r>
+            <a:r>
+              <a:rPr lang="pt-BR" b="0" dirty="0">
+                <a:solidFill>
+                  <a:srgbClr val="808080"/>
+                </a:solidFill>
+                <a:effectLst/>
+                <a:latin typeface="Consolas" panose="020B0609020204030204" pitchFamily="49" charset="0"/>
+              </a:rPr>
+              <a:t>&gt;</a:t>
+            </a:r>
+            <a:r>
+              <a:rPr lang="pt-BR" b="0" dirty="0">
+                <a:solidFill>
+                  <a:srgbClr val="CCCCCC"/>
+                </a:solidFill>
+                <a:effectLst/>
+                <a:latin typeface="Consolas" panose="020B0609020204030204" pitchFamily="49" charset="0"/>
+              </a:rPr>
+              <a:t>Este parágrafo é verde e grande.</a:t>
+            </a:r>
+            <a:r>
+              <a:rPr lang="pt-BR" b="0" dirty="0">
+                <a:solidFill>
+                  <a:srgbClr val="808080"/>
+                </a:solidFill>
+                <a:effectLst/>
+                <a:latin typeface="Consolas" panose="020B0609020204030204" pitchFamily="49" charset="0"/>
+              </a:rPr>
+              <a:t>&lt;/</a:t>
+            </a:r>
+            <a:r>
+              <a:rPr lang="pt-BR" b="0" dirty="0">
+                <a:solidFill>
+                  <a:srgbClr val="569CD6"/>
+                </a:solidFill>
+                <a:effectLst/>
+                <a:latin typeface="Consolas" panose="020B0609020204030204" pitchFamily="49" charset="0"/>
+              </a:rPr>
+              <a:t>p</a:t>
+            </a:r>
+            <a:r>
+              <a:rPr lang="pt-BR" b="0" dirty="0">
+                <a:solidFill>
+                  <a:srgbClr val="808080"/>
+                </a:solidFill>
+                <a:effectLst/>
+                <a:latin typeface="Consolas" panose="020B0609020204030204" pitchFamily="49" charset="0"/>
+              </a:rPr>
+              <a:t>&gt;</a:t>
+            </a:r>
+            <a:endParaRPr lang="pt-BR" b="0" dirty="0">
+              <a:solidFill>
+                <a:srgbClr val="CCCCCC"/>
+              </a:solidFill>
+              <a:effectLst/>
+              <a:latin typeface="Consolas" panose="020B0609020204030204" pitchFamily="49" charset="0"/>
+            </a:endParaRPr>
+          </a:p>
+        </p:txBody>
+      </p:sp>
+    </p:spTree>
+    <p:extLst>
+      <p:ext uri="{BB962C8B-B14F-4D97-AF65-F5344CB8AC3E}">
+        <p14:creationId xmlns:p14="http://schemas.microsoft.com/office/powerpoint/2010/main" val="2305689583"/>
+      </p:ext>
+    </p:extLst>
+  </p:cSld>
+  <p:clrMapOvr>
+    <a:masterClrMapping/>
+  </p:clrMapOvr>
+</p:sld>
+</file>
+
+<file path=ppt/slides/slide16.xml><?xml version="1.0" encoding="utf-8"?>
+<p:sld xmlns:a="http://schemas.openxmlformats.org/drawingml/2006/main" xmlns:r="http://schemas.openxmlformats.org/officeDocument/2006/relationships" xmlns:p="http://schemas.openxmlformats.org/presentationml/2006/main">
+  <p:cSld>
+    <p:spTree>
+      <p:nvGrpSpPr>
+        <p:cNvPr id="1" name=""/>
+        <p:cNvGrpSpPr/>
+        <p:nvPr/>
+      </p:nvGrpSpPr>
+      <p:grpSpPr>
+        <a:xfrm>
+          <a:off x="0" y="0"/>
+          <a:ext cx="0" cy="0"/>
+          <a:chOff x="0" y="0"/>
+          <a:chExt cx="0" cy="0"/>
+        </a:xfrm>
+      </p:grpSpPr>
+      <p:sp>
+        <p:nvSpPr>
+          <p:cNvPr id="2" name="Título 1">
+            <a:extLst>
+              <a:ext uri="{FF2B5EF4-FFF2-40B4-BE49-F238E27FC236}">
                 <a16:creationId xmlns:a16="http://schemas.microsoft.com/office/drawing/2014/main" id="{F3C27B9C-94A0-E701-B60A-A17658F7A749}"/>
               </a:ext>
             </a:extLst>
@@ -8794,7 +9247,7 @@
 </p:sld>
 </file>
 
-<file path=ppt/slides/slide15.xml><?xml version="1.0" encoding="utf-8"?>
+<file path=ppt/slides/slide17.xml><?xml version="1.0" encoding="utf-8"?>
 <p:sld xmlns:a="http://schemas.openxmlformats.org/drawingml/2006/main" xmlns:r="http://schemas.openxmlformats.org/officeDocument/2006/relationships" xmlns:p="http://schemas.openxmlformats.org/presentationml/2006/main">
   <p:cSld>
     <p:spTree>
@@ -9218,6 +9671,92 @@
           </a:p>
         </p:txBody>
       </p:sp>
+      <p:pic>
+        <p:nvPicPr>
+          <p:cNvPr id="1026" name="Picture 2" descr="Html png images | PNGEgg">
+            <a:extLst>
+              <a:ext uri="{FF2B5EF4-FFF2-40B4-BE49-F238E27FC236}">
+                <a16:creationId xmlns:a16="http://schemas.microsoft.com/office/drawing/2014/main" id="{5D553EE5-2811-1B13-81C3-CBDD3DD6D304}"/>
+              </a:ext>
+            </a:extLst>
+          </p:cNvPr>
+          <p:cNvPicPr>
+            <a:picLocks noChangeAspect="1" noChangeArrowheads="1"/>
+          </p:cNvPicPr>
+          <p:nvPr/>
+        </p:nvPicPr>
+        <p:blipFill>
+          <a:blip r:embed="rId2">
+            <a:extLst>
+              <a:ext uri="{BEBA8EAE-BF5A-486C-A8C5-ECC9F3942E4B}">
+                <a14:imgProps xmlns:a14="http://schemas.microsoft.com/office/drawing/2010/main">
+                  <a14:imgLayer r:embed="rId3">
+                    <a14:imgEffect>
+                      <a14:backgroundRemoval t="3324" b="95112" l="10000" r="90000">
+                        <a14:foregroundMark x1="22333" y1="11046" x2="22333" y2="11046"/>
+                        <a14:foregroundMark x1="30222" y1="12121" x2="30222" y2="12121"/>
+                        <a14:foregroundMark x1="27778" y1="12121" x2="27778" y2="12121"/>
+                        <a14:foregroundMark x1="40444" y1="10459" x2="40444" y2="10459"/>
+                        <a14:foregroundMark x1="43111" y1="8700" x2="43111" y2="8700"/>
+                        <a14:foregroundMark x1="41778" y1="12805" x2="41778" y2="12805"/>
+                        <a14:foregroundMark x1="59222" y1="11046" x2="59222" y2="11046"/>
+                        <a14:foregroundMark x1="54889" y1="12023" x2="54889" y2="12023"/>
+                        <a14:foregroundMark x1="51889" y1="14174" x2="51889" y2="14174"/>
+                        <a14:foregroundMark x1="62222" y1="13685" x2="62222" y2="13685"/>
+                        <a14:foregroundMark x1="61556" y1="8700" x2="61556" y2="8700"/>
+                        <a14:foregroundMark x1="51667" y1="9677" x2="51667" y2="9677"/>
+                        <a14:foregroundMark x1="53778" y1="9873" x2="53778" y2="9873"/>
+                        <a14:foregroundMark x1="46000" y1="8798" x2="46000" y2="8798"/>
+                        <a14:foregroundMark x1="67333" y1="9971" x2="67333" y2="9971"/>
+                        <a14:foregroundMark x1="69889" y1="16031" x2="69889" y2="16031"/>
+                        <a14:foregroundMark x1="74222" y1="16813" x2="74222" y2="16813"/>
+                        <a14:foregroundMark x1="68111" y1="13978" x2="68111" y2="13978"/>
+                        <a14:foregroundMark x1="68667" y1="8504" x2="68667" y2="8504"/>
+                        <a14:foregroundMark x1="61889" y1="11046" x2="61889" y2="11046"/>
+                        <a14:foregroundMark x1="62111" y1="16325" x2="62111" y2="16325"/>
+                        <a14:foregroundMark x1="52222" y1="13001" x2="52222" y2="13001"/>
+                        <a14:foregroundMark x1="57333" y1="13294" x2="57333" y2="13294"/>
+                        <a14:foregroundMark x1="52222" y1="16325" x2="52222" y2="16325"/>
+                        <a14:foregroundMark x1="41778" y1="15640" x2="41778" y2="15640"/>
+                        <a14:foregroundMark x1="37667" y1="8798" x2="37667" y2="8798"/>
+                        <a14:foregroundMark x1="39556" y1="8700" x2="39556" y2="8700"/>
+                        <a14:foregroundMark x1="30444" y1="9971" x2="30444" y2="9971"/>
+                        <a14:foregroundMark x1="32556" y1="15543" x2="32556" y2="15543"/>
+                      </a14:backgroundRemoval>
+                    </a14:imgEffect>
+                  </a14:imgLayer>
+                </a14:imgProps>
+              </a:ext>
+              <a:ext uri="{28A0092B-C50C-407E-A947-70E740481C1C}">
+                <a14:useLocalDpi xmlns:a14="http://schemas.microsoft.com/office/drawing/2010/main" val="0"/>
+              </a:ext>
+            </a:extLst>
+          </a:blip>
+          <a:srcRect/>
+          <a:stretch>
+            <a:fillRect/>
+          </a:stretch>
+        </p:blipFill>
+        <p:spPr bwMode="auto">
+          <a:xfrm>
+            <a:off x="0" y="4952339"/>
+            <a:ext cx="1676717" cy="1905661"/>
+          </a:xfrm>
+          <a:prstGeom prst="rect">
+            <a:avLst/>
+          </a:prstGeom>
+          <a:noFill/>
+          <a:extLst>
+            <a:ext uri="{909E8E84-426E-40DD-AFC4-6F175D3DCCD1}">
+              <a14:hiddenFill xmlns:a14="http://schemas.microsoft.com/office/drawing/2010/main">
+                <a:solidFill>
+                  <a:srgbClr val="FFFFFF"/>
+                </a:solidFill>
+              </a14:hiddenFill>
+            </a:ext>
+          </a:extLst>
+        </p:spPr>
+      </p:pic>
     </p:spTree>
     <p:extLst>
       <p:ext uri="{BB962C8B-B14F-4D97-AF65-F5344CB8AC3E}">
@@ -9306,58 +9845,6 @@
           </a:p>
         </p:txBody>
       </p:sp>
-      <p:pic>
-        <p:nvPicPr>
-          <p:cNvPr id="1028" name="Picture 4" descr="Html 1080P, 2K, 4K, 5K HD wallpapers free download | Wallpaper Flare">
-            <a:extLst>
-              <a:ext uri="{FF2B5EF4-FFF2-40B4-BE49-F238E27FC236}">
-                <a16:creationId xmlns:a16="http://schemas.microsoft.com/office/drawing/2014/main" id="{4F1421C5-4219-AA11-3F21-79F5874AE4DD}"/>
-              </a:ext>
-            </a:extLst>
-          </p:cNvPr>
-          <p:cNvPicPr>
-            <a:picLocks noChangeAspect="1" noChangeArrowheads="1"/>
-          </p:cNvPicPr>
-          <p:nvPr/>
-        </p:nvPicPr>
-        <p:blipFill>
-          <a:blip r:embed="rId3">
-            <a:extLst>
-              <a:ext uri="{28A0092B-C50C-407E-A947-70E740481C1C}">
-                <a14:useLocalDpi xmlns:a14="http://schemas.microsoft.com/office/drawing/2010/main" val="0"/>
-              </a:ext>
-            </a:extLst>
-          </a:blip>
-          <a:srcRect/>
-          <a:stretch>
-            <a:fillRect/>
-          </a:stretch>
-        </p:blipFill>
-        <p:spPr bwMode="auto">
-          <a:xfrm>
-            <a:off x="9391386" y="5280731"/>
-            <a:ext cx="2800614" cy="1577269"/>
-          </a:xfrm>
-          <a:prstGeom prst="ellipse">
-            <a:avLst/>
-          </a:prstGeom>
-          <a:ln>
-            <a:noFill/>
-          </a:ln>
-          <a:effectLst>
-            <a:softEdge rad="112500"/>
-          </a:effectLst>
-          <a:extLst>
-            <a:ext uri="{909E8E84-426E-40DD-AFC4-6F175D3DCCD1}">
-              <a14:hiddenFill xmlns:a14="http://schemas.microsoft.com/office/drawing/2010/main">
-                <a:solidFill>
-                  <a:srgbClr val="FFFFFF"/>
-                </a:solidFill>
-              </a14:hiddenFill>
-            </a:ext>
-          </a:extLst>
-        </p:spPr>
-      </p:pic>
     </p:spTree>
     <p:extLst>
       <p:ext uri="{BB962C8B-B14F-4D97-AF65-F5344CB8AC3E}">
@@ -9530,432 +10017,10 @@
       </p:grpSpPr>
       <p:sp>
         <p:nvSpPr>
-          <p:cNvPr id="5" name="CaixaDeTexto 4">
+          <p:cNvPr id="2" name="Título 1">
             <a:extLst>
               <a:ext uri="{FF2B5EF4-FFF2-40B4-BE49-F238E27FC236}">
-                <a16:creationId xmlns:a16="http://schemas.microsoft.com/office/drawing/2014/main" id="{BC82F4AE-4B4F-8EAA-ED4C-CEC0718BD01A}"/>
-              </a:ext>
-            </a:extLst>
-          </p:cNvPr>
-          <p:cNvSpPr txBox="1"/>
-          <p:nvPr/>
-        </p:nvSpPr>
-        <p:spPr>
-          <a:xfrm>
-            <a:off x="553154" y="2458283"/>
-            <a:ext cx="6096000" cy="2308324"/>
-          </a:xfrm>
-          <a:prstGeom prst="rect">
-            <a:avLst/>
-          </a:prstGeom>
-          <a:noFill/>
-        </p:spPr>
-        <p:txBody>
-          <a:bodyPr wrap="square">
-            <a:spAutoFit/>
-          </a:bodyPr>
-          <a:lstStyle/>
-          <a:p>
-            <a:r>
-              <a:rPr lang="pt-BR" b="0" dirty="0">
-                <a:solidFill>
-                  <a:srgbClr val="808080"/>
-                </a:solidFill>
-                <a:effectLst/>
-                <a:latin typeface="Consolas" panose="020B0609020204030204" pitchFamily="49" charset="0"/>
-              </a:rPr>
-              <a:t>&lt;</a:t>
-            </a:r>
-            <a:r>
-              <a:rPr lang="pt-BR" b="0" dirty="0" err="1">
-                <a:solidFill>
-                  <a:srgbClr val="569CD6"/>
-                </a:solidFill>
-                <a:effectLst/>
-                <a:latin typeface="Consolas" panose="020B0609020204030204" pitchFamily="49" charset="0"/>
-              </a:rPr>
-              <a:t>style</a:t>
-            </a:r>
-            <a:r>
-              <a:rPr lang="pt-BR" b="0" dirty="0">
-                <a:solidFill>
-                  <a:srgbClr val="808080"/>
-                </a:solidFill>
-                <a:effectLst/>
-                <a:latin typeface="Consolas" panose="020B0609020204030204" pitchFamily="49" charset="0"/>
-              </a:rPr>
-              <a:t>&gt;</a:t>
-            </a:r>
-            <a:endParaRPr lang="pt-BR" b="0" dirty="0">
-              <a:solidFill>
-                <a:srgbClr val="CCCCCC"/>
-              </a:solidFill>
-              <a:effectLst/>
-              <a:latin typeface="Consolas" panose="020B0609020204030204" pitchFamily="49" charset="0"/>
-            </a:endParaRPr>
-          </a:p>
-          <a:p>
-            <a:r>
-              <a:rPr lang="pt-BR" b="0" dirty="0">
-                <a:solidFill>
-                  <a:srgbClr val="D4D4D4"/>
-                </a:solidFill>
-                <a:effectLst/>
-                <a:latin typeface="Consolas" panose="020B0609020204030204" pitchFamily="49" charset="0"/>
-              </a:rPr>
-              <a:t>    </a:t>
-            </a:r>
-            <a:r>
-              <a:rPr lang="pt-BR" b="0" dirty="0">
-                <a:solidFill>
-                  <a:srgbClr val="D7BA7D"/>
-                </a:solidFill>
-                <a:effectLst/>
-                <a:latin typeface="Consolas" panose="020B0609020204030204" pitchFamily="49" charset="0"/>
-              </a:rPr>
-              <a:t>#meuElemento</a:t>
-            </a:r>
-            <a:r>
-              <a:rPr lang="pt-BR" b="0" dirty="0">
-                <a:solidFill>
-                  <a:srgbClr val="D4D4D4"/>
-                </a:solidFill>
-                <a:effectLst/>
-                <a:latin typeface="Consolas" panose="020B0609020204030204" pitchFamily="49" charset="0"/>
-              </a:rPr>
-              <a:t> {</a:t>
-            </a:r>
-            <a:endParaRPr lang="pt-BR" b="0" dirty="0">
-              <a:solidFill>
-                <a:srgbClr val="CCCCCC"/>
-              </a:solidFill>
-              <a:effectLst/>
-              <a:latin typeface="Consolas" panose="020B0609020204030204" pitchFamily="49" charset="0"/>
-            </a:endParaRPr>
-          </a:p>
-          <a:p>
-            <a:r>
-              <a:rPr lang="pt-BR" b="0" dirty="0">
-                <a:solidFill>
-                  <a:srgbClr val="D4D4D4"/>
-                </a:solidFill>
-                <a:effectLst/>
-                <a:latin typeface="Consolas" panose="020B0609020204030204" pitchFamily="49" charset="0"/>
-              </a:rPr>
-              <a:t>        </a:t>
-            </a:r>
-            <a:r>
-              <a:rPr lang="pt-BR" b="0" dirty="0">
-                <a:solidFill>
-                  <a:srgbClr val="9CDCFE"/>
-                </a:solidFill>
-                <a:effectLst/>
-                <a:latin typeface="Consolas" panose="020B0609020204030204" pitchFamily="49" charset="0"/>
-              </a:rPr>
-              <a:t>color</a:t>
-            </a:r>
-            <a:r>
-              <a:rPr lang="pt-BR" b="0" dirty="0">
-                <a:solidFill>
-                  <a:srgbClr val="D4D4D4"/>
-                </a:solidFill>
-                <a:effectLst/>
-                <a:latin typeface="Consolas" panose="020B0609020204030204" pitchFamily="49" charset="0"/>
-              </a:rPr>
-              <a:t>: </a:t>
-            </a:r>
-            <a:r>
-              <a:rPr lang="pt-BR" b="0" dirty="0">
-                <a:solidFill>
-                  <a:srgbClr val="CE9178"/>
-                </a:solidFill>
-                <a:effectLst/>
-                <a:latin typeface="Consolas" panose="020B0609020204030204" pitchFamily="49" charset="0"/>
-              </a:rPr>
-              <a:t>blue</a:t>
-            </a:r>
-            <a:r>
-              <a:rPr lang="pt-BR" b="0" dirty="0">
-                <a:solidFill>
-                  <a:srgbClr val="D4D4D4"/>
-                </a:solidFill>
-                <a:effectLst/>
-                <a:latin typeface="Consolas" panose="020B0609020204030204" pitchFamily="49" charset="0"/>
-              </a:rPr>
-              <a:t>;</a:t>
-            </a:r>
-            <a:endParaRPr lang="pt-BR" b="0" dirty="0">
-              <a:solidFill>
-                <a:srgbClr val="CCCCCC"/>
-              </a:solidFill>
-              <a:effectLst/>
-              <a:latin typeface="Consolas" panose="020B0609020204030204" pitchFamily="49" charset="0"/>
-            </a:endParaRPr>
-          </a:p>
-          <a:p>
-            <a:r>
-              <a:rPr lang="pt-BR" b="0" dirty="0">
-                <a:solidFill>
-                  <a:srgbClr val="D4D4D4"/>
-                </a:solidFill>
-                <a:effectLst/>
-                <a:latin typeface="Consolas" panose="020B0609020204030204" pitchFamily="49" charset="0"/>
-              </a:rPr>
-              <a:t>        </a:t>
-            </a:r>
-            <a:r>
-              <a:rPr lang="pt-BR" b="0" dirty="0" err="1">
-                <a:solidFill>
-                  <a:srgbClr val="9CDCFE"/>
-                </a:solidFill>
-                <a:effectLst/>
-                <a:latin typeface="Consolas" panose="020B0609020204030204" pitchFamily="49" charset="0"/>
-              </a:rPr>
-              <a:t>font-size</a:t>
-            </a:r>
-            <a:r>
-              <a:rPr lang="pt-BR" b="0" dirty="0">
-                <a:solidFill>
-                  <a:srgbClr val="D4D4D4"/>
-                </a:solidFill>
-                <a:effectLst/>
-                <a:latin typeface="Consolas" panose="020B0609020204030204" pitchFamily="49" charset="0"/>
-              </a:rPr>
-              <a:t>: </a:t>
-            </a:r>
-            <a:r>
-              <a:rPr lang="pt-BR" b="0" dirty="0">
-                <a:solidFill>
-                  <a:srgbClr val="B5CEA8"/>
-                </a:solidFill>
-                <a:effectLst/>
-                <a:latin typeface="Consolas" panose="020B0609020204030204" pitchFamily="49" charset="0"/>
-              </a:rPr>
-              <a:t>20px</a:t>
-            </a:r>
-            <a:r>
-              <a:rPr lang="pt-BR" b="0" dirty="0">
-                <a:solidFill>
-                  <a:srgbClr val="D4D4D4"/>
-                </a:solidFill>
-                <a:effectLst/>
-                <a:latin typeface="Consolas" panose="020B0609020204030204" pitchFamily="49" charset="0"/>
-              </a:rPr>
-              <a:t>;</a:t>
-            </a:r>
-            <a:endParaRPr lang="pt-BR" b="0" dirty="0">
-              <a:solidFill>
-                <a:srgbClr val="CCCCCC"/>
-              </a:solidFill>
-              <a:effectLst/>
-              <a:latin typeface="Consolas" panose="020B0609020204030204" pitchFamily="49" charset="0"/>
-            </a:endParaRPr>
-          </a:p>
-          <a:p>
-            <a:r>
-              <a:rPr lang="pt-BR" b="0" dirty="0">
-                <a:solidFill>
-                  <a:srgbClr val="D4D4D4"/>
-                </a:solidFill>
-                <a:effectLst/>
-                <a:latin typeface="Consolas" panose="020B0609020204030204" pitchFamily="49" charset="0"/>
-              </a:rPr>
-              <a:t>    }</a:t>
-            </a:r>
-            <a:endParaRPr lang="pt-BR" b="0" dirty="0">
-              <a:solidFill>
-                <a:srgbClr val="CCCCCC"/>
-              </a:solidFill>
-              <a:effectLst/>
-              <a:latin typeface="Consolas" panose="020B0609020204030204" pitchFamily="49" charset="0"/>
-            </a:endParaRPr>
-          </a:p>
-          <a:p>
-            <a:r>
-              <a:rPr lang="pt-BR" b="0" dirty="0">
-                <a:solidFill>
-                  <a:srgbClr val="808080"/>
-                </a:solidFill>
-                <a:effectLst/>
-                <a:latin typeface="Consolas" panose="020B0609020204030204" pitchFamily="49" charset="0"/>
-              </a:rPr>
-              <a:t>&lt;/</a:t>
-            </a:r>
-            <a:r>
-              <a:rPr lang="pt-BR" b="0" dirty="0" err="1">
-                <a:solidFill>
-                  <a:srgbClr val="569CD6"/>
-                </a:solidFill>
-                <a:effectLst/>
-                <a:latin typeface="Consolas" panose="020B0609020204030204" pitchFamily="49" charset="0"/>
-              </a:rPr>
-              <a:t>style</a:t>
-            </a:r>
-            <a:r>
-              <a:rPr lang="pt-BR" b="0" dirty="0">
-                <a:solidFill>
-                  <a:srgbClr val="808080"/>
-                </a:solidFill>
-                <a:effectLst/>
-                <a:latin typeface="Consolas" panose="020B0609020204030204" pitchFamily="49" charset="0"/>
-              </a:rPr>
-              <a:t>&gt;</a:t>
-            </a:r>
-            <a:endParaRPr lang="pt-BR" b="0" dirty="0">
-              <a:solidFill>
-                <a:srgbClr val="CCCCCC"/>
-              </a:solidFill>
-              <a:effectLst/>
-              <a:latin typeface="Consolas" panose="020B0609020204030204" pitchFamily="49" charset="0"/>
-            </a:endParaRPr>
-          </a:p>
-          <a:p>
-            <a:r>
-              <a:rPr lang="pt-BR" b="0" dirty="0">
-                <a:solidFill>
-                  <a:srgbClr val="808080"/>
-                </a:solidFill>
-                <a:effectLst/>
-                <a:latin typeface="Consolas" panose="020B0609020204030204" pitchFamily="49" charset="0"/>
-              </a:rPr>
-              <a:t>&lt;</a:t>
-            </a:r>
-            <a:r>
-              <a:rPr lang="pt-BR" b="0" dirty="0">
-                <a:solidFill>
-                  <a:srgbClr val="569CD6"/>
-                </a:solidFill>
-                <a:effectLst/>
-                <a:latin typeface="Consolas" panose="020B0609020204030204" pitchFamily="49" charset="0"/>
-              </a:rPr>
-              <a:t>p</a:t>
-            </a:r>
-            <a:r>
-              <a:rPr lang="pt-BR" b="0" dirty="0">
-                <a:solidFill>
-                  <a:srgbClr val="CCCCCC"/>
-                </a:solidFill>
-                <a:effectLst/>
-                <a:latin typeface="Consolas" panose="020B0609020204030204" pitchFamily="49" charset="0"/>
-              </a:rPr>
-              <a:t> </a:t>
-            </a:r>
-            <a:r>
-              <a:rPr lang="pt-BR" b="0" dirty="0">
-                <a:solidFill>
-                  <a:srgbClr val="9CDCFE"/>
-                </a:solidFill>
-                <a:effectLst/>
-                <a:latin typeface="Consolas" panose="020B0609020204030204" pitchFamily="49" charset="0"/>
-              </a:rPr>
-              <a:t>id</a:t>
-            </a:r>
-            <a:r>
-              <a:rPr lang="pt-BR" b="0" dirty="0">
-                <a:solidFill>
-                  <a:srgbClr val="CCCCCC"/>
-                </a:solidFill>
-                <a:effectLst/>
-                <a:latin typeface="Consolas" panose="020B0609020204030204" pitchFamily="49" charset="0"/>
-              </a:rPr>
-              <a:t>=</a:t>
-            </a:r>
-            <a:r>
-              <a:rPr lang="pt-BR" b="0" dirty="0">
-                <a:solidFill>
-                  <a:srgbClr val="CE9178"/>
-                </a:solidFill>
-                <a:effectLst/>
-                <a:latin typeface="Consolas" panose="020B0609020204030204" pitchFamily="49" charset="0"/>
-              </a:rPr>
-              <a:t>"</a:t>
-            </a:r>
-            <a:r>
-              <a:rPr lang="pt-BR" b="0" dirty="0" err="1">
-                <a:solidFill>
-                  <a:srgbClr val="CE9178"/>
-                </a:solidFill>
-                <a:effectLst/>
-                <a:latin typeface="Consolas" panose="020B0609020204030204" pitchFamily="49" charset="0"/>
-              </a:rPr>
-              <a:t>meuElemento</a:t>
-            </a:r>
-            <a:r>
-              <a:rPr lang="pt-BR" b="0" dirty="0">
-                <a:solidFill>
-                  <a:srgbClr val="CE9178"/>
-                </a:solidFill>
-                <a:effectLst/>
-                <a:latin typeface="Consolas" panose="020B0609020204030204" pitchFamily="49" charset="0"/>
-              </a:rPr>
-              <a:t>"</a:t>
-            </a:r>
-            <a:r>
-              <a:rPr lang="pt-BR" b="0" dirty="0">
-                <a:solidFill>
-                  <a:srgbClr val="808080"/>
-                </a:solidFill>
-                <a:effectLst/>
-                <a:latin typeface="Consolas" panose="020B0609020204030204" pitchFamily="49" charset="0"/>
-              </a:rPr>
-              <a:t>&gt;</a:t>
-            </a:r>
-            <a:r>
-              <a:rPr lang="pt-BR" b="0" dirty="0">
-                <a:solidFill>
-                  <a:srgbClr val="CCCCCC"/>
-                </a:solidFill>
-                <a:effectLst/>
-                <a:latin typeface="Consolas" panose="020B0609020204030204" pitchFamily="49" charset="0"/>
-              </a:rPr>
-              <a:t>Este é um parágrafo estilizado com um id.</a:t>
-            </a:r>
-            <a:r>
-              <a:rPr lang="pt-BR" b="0" dirty="0">
-                <a:solidFill>
-                  <a:srgbClr val="808080"/>
-                </a:solidFill>
-                <a:effectLst/>
-                <a:latin typeface="Consolas" panose="020B0609020204030204" pitchFamily="49" charset="0"/>
-              </a:rPr>
-              <a:t>&lt;/</a:t>
-            </a:r>
-            <a:r>
-              <a:rPr lang="pt-BR" b="0" dirty="0">
-                <a:solidFill>
-                  <a:srgbClr val="569CD6"/>
-                </a:solidFill>
-                <a:effectLst/>
-                <a:latin typeface="Consolas" panose="020B0609020204030204" pitchFamily="49" charset="0"/>
-              </a:rPr>
-              <a:t>p</a:t>
-            </a:r>
-            <a:r>
-              <a:rPr lang="pt-BR" b="0" dirty="0">
-                <a:solidFill>
-                  <a:srgbClr val="808080"/>
-                </a:solidFill>
-                <a:effectLst/>
-                <a:latin typeface="Consolas" panose="020B0609020204030204" pitchFamily="49" charset="0"/>
-              </a:rPr>
-              <a:t>&gt;</a:t>
-            </a:r>
-            <a:endParaRPr lang="pt-BR" b="0" dirty="0">
-              <a:solidFill>
-                <a:srgbClr val="CCCCCC"/>
-              </a:solidFill>
-              <a:effectLst/>
-              <a:latin typeface="Consolas" panose="020B0609020204030204" pitchFamily="49" charset="0"/>
-            </a:endParaRPr>
-          </a:p>
-        </p:txBody>
-      </p:sp>
-      <p:sp>
-        <p:nvSpPr>
-          <p:cNvPr id="6" name="Título 5">
-            <a:extLst>
-              <a:ext uri="{FF2B5EF4-FFF2-40B4-BE49-F238E27FC236}">
-                <a16:creationId xmlns:a16="http://schemas.microsoft.com/office/drawing/2014/main" id="{7A357443-66C5-8281-99BC-3DA2C4B6F170}"/>
+                <a16:creationId xmlns:a16="http://schemas.microsoft.com/office/drawing/2014/main" id="{62D7670D-3CD3-8942-8B07-CE70827B0553}"/>
               </a:ext>
             </a:extLst>
           </p:cNvPr>
@@ -9972,27 +10037,215 @@
           <a:lstStyle/>
           <a:p>
             <a:r>
-              <a:rPr lang="pt-BR" sz="2000" dirty="0"/>
-              <a:t>Estilização com CSS:</a:t>
-            </a:r>
-            <a:br>
-              <a:rPr lang="pt-BR" sz="2000" dirty="0"/>
-            </a:br>
-            <a:r>
-              <a:rPr lang="pt-BR" sz="2000" dirty="0"/>
-              <a:t>O id pode ser usado para aplicar estilos específicos a um elemento.</a:t>
-            </a:r>
-            <a:br>
-              <a:rPr lang="pt-BR" sz="2000" dirty="0"/>
-            </a:br>
-            <a:endParaRPr lang="pt-BR" sz="2000" dirty="0"/>
+              <a:rPr lang="pt-BR" dirty="0" err="1"/>
+              <a:t>Style</a:t>
+            </a:r>
+            <a:r>
+              <a:rPr lang="pt-BR" dirty="0"/>
+              <a:t> - CSS</a:t>
+            </a:r>
+          </a:p>
+        </p:txBody>
+      </p:sp>
+      <p:sp>
+        <p:nvSpPr>
+          <p:cNvPr id="3" name="Espaço Reservado para Conteúdo 2">
+            <a:extLst>
+              <a:ext uri="{FF2B5EF4-FFF2-40B4-BE49-F238E27FC236}">
+                <a16:creationId xmlns:a16="http://schemas.microsoft.com/office/drawing/2014/main" id="{60C5A0F9-6BF3-2FA3-7088-A3679A135EC9}"/>
+              </a:ext>
+            </a:extLst>
+          </p:cNvPr>
+          <p:cNvSpPr>
+            <a:spLocks noGrp="1"/>
+          </p:cNvSpPr>
+          <p:nvPr>
+            <p:ph idx="1"/>
+          </p:nvPr>
+        </p:nvSpPr>
+        <p:spPr/>
+        <p:txBody>
+          <a:bodyPr>
+            <a:normAutofit/>
+          </a:bodyPr>
+          <a:lstStyle/>
+          <a:p>
+            <a:r>
+              <a:rPr lang="pt-BR" sz="2400" dirty="0"/>
+              <a:t>A </a:t>
+            </a:r>
+            <a:r>
+              <a:rPr lang="pt-BR" sz="2400" dirty="0" err="1"/>
+              <a:t>tag</a:t>
+            </a:r>
+            <a:r>
+              <a:rPr lang="pt-BR" sz="2400" dirty="0"/>
+              <a:t> &lt;</a:t>
+            </a:r>
+            <a:r>
+              <a:rPr lang="pt-BR" sz="2400" dirty="0" err="1"/>
+              <a:t>style</a:t>
+            </a:r>
+            <a:r>
+              <a:rPr lang="pt-BR" sz="2400" dirty="0"/>
+              <a:t>&gt; é utilizada em documentos HTML para definir regras de estilo CSS (</a:t>
+            </a:r>
+            <a:r>
+              <a:rPr lang="pt-BR" sz="2400" dirty="0" err="1"/>
+              <a:t>Cascading</a:t>
+            </a:r>
+            <a:r>
+              <a:rPr lang="pt-BR" sz="2400" dirty="0"/>
+              <a:t> </a:t>
+            </a:r>
+            <a:r>
+              <a:rPr lang="pt-BR" sz="2400" dirty="0" err="1"/>
+              <a:t>Style</a:t>
+            </a:r>
+            <a:r>
+              <a:rPr lang="pt-BR" sz="2400" dirty="0"/>
+              <a:t> </a:t>
+            </a:r>
+            <a:r>
+              <a:rPr lang="pt-BR" sz="2400" dirty="0" err="1"/>
+              <a:t>Sheets</a:t>
+            </a:r>
+            <a:r>
+              <a:rPr lang="pt-BR" sz="2400" dirty="0"/>
+              <a:t>) diretamente no documento. Ela permite que os desenvolvedores estilizem elementos HTML sem a necessidade de arquivos CSS externos. A </a:t>
+            </a:r>
+            <a:r>
+              <a:rPr lang="pt-BR" sz="2400" dirty="0" err="1"/>
+              <a:t>tag</a:t>
+            </a:r>
+            <a:r>
+              <a:rPr lang="pt-BR" sz="2400" dirty="0"/>
+              <a:t> &lt;</a:t>
+            </a:r>
+            <a:r>
+              <a:rPr lang="pt-BR" sz="2400" dirty="0" err="1"/>
+              <a:t>style</a:t>
+            </a:r>
+            <a:r>
+              <a:rPr lang="pt-BR" sz="2400" dirty="0"/>
+              <a:t>&gt; deve ser colocada dentro da seção &lt;</a:t>
+            </a:r>
+            <a:r>
+              <a:rPr lang="pt-BR" sz="2400" dirty="0" err="1"/>
+              <a:t>head</a:t>
+            </a:r>
+            <a:r>
+              <a:rPr lang="pt-BR" sz="2400" dirty="0"/>
+              <a:t>&gt; de um documento HTML.</a:t>
+            </a:r>
+          </a:p>
+        </p:txBody>
+      </p:sp>
+      <p:pic>
+        <p:nvPicPr>
+          <p:cNvPr id="2050" name="Picture 2" descr="Css Logo transparent background PNG cliparts free download | HiClipart">
+            <a:extLst>
+              <a:ext uri="{FF2B5EF4-FFF2-40B4-BE49-F238E27FC236}">
+                <a16:creationId xmlns:a16="http://schemas.microsoft.com/office/drawing/2014/main" id="{2624B940-7C32-FC61-967A-A539D29CC6E1}"/>
+              </a:ext>
+            </a:extLst>
+          </p:cNvPr>
+          <p:cNvPicPr>
+            <a:picLocks noChangeAspect="1" noChangeArrowheads="1"/>
+          </p:cNvPicPr>
+          <p:nvPr/>
+        </p:nvPicPr>
+        <p:blipFill>
+          <a:blip r:embed="rId2">
+            <a:extLst>
+              <a:ext uri="{BEBA8EAE-BF5A-486C-A8C5-ECC9F3942E4B}">
+                <a14:imgProps xmlns:a14="http://schemas.microsoft.com/office/drawing/2010/main">
+                  <a14:imgLayer r:embed="rId3">
+                    <a14:imgEffect>
+                      <a14:backgroundRemoval t="5800" b="94000" l="9947" r="89876">
+                        <a14:foregroundMark x1="39432" y1="8800" x2="39432" y2="8800"/>
+                        <a14:foregroundMark x1="48668" y1="10000" x2="48668" y2="10000"/>
+                        <a14:foregroundMark x1="60746" y1="10800" x2="60746" y2="10800"/>
+                        <a14:foregroundMark x1="46536" y1="8000" x2="46536" y2="8000"/>
+                        <a14:foregroundMark x1="46359" y1="16600" x2="46359" y2="16600"/>
+                      </a14:backgroundRemoval>
+                    </a14:imgEffect>
+                  </a14:imgLayer>
+                </a14:imgProps>
+              </a:ext>
+              <a:ext uri="{28A0092B-C50C-407E-A947-70E740481C1C}">
+                <a14:useLocalDpi xmlns:a14="http://schemas.microsoft.com/office/drawing/2010/main" val="0"/>
+              </a:ext>
+            </a:extLst>
+          </a:blip>
+          <a:srcRect/>
+          <a:stretch>
+            <a:fillRect/>
+          </a:stretch>
+        </p:blipFill>
+        <p:spPr bwMode="auto">
+          <a:xfrm>
+            <a:off x="10314582" y="4977532"/>
+            <a:ext cx="2117407" cy="1880468"/>
+          </a:xfrm>
+          <a:prstGeom prst="rect">
+            <a:avLst/>
+          </a:prstGeom>
+          <a:noFill/>
+          <a:extLst>
+            <a:ext uri="{909E8E84-426E-40DD-AFC4-6F175D3DCCD1}">
+              <a14:hiddenFill xmlns:a14="http://schemas.microsoft.com/office/drawing/2010/main">
+                <a:solidFill>
+                  <a:srgbClr val="FFFFFF"/>
+                </a:solidFill>
+              </a14:hiddenFill>
+            </a:ext>
+          </a:extLst>
+        </p:spPr>
+      </p:pic>
+      <p:sp>
+        <p:nvSpPr>
+          <p:cNvPr id="4" name="CaixaDeTexto 3">
+            <a:extLst>
+              <a:ext uri="{FF2B5EF4-FFF2-40B4-BE49-F238E27FC236}">
+                <a16:creationId xmlns:a16="http://schemas.microsoft.com/office/drawing/2014/main" id="{A1FD8543-09DA-9A23-68A6-9B9061CDC963}"/>
+              </a:ext>
+            </a:extLst>
+          </p:cNvPr>
+          <p:cNvSpPr txBox="1"/>
+          <p:nvPr/>
+        </p:nvSpPr>
+        <p:spPr>
+          <a:xfrm>
+            <a:off x="96312" y="6211669"/>
+            <a:ext cx="7797621" cy="646331"/>
+          </a:xfrm>
+          <a:prstGeom prst="rect">
+            <a:avLst/>
+          </a:prstGeom>
+          <a:noFill/>
+        </p:spPr>
+        <p:txBody>
+          <a:bodyPr wrap="square" rtlCol="0">
+            <a:spAutoFit/>
+          </a:bodyPr>
+          <a:lstStyle/>
+          <a:p>
+            <a:r>
+              <a:rPr lang="pt-BR" b="1" dirty="0">
+                <a:solidFill>
+                  <a:schemeClr val="accent1"/>
+                </a:solidFill>
+              </a:rPr>
+              <a:t>Obs.: Caso haja duplicidade o navegador sobrepõe oque foi programado por último.</a:t>
+            </a:r>
           </a:p>
         </p:txBody>
       </p:sp>
     </p:spTree>
     <p:extLst>
       <p:ext uri="{BB962C8B-B14F-4D97-AF65-F5344CB8AC3E}">
-        <p14:creationId xmlns:p14="http://schemas.microsoft.com/office/powerpoint/2010/main" val="1366786720"/>
+        <p14:creationId xmlns:p14="http://schemas.microsoft.com/office/powerpoint/2010/main" val="3785527347"/>
       </p:ext>
     </p:extLst>
   </p:cSld>
@@ -10021,45 +10274,10 @@
       </p:grpSpPr>
       <p:sp>
         <p:nvSpPr>
-          <p:cNvPr id="2" name="Título 1">
-            <a:extLst>
-              <a:ext uri="{FF2B5EF4-FFF2-40B4-BE49-F238E27FC236}">
-                <a16:creationId xmlns:a16="http://schemas.microsoft.com/office/drawing/2014/main" id="{6D6F67AB-1D4C-74F5-C84E-F756E7C90152}"/>
-              </a:ext>
-            </a:extLst>
-          </p:cNvPr>
-          <p:cNvSpPr>
-            <a:spLocks noGrp="1"/>
-          </p:cNvSpPr>
-          <p:nvPr>
-            <p:ph type="title"/>
-          </p:nvPr>
-        </p:nvSpPr>
-        <p:spPr/>
-        <p:txBody>
-          <a:bodyPr/>
-          <a:lstStyle/>
-          <a:p>
-            <a:r>
-              <a:rPr lang="pt-BR" sz="2000" dirty="0"/>
-              <a:t>Manipulação com JavaScript:</a:t>
-            </a:r>
-            <a:br>
-              <a:rPr lang="pt-BR" sz="2000" dirty="0"/>
-            </a:br>
-            <a:r>
-              <a:rPr lang="pt-BR" sz="2000" dirty="0"/>
-              <a:t>O id pode ser usado para acessar e manipular elementos no DOM com JavaScript.</a:t>
-            </a:r>
-          </a:p>
-        </p:txBody>
-      </p:sp>
-      <p:sp>
-        <p:nvSpPr>
           <p:cNvPr id="5" name="CaixaDeTexto 4">
             <a:extLst>
               <a:ext uri="{FF2B5EF4-FFF2-40B4-BE49-F238E27FC236}">
-                <a16:creationId xmlns:a16="http://schemas.microsoft.com/office/drawing/2014/main" id="{ADC2B44A-554D-CBBD-DC23-5529B9E3EF6F}"/>
+                <a16:creationId xmlns:a16="http://schemas.microsoft.com/office/drawing/2014/main" id="{BC82F4AE-4B4F-8EAA-ED4C-CEC0718BD01A}"/>
               </a:ext>
             </a:extLst>
           </p:cNvPr>
@@ -10068,8 +10286,8 @@
         </p:nvSpPr>
         <p:spPr>
           <a:xfrm>
-            <a:off x="810000" y="2604196"/>
-            <a:ext cx="11065911" cy="2585323"/>
+            <a:off x="553154" y="2458283"/>
+            <a:ext cx="6096000" cy="2308324"/>
           </a:xfrm>
           <a:prstGeom prst="rect">
             <a:avLst/>
@@ -10085,12 +10303,32 @@
             <a:r>
               <a:rPr lang="pt-BR" b="0" dirty="0">
                 <a:solidFill>
-                  <a:srgbClr val="6A9955"/>
-                </a:solidFill>
-                <a:effectLst/>
-                <a:latin typeface="Consolas" panose="020B0609020204030204" pitchFamily="49" charset="0"/>
-              </a:rPr>
-              <a:t>&lt;!--Utilização com JS --&gt;</a:t>
+                  <a:srgbClr val="808080"/>
+                </a:solidFill>
+                <a:effectLst/>
+                <a:latin typeface="Consolas" panose="020B0609020204030204" pitchFamily="49" charset="0"/>
+              </a:rPr>
+              <a:t>&lt;</a:t>
+            </a:r>
+            <a:r>
+              <a:rPr lang="pt-BR" b="0" dirty="0" err="1">
+                <a:solidFill>
+                  <a:srgbClr val="569CD6"/>
+                </a:solidFill>
+                <a:effectLst/>
+                <a:latin typeface="Consolas" panose="020B0609020204030204" pitchFamily="49" charset="0"/>
+              </a:rPr>
+              <a:t>style</a:t>
+            </a:r>
+            <a:r>
+              <a:rPr lang="pt-BR" b="0" dirty="0">
+                <a:solidFill>
+                  <a:srgbClr val="808080"/>
+                </a:solidFill>
+                <a:effectLst/>
+                <a:latin typeface="Consolas" panose="020B0609020204030204" pitchFamily="49" charset="0"/>
+              </a:rPr>
+              <a:t>&gt;</a:t>
             </a:r>
             <a:endParaRPr lang="pt-BR" b="0" dirty="0">
               <a:solidFill>
@@ -10104,132 +10342,32 @@
             <a:r>
               <a:rPr lang="pt-BR" b="0" dirty="0">
                 <a:solidFill>
-                  <a:srgbClr val="808080"/>
-                </a:solidFill>
-                <a:effectLst/>
-                <a:latin typeface="Consolas" panose="020B0609020204030204" pitchFamily="49" charset="0"/>
-              </a:rPr>
-              <a:t>&lt;</a:t>
-            </a:r>
-            <a:r>
-              <a:rPr lang="pt-BR" b="0" dirty="0">
-                <a:solidFill>
-                  <a:srgbClr val="569CD6"/>
-                </a:solidFill>
-                <a:effectLst/>
-                <a:latin typeface="Consolas" panose="020B0609020204030204" pitchFamily="49" charset="0"/>
-              </a:rPr>
-              <a:t>p</a:t>
-            </a:r>
-            <a:r>
-              <a:rPr lang="pt-BR" b="0" dirty="0">
-                <a:solidFill>
-                  <a:srgbClr val="CCCCCC"/>
-                </a:solidFill>
-                <a:effectLst/>
-                <a:latin typeface="Consolas" panose="020B0609020204030204" pitchFamily="49" charset="0"/>
-              </a:rPr>
-              <a:t> </a:t>
-            </a:r>
-            <a:r>
-              <a:rPr lang="pt-BR" b="0" dirty="0">
-                <a:solidFill>
-                  <a:srgbClr val="9CDCFE"/>
-                </a:solidFill>
-                <a:effectLst/>
-                <a:latin typeface="Consolas" panose="020B0609020204030204" pitchFamily="49" charset="0"/>
-              </a:rPr>
-              <a:t>id</a:t>
-            </a:r>
-            <a:r>
-              <a:rPr lang="pt-BR" b="0" dirty="0">
-                <a:solidFill>
-                  <a:srgbClr val="CCCCCC"/>
-                </a:solidFill>
-                <a:effectLst/>
-                <a:latin typeface="Consolas" panose="020B0609020204030204" pitchFamily="49" charset="0"/>
-              </a:rPr>
-              <a:t>=</a:t>
-            </a:r>
-            <a:r>
-              <a:rPr lang="pt-BR" b="0" dirty="0">
-                <a:solidFill>
-                  <a:srgbClr val="CE9178"/>
-                </a:solidFill>
-                <a:effectLst/>
-                <a:latin typeface="Consolas" panose="020B0609020204030204" pitchFamily="49" charset="0"/>
-              </a:rPr>
-              <a:t>"</a:t>
-            </a:r>
-            <a:r>
-              <a:rPr lang="pt-BR" b="0" dirty="0" err="1">
-                <a:solidFill>
-                  <a:srgbClr val="CE9178"/>
-                </a:solidFill>
-                <a:effectLst/>
-                <a:latin typeface="Consolas" panose="020B0609020204030204" pitchFamily="49" charset="0"/>
-              </a:rPr>
-              <a:t>meuParagrafo</a:t>
-            </a:r>
-            <a:r>
-              <a:rPr lang="pt-BR" b="0" dirty="0">
-                <a:solidFill>
-                  <a:srgbClr val="CE9178"/>
-                </a:solidFill>
-                <a:effectLst/>
-                <a:latin typeface="Consolas" panose="020B0609020204030204" pitchFamily="49" charset="0"/>
-              </a:rPr>
-              <a:t>"</a:t>
-            </a:r>
-            <a:r>
-              <a:rPr lang="pt-BR" b="0" dirty="0">
-                <a:solidFill>
-                  <a:srgbClr val="808080"/>
-                </a:solidFill>
-                <a:effectLst/>
-                <a:latin typeface="Consolas" panose="020B0609020204030204" pitchFamily="49" charset="0"/>
-              </a:rPr>
-              <a:t>&gt;</a:t>
-            </a:r>
-            <a:r>
-              <a:rPr lang="pt-BR" b="0" dirty="0">
-                <a:solidFill>
-                  <a:srgbClr val="CCCCCC"/>
-                </a:solidFill>
-                <a:effectLst/>
-                <a:latin typeface="Consolas" panose="020B0609020204030204" pitchFamily="49" charset="0"/>
-              </a:rPr>
-              <a:t>Clique no botão para mudar este texto.</a:t>
-            </a:r>
-            <a:r>
-              <a:rPr lang="pt-BR" b="0" dirty="0">
-                <a:solidFill>
-                  <a:srgbClr val="808080"/>
-                </a:solidFill>
-                <a:effectLst/>
-                <a:latin typeface="Consolas" panose="020B0609020204030204" pitchFamily="49" charset="0"/>
-              </a:rPr>
-              <a:t>&lt;/</a:t>
-            </a:r>
-            <a:r>
-              <a:rPr lang="pt-BR" b="0" dirty="0">
-                <a:solidFill>
-                  <a:srgbClr val="569CD6"/>
-                </a:solidFill>
-                <a:effectLst/>
-                <a:latin typeface="Consolas" panose="020B0609020204030204" pitchFamily="49" charset="0"/>
-              </a:rPr>
-              <a:t>p</a:t>
-            </a:r>
-            <a:r>
-              <a:rPr lang="pt-BR" b="0" dirty="0">
-                <a:solidFill>
-                  <a:srgbClr val="808080"/>
-                </a:solidFill>
-                <a:effectLst/>
-                <a:latin typeface="Consolas" panose="020B0609020204030204" pitchFamily="49" charset="0"/>
-              </a:rPr>
-              <a:t>&gt;</a:t>
+                  <a:srgbClr val="D4D4D4"/>
+                </a:solidFill>
+                <a:effectLst/>
+                <a:latin typeface="Consolas" panose="020B0609020204030204" pitchFamily="49" charset="0"/>
+              </a:rPr>
+              <a:t>    </a:t>
+            </a:r>
+            <a:r>
+              <a:rPr lang="pt-BR" b="0" dirty="0">
+                <a:solidFill>
+                  <a:srgbClr val="D7BA7D"/>
+                </a:solidFill>
+                <a:effectLst/>
+                <a:latin typeface="Consolas" panose="020B0609020204030204" pitchFamily="49" charset="0"/>
+              </a:rPr>
+              <a:t>#meuElemento</a:t>
+            </a:r>
+            <a:r>
+              <a:rPr lang="pt-BR" b="0" dirty="0">
+                <a:solidFill>
+                  <a:srgbClr val="D4D4D4"/>
+                </a:solidFill>
+                <a:effectLst/>
+                <a:latin typeface="Consolas" panose="020B0609020204030204" pitchFamily="49" charset="0"/>
+              </a:rPr>
+              <a:t> {</a:t>
             </a:r>
             <a:endParaRPr lang="pt-BR" b="0" dirty="0">
               <a:solidFill>
@@ -10243,52 +10381,32 @@
             <a:r>
               <a:rPr lang="pt-BR" b="0" dirty="0">
                 <a:solidFill>
-                  <a:srgbClr val="808080"/>
-                </a:solidFill>
-                <a:effectLst/>
-                <a:latin typeface="Consolas" panose="020B0609020204030204" pitchFamily="49" charset="0"/>
-              </a:rPr>
-              <a:t>&lt;</a:t>
-            </a:r>
-            <a:r>
-              <a:rPr lang="pt-BR" b="0" dirty="0" err="1">
-                <a:solidFill>
-                  <a:srgbClr val="569CD6"/>
-                </a:solidFill>
-                <a:effectLst/>
-                <a:latin typeface="Consolas" panose="020B0609020204030204" pitchFamily="49" charset="0"/>
-              </a:rPr>
-              <a:t>button</a:t>
-            </a:r>
-            <a:r>
-              <a:rPr lang="pt-BR" b="0" dirty="0">
-                <a:solidFill>
-                  <a:srgbClr val="CCCCCC"/>
-                </a:solidFill>
-                <a:effectLst/>
-                <a:latin typeface="Consolas" panose="020B0609020204030204" pitchFamily="49" charset="0"/>
-              </a:rPr>
-              <a:t> </a:t>
-            </a:r>
-            <a:r>
-              <a:rPr lang="pt-BR" b="0" dirty="0" err="1">
+                  <a:srgbClr val="D4D4D4"/>
+                </a:solidFill>
+                <a:effectLst/>
+                <a:latin typeface="Consolas" panose="020B0609020204030204" pitchFamily="49" charset="0"/>
+              </a:rPr>
+              <a:t>        </a:t>
+            </a:r>
+            <a:r>
+              <a:rPr lang="pt-BR" b="0" dirty="0">
                 <a:solidFill>
                   <a:srgbClr val="9CDCFE"/>
                 </a:solidFill>
                 <a:effectLst/>
                 <a:latin typeface="Consolas" panose="020B0609020204030204" pitchFamily="49" charset="0"/>
               </a:rPr>
-              <a:t>onclick</a:t>
-            </a:r>
-            <a:r>
-              <a:rPr lang="pt-BR" b="0" dirty="0">
-                <a:solidFill>
-                  <a:srgbClr val="CCCCCC"/>
-                </a:solidFill>
-                <a:effectLst/>
-                <a:latin typeface="Consolas" panose="020B0609020204030204" pitchFamily="49" charset="0"/>
-              </a:rPr>
-              <a:t>=</a:t>
+              <a:t>color</a:t>
+            </a:r>
+            <a:r>
+              <a:rPr lang="pt-BR" b="0" dirty="0">
+                <a:solidFill>
+                  <a:srgbClr val="D4D4D4"/>
+                </a:solidFill>
+                <a:effectLst/>
+                <a:latin typeface="Consolas" panose="020B0609020204030204" pitchFamily="49" charset="0"/>
+              </a:rPr>
+              <a:t>: </a:t>
             </a:r>
             <a:r>
               <a:rPr lang="pt-BR" b="0" dirty="0">
@@ -10298,77 +10416,17 @@
                 <a:effectLst/>
                 <a:latin typeface="Consolas" panose="020B0609020204030204" pitchFamily="49" charset="0"/>
               </a:rPr>
-              <a:t>"</a:t>
-            </a:r>
-            <a:r>
-              <a:rPr lang="pt-BR" b="0" dirty="0" err="1">
-                <a:solidFill>
-                  <a:srgbClr val="DCDCAA"/>
-                </a:solidFill>
-                <a:effectLst/>
-                <a:latin typeface="Consolas" panose="020B0609020204030204" pitchFamily="49" charset="0"/>
-              </a:rPr>
-              <a:t>mudarTexto</a:t>
-            </a:r>
-            <a:r>
-              <a:rPr lang="pt-BR" b="0" dirty="0">
-                <a:solidFill>
-                  <a:srgbClr val="CE9178"/>
-                </a:solidFill>
-                <a:effectLst/>
-                <a:latin typeface="Consolas" panose="020B0609020204030204" pitchFamily="49" charset="0"/>
-              </a:rPr>
-              <a:t>()"</a:t>
-            </a:r>
-            <a:r>
-              <a:rPr lang="pt-BR" b="0" dirty="0">
-                <a:solidFill>
-                  <a:srgbClr val="808080"/>
-                </a:solidFill>
-                <a:effectLst/>
-                <a:latin typeface="Consolas" panose="020B0609020204030204" pitchFamily="49" charset="0"/>
-              </a:rPr>
-              <a:t>&gt;</a:t>
-            </a:r>
-            <a:r>
-              <a:rPr lang="pt-BR" b="0" dirty="0">
-                <a:solidFill>
-                  <a:srgbClr val="CCCCCC"/>
-                </a:solidFill>
-                <a:effectLst/>
-                <a:latin typeface="Consolas" panose="020B0609020204030204" pitchFamily="49" charset="0"/>
-              </a:rPr>
-              <a:t>Clique aqui</a:t>
-            </a:r>
-            <a:r>
-              <a:rPr lang="pt-BR" b="0" dirty="0">
-                <a:solidFill>
-                  <a:srgbClr val="808080"/>
-                </a:solidFill>
-                <a:effectLst/>
-                <a:latin typeface="Consolas" panose="020B0609020204030204" pitchFamily="49" charset="0"/>
-              </a:rPr>
-              <a:t>&lt;/</a:t>
-            </a:r>
-            <a:r>
-              <a:rPr lang="pt-BR" b="0" dirty="0" err="1">
-                <a:solidFill>
-                  <a:srgbClr val="569CD6"/>
-                </a:solidFill>
-                <a:effectLst/>
-                <a:latin typeface="Consolas" panose="020B0609020204030204" pitchFamily="49" charset="0"/>
-              </a:rPr>
-              <a:t>button</a:t>
-            </a:r>
-            <a:r>
-              <a:rPr lang="pt-BR" b="0" dirty="0">
-                <a:solidFill>
-                  <a:srgbClr val="808080"/>
-                </a:solidFill>
-                <a:effectLst/>
-                <a:latin typeface="Consolas" panose="020B0609020204030204" pitchFamily="49" charset="0"/>
-              </a:rPr>
-              <a:t>&gt;</a:t>
+              <a:t>blue</a:t>
+            </a:r>
+            <a:r>
+              <a:rPr lang="pt-BR" b="0" dirty="0">
+                <a:solidFill>
+                  <a:srgbClr val="D4D4D4"/>
+                </a:solidFill>
+                <a:effectLst/>
+                <a:latin typeface="Consolas" panose="020B0609020204030204" pitchFamily="49" charset="0"/>
+              </a:rPr>
+              <a:t>;</a:t>
             </a:r>
             <a:endParaRPr lang="pt-BR" b="0" dirty="0">
               <a:solidFill>
@@ -10379,44 +10437,55 @@
             </a:endParaRPr>
           </a:p>
           <a:p>
-            <a:br>
-              <a:rPr lang="pt-BR" b="0" dirty="0">
-                <a:solidFill>
-                  <a:srgbClr val="CCCCCC"/>
-                </a:solidFill>
-                <a:effectLst/>
-                <a:latin typeface="Consolas" panose="020B0609020204030204" pitchFamily="49" charset="0"/>
-              </a:rPr>
-            </a:br>
-            <a:r>
-              <a:rPr lang="pt-BR" b="0" dirty="0">
-                <a:solidFill>
-                  <a:srgbClr val="808080"/>
-                </a:solidFill>
-                <a:effectLst/>
-                <a:latin typeface="Consolas" panose="020B0609020204030204" pitchFamily="49" charset="0"/>
-              </a:rPr>
-              <a:t>&lt;</a:t>
-            </a:r>
-            <a:r>
-              <a:rPr lang="pt-BR" b="0" dirty="0">
-                <a:solidFill>
-                  <a:srgbClr val="569CD6"/>
-                </a:solidFill>
-                <a:effectLst/>
-                <a:latin typeface="Consolas" panose="020B0609020204030204" pitchFamily="49" charset="0"/>
-              </a:rPr>
-              <a:t>script</a:t>
-            </a:r>
-            <a:r>
-              <a:rPr lang="pt-BR" b="0" dirty="0">
-                <a:solidFill>
-                  <a:srgbClr val="808080"/>
-                </a:solidFill>
-                <a:effectLst/>
-                <a:latin typeface="Consolas" panose="020B0609020204030204" pitchFamily="49" charset="0"/>
-              </a:rPr>
-              <a:t>&gt;</a:t>
+            <a:r>
+              <a:rPr lang="pt-BR" b="0" dirty="0">
+                <a:solidFill>
+                  <a:srgbClr val="D4D4D4"/>
+                </a:solidFill>
+                <a:effectLst/>
+                <a:latin typeface="Consolas" panose="020B0609020204030204" pitchFamily="49" charset="0"/>
+              </a:rPr>
+              <a:t>        </a:t>
+            </a:r>
+            <a:r>
+              <a:rPr lang="pt-BR" b="0" dirty="0" err="1">
+                <a:solidFill>
+                  <a:srgbClr val="9CDCFE"/>
+                </a:solidFill>
+                <a:effectLst/>
+                <a:latin typeface="Consolas" panose="020B0609020204030204" pitchFamily="49" charset="0"/>
+              </a:rPr>
+              <a:t>font-size</a:t>
+            </a:r>
+            <a:r>
+              <a:rPr lang="pt-BR" b="0" dirty="0">
+                <a:solidFill>
+                  <a:srgbClr val="D4D4D4"/>
+                </a:solidFill>
+                <a:effectLst/>
+                <a:latin typeface="Consolas" panose="020B0609020204030204" pitchFamily="49" charset="0"/>
+              </a:rPr>
+              <a:t>: </a:t>
+            </a:r>
+            <a:r>
+              <a:rPr lang="pt-BR" b="0" dirty="0">
+                <a:solidFill>
+                  <a:srgbClr val="B5CEA8"/>
+                </a:solidFill>
+                <a:effectLst/>
+                <a:latin typeface="Consolas" panose="020B0609020204030204" pitchFamily="49" charset="0"/>
+              </a:rPr>
+              <a:t>20px</a:t>
+            </a:r>
+            <a:r>
+              <a:rPr lang="pt-BR" b="0" dirty="0">
+                <a:solidFill>
+                  <a:srgbClr val="D4D4D4"/>
+                </a:solidFill>
+                <a:effectLst/>
+                <a:latin typeface="Consolas" panose="020B0609020204030204" pitchFamily="49" charset="0"/>
+              </a:rPr>
+              <a:t>;</a:t>
             </a:r>
             <a:endParaRPr lang="pt-BR" b="0" dirty="0">
               <a:solidFill>
@@ -10435,47 +10504,7 @@
                 <a:effectLst/>
                 <a:latin typeface="Consolas" panose="020B0609020204030204" pitchFamily="49" charset="0"/>
               </a:rPr>
-              <a:t>    </a:t>
-            </a:r>
-            <a:r>
-              <a:rPr lang="pt-BR" b="0" dirty="0" err="1">
-                <a:solidFill>
-                  <a:srgbClr val="569CD6"/>
-                </a:solidFill>
-                <a:effectLst/>
-                <a:latin typeface="Consolas" panose="020B0609020204030204" pitchFamily="49" charset="0"/>
-              </a:rPr>
-              <a:t>function</a:t>
-            </a:r>
-            <a:r>
-              <a:rPr lang="pt-BR" b="0" dirty="0">
-                <a:solidFill>
-                  <a:srgbClr val="D4D4D4"/>
-                </a:solidFill>
-                <a:effectLst/>
-                <a:latin typeface="Consolas" panose="020B0609020204030204" pitchFamily="49" charset="0"/>
-              </a:rPr>
-              <a:t> </a:t>
-            </a:r>
-            <a:r>
-              <a:rPr lang="pt-BR" b="0" dirty="0" err="1">
-                <a:solidFill>
-                  <a:srgbClr val="DCDCAA"/>
-                </a:solidFill>
-                <a:effectLst/>
-                <a:latin typeface="Consolas" panose="020B0609020204030204" pitchFamily="49" charset="0"/>
-              </a:rPr>
-              <a:t>mudarTexto</a:t>
-            </a:r>
-            <a:r>
-              <a:rPr lang="pt-BR" b="0" dirty="0">
-                <a:solidFill>
-                  <a:srgbClr val="D4D4D4"/>
-                </a:solidFill>
-                <a:effectLst/>
-                <a:latin typeface="Consolas" panose="020B0609020204030204" pitchFamily="49" charset="0"/>
-              </a:rPr>
-              <a:t>() {</a:t>
+              <a:t>    }</a:t>
             </a:r>
             <a:endParaRPr lang="pt-BR" b="0" dirty="0">
               <a:solidFill>
@@ -10489,132 +10518,32 @@
             <a:r>
               <a:rPr lang="pt-BR" b="0" dirty="0">
                 <a:solidFill>
-                  <a:srgbClr val="D4D4D4"/>
-                </a:solidFill>
-                <a:effectLst/>
-                <a:latin typeface="Consolas" panose="020B0609020204030204" pitchFamily="49" charset="0"/>
-              </a:rPr>
-              <a:t>        </a:t>
+                  <a:srgbClr val="808080"/>
+                </a:solidFill>
+                <a:effectLst/>
+                <a:latin typeface="Consolas" panose="020B0609020204030204" pitchFamily="49" charset="0"/>
+              </a:rPr>
+              <a:t>&lt;/</a:t>
             </a:r>
             <a:r>
               <a:rPr lang="pt-BR" b="0" dirty="0" err="1">
                 <a:solidFill>
-                  <a:srgbClr val="9CDCFE"/>
-                </a:solidFill>
-                <a:effectLst/>
-                <a:latin typeface="Consolas" panose="020B0609020204030204" pitchFamily="49" charset="0"/>
-              </a:rPr>
-              <a:t>document</a:t>
-            </a:r>
-            <a:r>
-              <a:rPr lang="pt-BR" b="0" dirty="0" err="1">
-                <a:solidFill>
-                  <a:srgbClr val="D4D4D4"/>
-                </a:solidFill>
-                <a:effectLst/>
-                <a:latin typeface="Consolas" panose="020B0609020204030204" pitchFamily="49" charset="0"/>
-              </a:rPr>
-              <a:t>.</a:t>
-            </a:r>
-            <a:r>
-              <a:rPr lang="pt-BR" b="0" dirty="0" err="1">
-                <a:solidFill>
-                  <a:srgbClr val="DCDCAA"/>
-                </a:solidFill>
-                <a:effectLst/>
-                <a:latin typeface="Consolas" panose="020B0609020204030204" pitchFamily="49" charset="0"/>
-              </a:rPr>
-              <a:t>getElementById</a:t>
-            </a:r>
-            <a:r>
-              <a:rPr lang="pt-BR" b="0" dirty="0">
-                <a:solidFill>
-                  <a:srgbClr val="D4D4D4"/>
-                </a:solidFill>
-                <a:effectLst/>
-                <a:latin typeface="Consolas" panose="020B0609020204030204" pitchFamily="49" charset="0"/>
-              </a:rPr>
-              <a:t>(</a:t>
-            </a:r>
-            <a:r>
-              <a:rPr lang="pt-BR" b="0" dirty="0">
-                <a:solidFill>
-                  <a:srgbClr val="CE9178"/>
-                </a:solidFill>
-                <a:effectLst/>
-                <a:latin typeface="Consolas" panose="020B0609020204030204" pitchFamily="49" charset="0"/>
-              </a:rPr>
-              <a:t>"</a:t>
-            </a:r>
-            <a:r>
-              <a:rPr lang="pt-BR" b="0" dirty="0" err="1">
-                <a:solidFill>
-                  <a:srgbClr val="CE9178"/>
-                </a:solidFill>
-                <a:effectLst/>
-                <a:latin typeface="Consolas" panose="020B0609020204030204" pitchFamily="49" charset="0"/>
-              </a:rPr>
-              <a:t>meuParagrafo</a:t>
-            </a:r>
-            <a:r>
-              <a:rPr lang="pt-BR" b="0" dirty="0">
-                <a:solidFill>
-                  <a:srgbClr val="CE9178"/>
-                </a:solidFill>
-                <a:effectLst/>
-                <a:latin typeface="Consolas" panose="020B0609020204030204" pitchFamily="49" charset="0"/>
-              </a:rPr>
-              <a:t>"</a:t>
-            </a:r>
-            <a:r>
-              <a:rPr lang="pt-BR" b="0" dirty="0">
-                <a:solidFill>
-                  <a:srgbClr val="D4D4D4"/>
-                </a:solidFill>
-                <a:effectLst/>
-                <a:latin typeface="Consolas" panose="020B0609020204030204" pitchFamily="49" charset="0"/>
-              </a:rPr>
-              <a:t>).</a:t>
-            </a:r>
-            <a:r>
-              <a:rPr lang="pt-BR" b="0" dirty="0" err="1">
-                <a:solidFill>
-                  <a:srgbClr val="9CDCFE"/>
-                </a:solidFill>
-                <a:effectLst/>
-                <a:latin typeface="Consolas" panose="020B0609020204030204" pitchFamily="49" charset="0"/>
-              </a:rPr>
-              <a:t>innerText</a:t>
-            </a:r>
-            <a:r>
-              <a:rPr lang="pt-BR" b="0" dirty="0">
-                <a:solidFill>
-                  <a:srgbClr val="D4D4D4"/>
-                </a:solidFill>
-                <a:effectLst/>
-                <a:latin typeface="Consolas" panose="020B0609020204030204" pitchFamily="49" charset="0"/>
-              </a:rPr>
-              <a:t> = </a:t>
-            </a:r>
-            <a:r>
-              <a:rPr lang="pt-BR" b="0" dirty="0">
-                <a:solidFill>
-                  <a:srgbClr val="CE9178"/>
-                </a:solidFill>
-                <a:effectLst/>
-                <a:latin typeface="Consolas" panose="020B0609020204030204" pitchFamily="49" charset="0"/>
-              </a:rPr>
-              <a:t>"O texto foi mudado!"</a:t>
-            </a:r>
-            <a:r>
-              <a:rPr lang="pt-BR" b="0" dirty="0">
-                <a:solidFill>
-                  <a:srgbClr val="D4D4D4"/>
-                </a:solidFill>
-                <a:effectLst/>
-                <a:latin typeface="Consolas" panose="020B0609020204030204" pitchFamily="49" charset="0"/>
-              </a:rPr>
-              <a:t>;</a:t>
+                  <a:srgbClr val="569CD6"/>
+                </a:solidFill>
+                <a:effectLst/>
+                <a:latin typeface="Consolas" panose="020B0609020204030204" pitchFamily="49" charset="0"/>
+              </a:rPr>
+              <a:t>style</a:t>
+            </a:r>
+            <a:r>
+              <a:rPr lang="pt-BR" b="0" dirty="0">
+                <a:solidFill>
+                  <a:srgbClr val="808080"/>
+                </a:solidFill>
+                <a:effectLst/>
+                <a:latin typeface="Consolas" panose="020B0609020204030204" pitchFamily="49" charset="0"/>
+              </a:rPr>
+              <a:t>&gt;</a:t>
             </a:r>
             <a:endParaRPr lang="pt-BR" b="0" dirty="0">
               <a:solidFill>
@@ -10628,12 +10557,132 @@
             <a:r>
               <a:rPr lang="pt-BR" b="0" dirty="0">
                 <a:solidFill>
-                  <a:srgbClr val="D4D4D4"/>
-                </a:solidFill>
-                <a:effectLst/>
-                <a:latin typeface="Consolas" panose="020B0609020204030204" pitchFamily="49" charset="0"/>
-              </a:rPr>
-              <a:t>    }</a:t>
+                  <a:srgbClr val="808080"/>
+                </a:solidFill>
+                <a:effectLst/>
+                <a:latin typeface="Consolas" panose="020B0609020204030204" pitchFamily="49" charset="0"/>
+              </a:rPr>
+              <a:t>&lt;</a:t>
+            </a:r>
+            <a:r>
+              <a:rPr lang="pt-BR" b="0" dirty="0">
+                <a:solidFill>
+                  <a:srgbClr val="569CD6"/>
+                </a:solidFill>
+                <a:effectLst/>
+                <a:latin typeface="Consolas" panose="020B0609020204030204" pitchFamily="49" charset="0"/>
+              </a:rPr>
+              <a:t>p</a:t>
+            </a:r>
+            <a:r>
+              <a:rPr lang="pt-BR" b="0" dirty="0">
+                <a:solidFill>
+                  <a:srgbClr val="CCCCCC"/>
+                </a:solidFill>
+                <a:effectLst/>
+                <a:latin typeface="Consolas" panose="020B0609020204030204" pitchFamily="49" charset="0"/>
+              </a:rPr>
+              <a:t> </a:t>
+            </a:r>
+            <a:r>
+              <a:rPr lang="pt-BR" b="0" dirty="0">
+                <a:solidFill>
+                  <a:srgbClr val="9CDCFE"/>
+                </a:solidFill>
+                <a:effectLst/>
+                <a:latin typeface="Consolas" panose="020B0609020204030204" pitchFamily="49" charset="0"/>
+              </a:rPr>
+              <a:t>id</a:t>
+            </a:r>
+            <a:r>
+              <a:rPr lang="pt-BR" b="0" dirty="0">
+                <a:solidFill>
+                  <a:srgbClr val="CCCCCC"/>
+                </a:solidFill>
+                <a:effectLst/>
+                <a:latin typeface="Consolas" panose="020B0609020204030204" pitchFamily="49" charset="0"/>
+              </a:rPr>
+              <a:t>=</a:t>
+            </a:r>
+            <a:r>
+              <a:rPr lang="pt-BR" b="0" dirty="0">
+                <a:solidFill>
+                  <a:srgbClr val="CE9178"/>
+                </a:solidFill>
+                <a:effectLst/>
+                <a:latin typeface="Consolas" panose="020B0609020204030204" pitchFamily="49" charset="0"/>
+              </a:rPr>
+              <a:t>"</a:t>
+            </a:r>
+            <a:r>
+              <a:rPr lang="pt-BR" b="0" dirty="0" err="1">
+                <a:solidFill>
+                  <a:srgbClr val="CE9178"/>
+                </a:solidFill>
+                <a:effectLst/>
+                <a:latin typeface="Consolas" panose="020B0609020204030204" pitchFamily="49" charset="0"/>
+              </a:rPr>
+              <a:t>meuElemento</a:t>
+            </a:r>
+            <a:r>
+              <a:rPr lang="pt-BR" b="0" dirty="0">
+                <a:solidFill>
+                  <a:srgbClr val="CE9178"/>
+                </a:solidFill>
+                <a:effectLst/>
+                <a:latin typeface="Consolas" panose="020B0609020204030204" pitchFamily="49" charset="0"/>
+              </a:rPr>
+              <a:t>"</a:t>
+            </a:r>
+            <a:r>
+              <a:rPr lang="pt-BR" b="0" dirty="0">
+                <a:solidFill>
+                  <a:srgbClr val="808080"/>
+                </a:solidFill>
+                <a:effectLst/>
+                <a:latin typeface="Consolas" panose="020B0609020204030204" pitchFamily="49" charset="0"/>
+              </a:rPr>
+              <a:t>&gt;</a:t>
+            </a:r>
+            <a:r>
+              <a:rPr lang="pt-BR" b="0" dirty="0">
+                <a:solidFill>
+                  <a:srgbClr val="CCCCCC"/>
+                </a:solidFill>
+                <a:effectLst/>
+                <a:latin typeface="Consolas" panose="020B0609020204030204" pitchFamily="49" charset="0"/>
+              </a:rPr>
+              <a:t>Este é um parágrafo estilizado com um id.</a:t>
+            </a:r>
+            <a:r>
+              <a:rPr lang="pt-BR" b="0" dirty="0">
+                <a:solidFill>
+                  <a:srgbClr val="808080"/>
+                </a:solidFill>
+                <a:effectLst/>
+                <a:latin typeface="Consolas" panose="020B0609020204030204" pitchFamily="49" charset="0"/>
+              </a:rPr>
+              <a:t>&lt;/</a:t>
+            </a:r>
+            <a:r>
+              <a:rPr lang="pt-BR" b="0" dirty="0">
+                <a:solidFill>
+                  <a:srgbClr val="569CD6"/>
+                </a:solidFill>
+                <a:effectLst/>
+                <a:latin typeface="Consolas" panose="020B0609020204030204" pitchFamily="49" charset="0"/>
+              </a:rPr>
+              <a:t>p</a:t>
+            </a:r>
+            <a:r>
+              <a:rPr lang="pt-BR" b="0" dirty="0">
+                <a:solidFill>
+                  <a:srgbClr val="808080"/>
+                </a:solidFill>
+                <a:effectLst/>
+                <a:latin typeface="Consolas" panose="020B0609020204030204" pitchFamily="49" charset="0"/>
+              </a:rPr>
+              <a:t>&gt;</a:t>
             </a:r>
             <a:endParaRPr lang="pt-BR" b="0" dirty="0">
               <a:solidFill>
@@ -10643,51 +10692,51 @@
               <a:latin typeface="Consolas" panose="020B0609020204030204" pitchFamily="49" charset="0"/>
             </a:endParaRPr>
           </a:p>
-          <a:p>
-            <a:r>
-              <a:rPr lang="pt-BR" b="0" dirty="0">
-                <a:solidFill>
-                  <a:srgbClr val="808080"/>
-                </a:solidFill>
-                <a:effectLst/>
-                <a:latin typeface="Consolas" panose="020B0609020204030204" pitchFamily="49" charset="0"/>
-              </a:rPr>
-              <a:t>&lt;/</a:t>
-            </a:r>
-            <a:r>
-              <a:rPr lang="pt-BR" b="0" dirty="0">
-                <a:solidFill>
-                  <a:srgbClr val="569CD6"/>
-                </a:solidFill>
-                <a:effectLst/>
-                <a:latin typeface="Consolas" panose="020B0609020204030204" pitchFamily="49" charset="0"/>
-              </a:rPr>
-              <a:t>script</a:t>
-            </a:r>
-            <a:r>
-              <a:rPr lang="pt-BR" b="0" dirty="0">
-                <a:solidFill>
-                  <a:srgbClr val="808080"/>
-                </a:solidFill>
-                <a:effectLst/>
-                <a:latin typeface="Consolas" panose="020B0609020204030204" pitchFamily="49" charset="0"/>
-              </a:rPr>
-              <a:t>&gt;</a:t>
-            </a:r>
-            <a:endParaRPr lang="pt-BR" b="0" dirty="0">
-              <a:solidFill>
-                <a:srgbClr val="CCCCCC"/>
-              </a:solidFill>
-              <a:effectLst/>
-              <a:latin typeface="Consolas" panose="020B0609020204030204" pitchFamily="49" charset="0"/>
-            </a:endParaRPr>
+        </p:txBody>
+      </p:sp>
+      <p:sp>
+        <p:nvSpPr>
+          <p:cNvPr id="6" name="Título 5">
+            <a:extLst>
+              <a:ext uri="{FF2B5EF4-FFF2-40B4-BE49-F238E27FC236}">
+                <a16:creationId xmlns:a16="http://schemas.microsoft.com/office/drawing/2014/main" id="{7A357443-66C5-8281-99BC-3DA2C4B6F170}"/>
+              </a:ext>
+            </a:extLst>
+          </p:cNvPr>
+          <p:cNvSpPr>
+            <a:spLocks noGrp="1"/>
+          </p:cNvSpPr>
+          <p:nvPr>
+            <p:ph type="title"/>
+          </p:nvPr>
+        </p:nvSpPr>
+        <p:spPr/>
+        <p:txBody>
+          <a:bodyPr/>
+          <a:lstStyle/>
+          <a:p>
+            <a:r>
+              <a:rPr lang="pt-BR" sz="2000" dirty="0"/>
+              <a:t>Estilização com CSS:</a:t>
+            </a:r>
+            <a:br>
+              <a:rPr lang="pt-BR" sz="2000" dirty="0"/>
+            </a:br>
+            <a:r>
+              <a:rPr lang="pt-BR" sz="2000" dirty="0"/>
+              <a:t>O id pode ser usado para aplicar estilos específicos a um elemento.</a:t>
+            </a:r>
+            <a:br>
+              <a:rPr lang="pt-BR" sz="2000" dirty="0"/>
+            </a:br>
+            <a:endParaRPr lang="pt-BR" sz="2000" dirty="0"/>
           </a:p>
         </p:txBody>
       </p:sp>
     </p:spTree>
     <p:extLst>
       <p:ext uri="{BB962C8B-B14F-4D97-AF65-F5344CB8AC3E}">
-        <p14:creationId xmlns:p14="http://schemas.microsoft.com/office/powerpoint/2010/main" val="4227484640"/>
+        <p14:creationId xmlns:p14="http://schemas.microsoft.com/office/powerpoint/2010/main" val="1366786720"/>
       </p:ext>
     </p:extLst>
   </p:cSld>
@@ -10719,7 +10768,7 @@
           <p:cNvPr id="2" name="Título 1">
             <a:extLst>
               <a:ext uri="{FF2B5EF4-FFF2-40B4-BE49-F238E27FC236}">
-                <a16:creationId xmlns:a16="http://schemas.microsoft.com/office/drawing/2014/main" id="{C0F866DF-6456-882F-CCCA-C6650919B749}"/>
+                <a16:creationId xmlns:a16="http://schemas.microsoft.com/office/drawing/2014/main" id="{62D7670D-3CD3-8942-8B07-CE70827B0553}"/>
               </a:ext>
             </a:extLst>
           </p:cNvPr>
@@ -10730,36 +10779,109 @@
             <p:ph type="title"/>
           </p:nvPr>
         </p:nvSpPr>
-        <p:spPr>
-          <a:xfrm>
-            <a:off x="810000" y="447188"/>
-            <a:ext cx="11178800" cy="970450"/>
-          </a:xfrm>
-        </p:spPr>
+        <p:spPr/>
         <p:txBody>
           <a:bodyPr/>
           <a:lstStyle/>
           <a:p>
             <a:r>
+              <a:rPr lang="pt-BR" dirty="0"/>
+              <a:t>Script - JS</a:t>
+            </a:r>
+          </a:p>
+        </p:txBody>
+      </p:sp>
+      <p:sp>
+        <p:nvSpPr>
+          <p:cNvPr id="3" name="Espaço Reservado para Conteúdo 2">
+            <a:extLst>
+              <a:ext uri="{FF2B5EF4-FFF2-40B4-BE49-F238E27FC236}">
+                <a16:creationId xmlns:a16="http://schemas.microsoft.com/office/drawing/2014/main" id="{60C5A0F9-6BF3-2FA3-7088-A3679A135EC9}"/>
+              </a:ext>
+            </a:extLst>
+          </p:cNvPr>
+          <p:cNvSpPr>
+            <a:spLocks noGrp="1"/>
+          </p:cNvSpPr>
+          <p:nvPr>
+            <p:ph idx="1"/>
+          </p:nvPr>
+        </p:nvSpPr>
+        <p:spPr/>
+        <p:txBody>
+          <a:bodyPr>
+            <a:normAutofit/>
+          </a:bodyPr>
+          <a:lstStyle/>
+          <a:p>
+            <a:r>
               <a:rPr lang="pt-BR" sz="2400" dirty="0"/>
-              <a:t>Navegação Interna:</a:t>
-            </a:r>
-            <a:br>
-              <a:rPr lang="pt-BR" sz="1800" dirty="0"/>
-            </a:br>
-            <a:r>
-              <a:rPr lang="pt-BR" sz="1800" dirty="0"/>
-              <a:t>O id pode ser usado para criar âncoras que permitem a navegação dentro da mesma página.</a:t>
+              <a:t>A </a:t>
+            </a:r>
+            <a:r>
+              <a:rPr lang="pt-BR" sz="2400" dirty="0" err="1"/>
+              <a:t>tag</a:t>
+            </a:r>
+            <a:r>
+              <a:rPr lang="pt-BR" sz="2400" dirty="0"/>
+              <a:t> &lt;script&gt; é utilizada em documentos HTML para incluir e executar scripts, geralmente escritos em JavaScript. Esses scripts podem ser utilizados para adicionar interatividade, validação de formulários, manipulação de elementos HTML, entre outras funcionalidades dinâmicas em páginas web.</a:t>
             </a:r>
           </a:p>
         </p:txBody>
       </p:sp>
+      <p:pic>
+        <p:nvPicPr>
+          <p:cNvPr id="3074" name="Picture 2" descr="JavaScript Logo, symbol, meaning, history, PNG, brand">
+            <a:extLst>
+              <a:ext uri="{FF2B5EF4-FFF2-40B4-BE49-F238E27FC236}">
+                <a16:creationId xmlns:a16="http://schemas.microsoft.com/office/drawing/2014/main" id="{00BB36D9-284B-9F8B-5A37-30E64C79E8E7}"/>
+              </a:ext>
+            </a:extLst>
+          </p:cNvPr>
+          <p:cNvPicPr>
+            <a:picLocks noChangeAspect="1" noChangeArrowheads="1"/>
+          </p:cNvPicPr>
+          <p:nvPr/>
+        </p:nvPicPr>
+        <p:blipFill>
+          <a:blip r:embed="rId2">
+            <a:extLst>
+              <a:ext uri="{28A0092B-C50C-407E-A947-70E740481C1C}">
+                <a14:useLocalDpi xmlns:a14="http://schemas.microsoft.com/office/drawing/2010/main" val="0"/>
+              </a:ext>
+            </a:extLst>
+          </a:blip>
+          <a:srcRect/>
+          <a:stretch>
+            <a:fillRect/>
+          </a:stretch>
+        </p:blipFill>
+        <p:spPr bwMode="auto">
+          <a:xfrm>
+            <a:off x="9734308" y="5001490"/>
+            <a:ext cx="3048206" cy="1714616"/>
+          </a:xfrm>
+          <a:prstGeom prst="rect">
+            <a:avLst/>
+          </a:prstGeom>
+          <a:noFill/>
+          <a:extLst>
+            <a:ext uri="{909E8E84-426E-40DD-AFC4-6F175D3DCCD1}">
+              <a14:hiddenFill xmlns:a14="http://schemas.microsoft.com/office/drawing/2010/main">
+                <a:solidFill>
+                  <a:srgbClr val="FFFFFF"/>
+                </a:solidFill>
+              </a14:hiddenFill>
+            </a:ext>
+          </a:extLst>
+        </p:spPr>
+      </p:pic>
       <p:sp>
         <p:nvSpPr>
           <p:cNvPr id="5" name="CaixaDeTexto 4">
             <a:extLst>
               <a:ext uri="{FF2B5EF4-FFF2-40B4-BE49-F238E27FC236}">
-                <a16:creationId xmlns:a16="http://schemas.microsoft.com/office/drawing/2014/main" id="{31F930BF-56B6-A48D-FDC4-ED352996178F}"/>
+                <a16:creationId xmlns:a16="http://schemas.microsoft.com/office/drawing/2014/main" id="{6A1AE0D5-8619-6162-031E-6C8A65D6E81D}"/>
               </a:ext>
             </a:extLst>
           </p:cNvPr>
@@ -10768,8 +10890,8 @@
         </p:nvSpPr>
         <p:spPr>
           <a:xfrm>
-            <a:off x="810000" y="2602005"/>
-            <a:ext cx="6101644" cy="2585323"/>
+            <a:off x="0" y="6211669"/>
+            <a:ext cx="10012101" cy="646331"/>
           </a:xfrm>
           <a:prstGeom prst="rect">
             <a:avLst/>
@@ -10783,761 +10905,36 @@
           <a:lstStyle/>
           <a:p>
             <a:r>
-              <a:rPr lang="pt-BR" b="0" dirty="0">
-                <a:solidFill>
-                  <a:srgbClr val="6A9955"/>
-                </a:solidFill>
-                <a:effectLst/>
-                <a:latin typeface="Consolas" panose="020B0609020204030204" pitchFamily="49" charset="0"/>
-              </a:rPr>
-              <a:t>&lt;!--Navegação --&gt;</a:t>
-            </a:r>
-            <a:endParaRPr lang="pt-BR" b="0" dirty="0">
-              <a:solidFill>
-                <a:srgbClr val="CCCCCC"/>
-              </a:solidFill>
-              <a:effectLst/>
-              <a:latin typeface="Consolas" panose="020B0609020204030204" pitchFamily="49" charset="0"/>
-            </a:endParaRPr>
-          </a:p>
-          <a:p>
-            <a:r>
-              <a:rPr lang="pt-BR" b="0" dirty="0">
-                <a:solidFill>
-                  <a:srgbClr val="808080"/>
-                </a:solidFill>
-                <a:effectLst/>
-                <a:latin typeface="Consolas" panose="020B0609020204030204" pitchFamily="49" charset="0"/>
-              </a:rPr>
-              <a:t>&lt;</a:t>
-            </a:r>
-            <a:r>
-              <a:rPr lang="pt-BR" b="0" dirty="0">
-                <a:solidFill>
-                  <a:srgbClr val="569CD6"/>
-                </a:solidFill>
-                <a:effectLst/>
-                <a:latin typeface="Consolas" panose="020B0609020204030204" pitchFamily="49" charset="0"/>
-              </a:rPr>
-              <a:t>p</a:t>
-            </a:r>
-            <a:r>
-              <a:rPr lang="pt-BR" b="0" dirty="0">
-                <a:solidFill>
-                  <a:srgbClr val="808080"/>
-                </a:solidFill>
-                <a:effectLst/>
-                <a:latin typeface="Consolas" panose="020B0609020204030204" pitchFamily="49" charset="0"/>
-              </a:rPr>
-              <a:t>&gt;&lt;</a:t>
-            </a:r>
-            <a:r>
-              <a:rPr lang="pt-BR" b="0" dirty="0">
-                <a:solidFill>
-                  <a:srgbClr val="569CD6"/>
-                </a:solidFill>
-                <a:effectLst/>
-                <a:latin typeface="Consolas" panose="020B0609020204030204" pitchFamily="49" charset="0"/>
-              </a:rPr>
-              <a:t>a</a:t>
-            </a:r>
-            <a:r>
-              <a:rPr lang="pt-BR" b="0" dirty="0">
-                <a:solidFill>
-                  <a:srgbClr val="CCCCCC"/>
-                </a:solidFill>
-                <a:effectLst/>
-                <a:latin typeface="Consolas" panose="020B0609020204030204" pitchFamily="49" charset="0"/>
-              </a:rPr>
-              <a:t> </a:t>
-            </a:r>
-            <a:r>
-              <a:rPr lang="pt-BR" b="0" dirty="0" err="1">
-                <a:solidFill>
-                  <a:srgbClr val="9CDCFE"/>
-                </a:solidFill>
-                <a:effectLst/>
-                <a:latin typeface="Consolas" panose="020B0609020204030204" pitchFamily="49" charset="0"/>
-              </a:rPr>
-              <a:t>href</a:t>
-            </a:r>
-            <a:r>
-              <a:rPr lang="pt-BR" b="0" dirty="0">
-                <a:solidFill>
-                  <a:srgbClr val="CCCCCC"/>
-                </a:solidFill>
-                <a:effectLst/>
-                <a:latin typeface="Consolas" panose="020B0609020204030204" pitchFamily="49" charset="0"/>
-              </a:rPr>
-              <a:t>=</a:t>
-            </a:r>
-            <a:r>
-              <a:rPr lang="pt-BR" b="0" dirty="0">
-                <a:solidFill>
-                  <a:srgbClr val="CE9178"/>
-                </a:solidFill>
-                <a:effectLst/>
-                <a:latin typeface="Consolas" panose="020B0609020204030204" pitchFamily="49" charset="0"/>
-              </a:rPr>
-              <a:t>"#seção1"</a:t>
-            </a:r>
-            <a:r>
-              <a:rPr lang="pt-BR" b="0" dirty="0">
-                <a:solidFill>
-                  <a:srgbClr val="808080"/>
-                </a:solidFill>
-                <a:effectLst/>
-                <a:latin typeface="Consolas" panose="020B0609020204030204" pitchFamily="49" charset="0"/>
-              </a:rPr>
-              <a:t>&gt;</a:t>
-            </a:r>
-            <a:r>
-              <a:rPr lang="pt-BR" b="0" dirty="0">
-                <a:solidFill>
-                  <a:srgbClr val="CCCCCC"/>
-                </a:solidFill>
-                <a:effectLst/>
-                <a:latin typeface="Consolas" panose="020B0609020204030204" pitchFamily="49" charset="0"/>
-              </a:rPr>
-              <a:t>Ir para a Seção 1</a:t>
-            </a:r>
-            <a:r>
-              <a:rPr lang="pt-BR" b="0" dirty="0">
-                <a:solidFill>
-                  <a:srgbClr val="808080"/>
-                </a:solidFill>
-                <a:effectLst/>
-                <a:latin typeface="Consolas" panose="020B0609020204030204" pitchFamily="49" charset="0"/>
-              </a:rPr>
-              <a:t>&lt;/</a:t>
-            </a:r>
-            <a:r>
-              <a:rPr lang="pt-BR" b="0" dirty="0">
-                <a:solidFill>
-                  <a:srgbClr val="569CD6"/>
-                </a:solidFill>
-                <a:effectLst/>
-                <a:latin typeface="Consolas" panose="020B0609020204030204" pitchFamily="49" charset="0"/>
-              </a:rPr>
-              <a:t>a</a:t>
-            </a:r>
-            <a:r>
-              <a:rPr lang="pt-BR" b="0" dirty="0">
-                <a:solidFill>
-                  <a:srgbClr val="808080"/>
-                </a:solidFill>
-                <a:effectLst/>
-                <a:latin typeface="Consolas" panose="020B0609020204030204" pitchFamily="49" charset="0"/>
-              </a:rPr>
-              <a:t>&gt;&lt;/</a:t>
-            </a:r>
-            <a:r>
-              <a:rPr lang="pt-BR" b="0" dirty="0">
-                <a:solidFill>
-                  <a:srgbClr val="569CD6"/>
-                </a:solidFill>
-                <a:effectLst/>
-                <a:latin typeface="Consolas" panose="020B0609020204030204" pitchFamily="49" charset="0"/>
-              </a:rPr>
-              <a:t>p</a:t>
-            </a:r>
-            <a:r>
-              <a:rPr lang="pt-BR" b="0" dirty="0">
-                <a:solidFill>
-                  <a:srgbClr val="808080"/>
-                </a:solidFill>
-                <a:effectLst/>
-                <a:latin typeface="Consolas" panose="020B0609020204030204" pitchFamily="49" charset="0"/>
-              </a:rPr>
-              <a:t>&gt;</a:t>
-            </a:r>
-            <a:endParaRPr lang="pt-BR" b="0" dirty="0">
-              <a:solidFill>
-                <a:srgbClr val="CCCCCC"/>
-              </a:solidFill>
-              <a:effectLst/>
-              <a:latin typeface="Consolas" panose="020B0609020204030204" pitchFamily="49" charset="0"/>
-            </a:endParaRPr>
-          </a:p>
-          <a:p>
-            <a:r>
-              <a:rPr lang="pt-BR" b="0" dirty="0">
-                <a:solidFill>
-                  <a:srgbClr val="808080"/>
-                </a:solidFill>
-                <a:effectLst/>
-                <a:latin typeface="Consolas" panose="020B0609020204030204" pitchFamily="49" charset="0"/>
-              </a:rPr>
-              <a:t>&lt;</a:t>
-            </a:r>
-            <a:r>
-              <a:rPr lang="pt-BR" b="0" dirty="0">
-                <a:solidFill>
-                  <a:srgbClr val="569CD6"/>
-                </a:solidFill>
-                <a:effectLst/>
-                <a:latin typeface="Consolas" panose="020B0609020204030204" pitchFamily="49" charset="0"/>
-              </a:rPr>
-              <a:t>p</a:t>
-            </a:r>
-            <a:r>
-              <a:rPr lang="pt-BR" b="0" dirty="0">
-                <a:solidFill>
-                  <a:srgbClr val="808080"/>
-                </a:solidFill>
-                <a:effectLst/>
-                <a:latin typeface="Consolas" panose="020B0609020204030204" pitchFamily="49" charset="0"/>
-              </a:rPr>
-              <a:t>&gt;&lt;</a:t>
-            </a:r>
-            <a:r>
-              <a:rPr lang="pt-BR" b="0" dirty="0">
-                <a:solidFill>
-                  <a:srgbClr val="569CD6"/>
-                </a:solidFill>
-                <a:effectLst/>
-                <a:latin typeface="Consolas" panose="020B0609020204030204" pitchFamily="49" charset="0"/>
-              </a:rPr>
-              <a:t>a</a:t>
-            </a:r>
-            <a:r>
-              <a:rPr lang="pt-BR" b="0" dirty="0">
-                <a:solidFill>
-                  <a:srgbClr val="CCCCCC"/>
-                </a:solidFill>
-                <a:effectLst/>
-                <a:latin typeface="Consolas" panose="020B0609020204030204" pitchFamily="49" charset="0"/>
-              </a:rPr>
-              <a:t> </a:t>
-            </a:r>
-            <a:r>
-              <a:rPr lang="pt-BR" b="0" dirty="0" err="1">
-                <a:solidFill>
-                  <a:srgbClr val="9CDCFE"/>
-                </a:solidFill>
-                <a:effectLst/>
-                <a:latin typeface="Consolas" panose="020B0609020204030204" pitchFamily="49" charset="0"/>
-              </a:rPr>
-              <a:t>href</a:t>
-            </a:r>
-            <a:r>
-              <a:rPr lang="pt-BR" b="0" dirty="0">
-                <a:solidFill>
-                  <a:srgbClr val="CCCCCC"/>
-                </a:solidFill>
-                <a:effectLst/>
-                <a:latin typeface="Consolas" panose="020B0609020204030204" pitchFamily="49" charset="0"/>
-              </a:rPr>
-              <a:t>=</a:t>
-            </a:r>
-            <a:r>
-              <a:rPr lang="pt-BR" b="0" dirty="0">
-                <a:solidFill>
-                  <a:srgbClr val="CE9178"/>
-                </a:solidFill>
-                <a:effectLst/>
-                <a:latin typeface="Consolas" panose="020B0609020204030204" pitchFamily="49" charset="0"/>
-              </a:rPr>
-              <a:t>"#seção2"</a:t>
-            </a:r>
-            <a:r>
-              <a:rPr lang="pt-BR" b="0" dirty="0">
-                <a:solidFill>
-                  <a:srgbClr val="808080"/>
-                </a:solidFill>
-                <a:effectLst/>
-                <a:latin typeface="Consolas" panose="020B0609020204030204" pitchFamily="49" charset="0"/>
-              </a:rPr>
-              <a:t>&gt;</a:t>
-            </a:r>
-            <a:r>
-              <a:rPr lang="pt-BR" b="0" dirty="0">
-                <a:solidFill>
-                  <a:srgbClr val="CCCCCC"/>
-                </a:solidFill>
-                <a:effectLst/>
-                <a:latin typeface="Consolas" panose="020B0609020204030204" pitchFamily="49" charset="0"/>
-              </a:rPr>
-              <a:t>Ir para a Seção 2</a:t>
-            </a:r>
-            <a:r>
-              <a:rPr lang="pt-BR" b="0" dirty="0">
-                <a:solidFill>
-                  <a:srgbClr val="808080"/>
-                </a:solidFill>
-                <a:effectLst/>
-                <a:latin typeface="Consolas" panose="020B0609020204030204" pitchFamily="49" charset="0"/>
-              </a:rPr>
-              <a:t>&lt;/</a:t>
-            </a:r>
-            <a:r>
-              <a:rPr lang="pt-BR" b="0" dirty="0">
-                <a:solidFill>
-                  <a:srgbClr val="569CD6"/>
-                </a:solidFill>
-                <a:effectLst/>
-                <a:latin typeface="Consolas" panose="020B0609020204030204" pitchFamily="49" charset="0"/>
-              </a:rPr>
-              <a:t>a</a:t>
-            </a:r>
-            <a:r>
-              <a:rPr lang="pt-BR" b="0" dirty="0">
-                <a:solidFill>
-                  <a:srgbClr val="808080"/>
-                </a:solidFill>
-                <a:effectLst/>
-                <a:latin typeface="Consolas" panose="020B0609020204030204" pitchFamily="49" charset="0"/>
-              </a:rPr>
-              <a:t>&gt;&lt;/</a:t>
-            </a:r>
-            <a:r>
-              <a:rPr lang="pt-BR" b="0" dirty="0">
-                <a:solidFill>
-                  <a:srgbClr val="569CD6"/>
-                </a:solidFill>
-                <a:effectLst/>
-                <a:latin typeface="Consolas" panose="020B0609020204030204" pitchFamily="49" charset="0"/>
-              </a:rPr>
-              <a:t>p</a:t>
-            </a:r>
-            <a:r>
-              <a:rPr lang="pt-BR" b="0" dirty="0">
-                <a:solidFill>
-                  <a:srgbClr val="808080"/>
-                </a:solidFill>
-                <a:effectLst/>
-                <a:latin typeface="Consolas" panose="020B0609020204030204" pitchFamily="49" charset="0"/>
-              </a:rPr>
-              <a:t>&gt;</a:t>
-            </a:r>
-            <a:endParaRPr lang="pt-BR" b="0" dirty="0">
-              <a:solidFill>
-                <a:srgbClr val="CCCCCC"/>
-              </a:solidFill>
-              <a:effectLst/>
-              <a:latin typeface="Consolas" panose="020B0609020204030204" pitchFamily="49" charset="0"/>
-            </a:endParaRPr>
-          </a:p>
-          <a:p>
-            <a:br>
-              <a:rPr lang="pt-BR" b="0" dirty="0">
-                <a:solidFill>
-                  <a:srgbClr val="CCCCCC"/>
-                </a:solidFill>
-                <a:effectLst/>
-                <a:latin typeface="Consolas" panose="020B0609020204030204" pitchFamily="49" charset="0"/>
-              </a:rPr>
-            </a:br>
-            <a:r>
-              <a:rPr lang="pt-BR" b="0" dirty="0">
-                <a:solidFill>
-                  <a:srgbClr val="808080"/>
-                </a:solidFill>
-                <a:effectLst/>
-                <a:latin typeface="Consolas" panose="020B0609020204030204" pitchFamily="49" charset="0"/>
-              </a:rPr>
-              <a:t>&lt;</a:t>
-            </a:r>
-            <a:r>
-              <a:rPr lang="pt-BR" b="0" dirty="0">
-                <a:solidFill>
-                  <a:srgbClr val="569CD6"/>
-                </a:solidFill>
-                <a:effectLst/>
-                <a:latin typeface="Consolas" panose="020B0609020204030204" pitchFamily="49" charset="0"/>
-              </a:rPr>
-              <a:t>h2</a:t>
-            </a:r>
-            <a:r>
-              <a:rPr lang="pt-BR" b="0" dirty="0">
-                <a:solidFill>
-                  <a:srgbClr val="CCCCCC"/>
-                </a:solidFill>
-                <a:effectLst/>
-                <a:latin typeface="Consolas" panose="020B0609020204030204" pitchFamily="49" charset="0"/>
-              </a:rPr>
-              <a:t> </a:t>
-            </a:r>
-            <a:r>
-              <a:rPr lang="pt-BR" b="0" dirty="0">
-                <a:solidFill>
-                  <a:srgbClr val="9CDCFE"/>
-                </a:solidFill>
-                <a:effectLst/>
-                <a:latin typeface="Consolas" panose="020B0609020204030204" pitchFamily="49" charset="0"/>
-              </a:rPr>
-              <a:t>id</a:t>
-            </a:r>
-            <a:r>
-              <a:rPr lang="pt-BR" b="0" dirty="0">
-                <a:solidFill>
-                  <a:srgbClr val="CCCCCC"/>
-                </a:solidFill>
-                <a:effectLst/>
-                <a:latin typeface="Consolas" panose="020B0609020204030204" pitchFamily="49" charset="0"/>
-              </a:rPr>
-              <a:t>=</a:t>
-            </a:r>
-            <a:r>
-              <a:rPr lang="pt-BR" b="0" dirty="0">
-                <a:solidFill>
-                  <a:srgbClr val="CE9178"/>
-                </a:solidFill>
-                <a:effectLst/>
-                <a:latin typeface="Consolas" panose="020B0609020204030204" pitchFamily="49" charset="0"/>
-              </a:rPr>
-              <a:t>"seção1"</a:t>
-            </a:r>
-            <a:r>
-              <a:rPr lang="pt-BR" b="0" dirty="0">
-                <a:solidFill>
-                  <a:srgbClr val="808080"/>
-                </a:solidFill>
-                <a:effectLst/>
-                <a:latin typeface="Consolas" panose="020B0609020204030204" pitchFamily="49" charset="0"/>
-              </a:rPr>
-              <a:t>&gt;</a:t>
-            </a:r>
-            <a:r>
-              <a:rPr lang="pt-BR" b="0" dirty="0">
-                <a:solidFill>
-                  <a:srgbClr val="CCCCCC"/>
-                </a:solidFill>
-                <a:effectLst/>
-                <a:latin typeface="Consolas" panose="020B0609020204030204" pitchFamily="49" charset="0"/>
-              </a:rPr>
-              <a:t>Seção 1</a:t>
-            </a:r>
-            <a:r>
-              <a:rPr lang="pt-BR" b="0" dirty="0">
-                <a:solidFill>
-                  <a:srgbClr val="808080"/>
-                </a:solidFill>
-                <a:effectLst/>
-                <a:latin typeface="Consolas" panose="020B0609020204030204" pitchFamily="49" charset="0"/>
-              </a:rPr>
-              <a:t>&lt;/</a:t>
-            </a:r>
-            <a:r>
-              <a:rPr lang="pt-BR" b="0" dirty="0">
-                <a:solidFill>
-                  <a:srgbClr val="569CD6"/>
-                </a:solidFill>
-                <a:effectLst/>
-                <a:latin typeface="Consolas" panose="020B0609020204030204" pitchFamily="49" charset="0"/>
-              </a:rPr>
-              <a:t>h2</a:t>
-            </a:r>
-            <a:r>
-              <a:rPr lang="pt-BR" b="0" dirty="0">
-                <a:solidFill>
-                  <a:srgbClr val="808080"/>
-                </a:solidFill>
-                <a:effectLst/>
-                <a:latin typeface="Consolas" panose="020B0609020204030204" pitchFamily="49" charset="0"/>
-              </a:rPr>
-              <a:t>&gt;</a:t>
-            </a:r>
-            <a:endParaRPr lang="pt-BR" b="0" dirty="0">
-              <a:solidFill>
-                <a:srgbClr val="CCCCCC"/>
-              </a:solidFill>
-              <a:effectLst/>
-              <a:latin typeface="Consolas" panose="020B0609020204030204" pitchFamily="49" charset="0"/>
-            </a:endParaRPr>
-          </a:p>
-          <a:p>
-            <a:r>
-              <a:rPr lang="pt-BR" b="0" dirty="0">
-                <a:solidFill>
-                  <a:srgbClr val="808080"/>
-                </a:solidFill>
-                <a:effectLst/>
-                <a:latin typeface="Consolas" panose="020B0609020204030204" pitchFamily="49" charset="0"/>
-              </a:rPr>
-              <a:t>&lt;</a:t>
-            </a:r>
-            <a:r>
-              <a:rPr lang="pt-BR" b="0" dirty="0">
-                <a:solidFill>
-                  <a:srgbClr val="569CD6"/>
-                </a:solidFill>
-                <a:effectLst/>
-                <a:latin typeface="Consolas" panose="020B0609020204030204" pitchFamily="49" charset="0"/>
-              </a:rPr>
-              <a:t>p</a:t>
-            </a:r>
-            <a:r>
-              <a:rPr lang="pt-BR" b="0" dirty="0">
-                <a:solidFill>
-                  <a:srgbClr val="808080"/>
-                </a:solidFill>
-                <a:effectLst/>
-                <a:latin typeface="Consolas" panose="020B0609020204030204" pitchFamily="49" charset="0"/>
-              </a:rPr>
-              <a:t>&gt;</a:t>
-            </a:r>
-            <a:r>
-              <a:rPr lang="pt-BR" b="0" dirty="0">
-                <a:solidFill>
-                  <a:srgbClr val="CCCCCC"/>
-                </a:solidFill>
-                <a:effectLst/>
-                <a:latin typeface="Consolas" panose="020B0609020204030204" pitchFamily="49" charset="0"/>
-              </a:rPr>
-              <a:t>Conteúdo da Seção 1.</a:t>
-            </a:r>
-            <a:r>
-              <a:rPr lang="pt-BR" b="0" dirty="0">
-                <a:solidFill>
-                  <a:srgbClr val="808080"/>
-                </a:solidFill>
-                <a:effectLst/>
-                <a:latin typeface="Consolas" panose="020B0609020204030204" pitchFamily="49" charset="0"/>
-              </a:rPr>
-              <a:t>&lt;/</a:t>
-            </a:r>
-            <a:r>
-              <a:rPr lang="pt-BR" b="0" dirty="0">
-                <a:solidFill>
-                  <a:srgbClr val="569CD6"/>
-                </a:solidFill>
-                <a:effectLst/>
-                <a:latin typeface="Consolas" panose="020B0609020204030204" pitchFamily="49" charset="0"/>
-              </a:rPr>
-              <a:t>p</a:t>
-            </a:r>
-            <a:r>
-              <a:rPr lang="pt-BR" b="0" dirty="0">
-                <a:solidFill>
-                  <a:srgbClr val="808080"/>
-                </a:solidFill>
-                <a:effectLst/>
-                <a:latin typeface="Consolas" panose="020B0609020204030204" pitchFamily="49" charset="0"/>
-              </a:rPr>
-              <a:t>&gt;</a:t>
-            </a:r>
-            <a:endParaRPr lang="pt-BR" b="0" dirty="0">
-              <a:solidFill>
-                <a:srgbClr val="CCCCCC"/>
-              </a:solidFill>
-              <a:effectLst/>
-              <a:latin typeface="Consolas" panose="020B0609020204030204" pitchFamily="49" charset="0"/>
-            </a:endParaRPr>
-          </a:p>
-          <a:p>
-            <a:br>
-              <a:rPr lang="pt-BR" b="0" dirty="0">
-                <a:solidFill>
-                  <a:srgbClr val="CCCCCC"/>
-                </a:solidFill>
-                <a:effectLst/>
-                <a:latin typeface="Consolas" panose="020B0609020204030204" pitchFamily="49" charset="0"/>
-              </a:rPr>
-            </a:br>
-            <a:r>
-              <a:rPr lang="pt-BR" b="0" dirty="0">
-                <a:solidFill>
-                  <a:srgbClr val="808080"/>
-                </a:solidFill>
-                <a:effectLst/>
-                <a:latin typeface="Consolas" panose="020B0609020204030204" pitchFamily="49" charset="0"/>
-              </a:rPr>
-              <a:t>&lt;</a:t>
-            </a:r>
-            <a:r>
-              <a:rPr lang="pt-BR" b="0" dirty="0">
-                <a:solidFill>
-                  <a:srgbClr val="569CD6"/>
-                </a:solidFill>
-                <a:effectLst/>
-                <a:latin typeface="Consolas" panose="020B0609020204030204" pitchFamily="49" charset="0"/>
-              </a:rPr>
-              <a:t>h2</a:t>
-            </a:r>
-            <a:r>
-              <a:rPr lang="pt-BR" b="0" dirty="0">
-                <a:solidFill>
-                  <a:srgbClr val="CCCCCC"/>
-                </a:solidFill>
-                <a:effectLst/>
-                <a:latin typeface="Consolas" panose="020B0609020204030204" pitchFamily="49" charset="0"/>
-              </a:rPr>
-              <a:t> </a:t>
-            </a:r>
-            <a:r>
-              <a:rPr lang="pt-BR" b="0" dirty="0">
-                <a:solidFill>
-                  <a:srgbClr val="9CDCFE"/>
-                </a:solidFill>
-                <a:effectLst/>
-                <a:latin typeface="Consolas" panose="020B0609020204030204" pitchFamily="49" charset="0"/>
-              </a:rPr>
-              <a:t>id</a:t>
-            </a:r>
-            <a:r>
-              <a:rPr lang="pt-BR" b="0" dirty="0">
-                <a:solidFill>
-                  <a:srgbClr val="CCCCCC"/>
-                </a:solidFill>
-                <a:effectLst/>
-                <a:latin typeface="Consolas" panose="020B0609020204030204" pitchFamily="49" charset="0"/>
-              </a:rPr>
-              <a:t>=</a:t>
-            </a:r>
-            <a:r>
-              <a:rPr lang="pt-BR" b="0" dirty="0">
-                <a:solidFill>
-                  <a:srgbClr val="CE9178"/>
-                </a:solidFill>
-                <a:effectLst/>
-                <a:latin typeface="Consolas" panose="020B0609020204030204" pitchFamily="49" charset="0"/>
-              </a:rPr>
-              <a:t>"seção2"</a:t>
-            </a:r>
-            <a:r>
-              <a:rPr lang="pt-BR" b="0" dirty="0">
-                <a:solidFill>
-                  <a:srgbClr val="808080"/>
-                </a:solidFill>
-                <a:effectLst/>
-                <a:latin typeface="Consolas" panose="020B0609020204030204" pitchFamily="49" charset="0"/>
-              </a:rPr>
-              <a:t>&gt;</a:t>
-            </a:r>
-            <a:r>
-              <a:rPr lang="pt-BR" b="0" dirty="0">
-                <a:solidFill>
-                  <a:srgbClr val="CCCCCC"/>
-                </a:solidFill>
-                <a:effectLst/>
-                <a:latin typeface="Consolas" panose="020B0609020204030204" pitchFamily="49" charset="0"/>
-              </a:rPr>
-              <a:t>Seção 2</a:t>
-            </a:r>
-            <a:r>
-              <a:rPr lang="pt-BR" b="0" dirty="0">
-                <a:solidFill>
-                  <a:srgbClr val="808080"/>
-                </a:solidFill>
-                <a:effectLst/>
-                <a:latin typeface="Consolas" panose="020B0609020204030204" pitchFamily="49" charset="0"/>
-              </a:rPr>
-              <a:t>&lt;/</a:t>
-            </a:r>
-            <a:r>
-              <a:rPr lang="pt-BR" b="0" dirty="0">
-                <a:solidFill>
-                  <a:srgbClr val="569CD6"/>
-                </a:solidFill>
-                <a:effectLst/>
-                <a:latin typeface="Consolas" panose="020B0609020204030204" pitchFamily="49" charset="0"/>
-              </a:rPr>
-              <a:t>h2</a:t>
-            </a:r>
-            <a:r>
-              <a:rPr lang="pt-BR" b="0" dirty="0">
-                <a:solidFill>
-                  <a:srgbClr val="808080"/>
-                </a:solidFill>
-                <a:effectLst/>
-                <a:latin typeface="Consolas" panose="020B0609020204030204" pitchFamily="49" charset="0"/>
-              </a:rPr>
-              <a:t>&gt;</a:t>
-            </a:r>
-            <a:endParaRPr lang="pt-BR" b="0" dirty="0">
-              <a:solidFill>
-                <a:srgbClr val="CCCCCC"/>
-              </a:solidFill>
-              <a:effectLst/>
-              <a:latin typeface="Consolas" panose="020B0609020204030204" pitchFamily="49" charset="0"/>
-            </a:endParaRPr>
-          </a:p>
-          <a:p>
-            <a:r>
-              <a:rPr lang="pt-BR" b="0" dirty="0">
-                <a:solidFill>
-                  <a:srgbClr val="808080"/>
-                </a:solidFill>
-                <a:effectLst/>
-                <a:latin typeface="Consolas" panose="020B0609020204030204" pitchFamily="49" charset="0"/>
-              </a:rPr>
-              <a:t>&lt;</a:t>
-            </a:r>
-            <a:r>
-              <a:rPr lang="pt-BR" b="0" dirty="0">
-                <a:solidFill>
-                  <a:srgbClr val="569CD6"/>
-                </a:solidFill>
-                <a:effectLst/>
-                <a:latin typeface="Consolas" panose="020B0609020204030204" pitchFamily="49" charset="0"/>
-              </a:rPr>
-              <a:t>p</a:t>
-            </a:r>
-            <a:r>
-              <a:rPr lang="pt-BR" b="0" dirty="0">
-                <a:solidFill>
-                  <a:srgbClr val="808080"/>
-                </a:solidFill>
-                <a:effectLst/>
-                <a:latin typeface="Consolas" panose="020B0609020204030204" pitchFamily="49" charset="0"/>
-              </a:rPr>
-              <a:t>&gt;</a:t>
-            </a:r>
-            <a:r>
-              <a:rPr lang="pt-BR" b="0" dirty="0">
-                <a:solidFill>
-                  <a:srgbClr val="CCCCCC"/>
-                </a:solidFill>
-                <a:effectLst/>
-                <a:latin typeface="Consolas" panose="020B0609020204030204" pitchFamily="49" charset="0"/>
-              </a:rPr>
-              <a:t>Conteúdo da Seção 2.</a:t>
-            </a:r>
-            <a:r>
-              <a:rPr lang="pt-BR" b="0" dirty="0">
-                <a:solidFill>
-                  <a:srgbClr val="808080"/>
-                </a:solidFill>
-                <a:effectLst/>
-                <a:latin typeface="Consolas" panose="020B0609020204030204" pitchFamily="49" charset="0"/>
-              </a:rPr>
-              <a:t>&lt;/</a:t>
-            </a:r>
-            <a:r>
-              <a:rPr lang="pt-BR" b="0" dirty="0">
-                <a:solidFill>
-                  <a:srgbClr val="569CD6"/>
-                </a:solidFill>
-                <a:effectLst/>
-                <a:latin typeface="Consolas" panose="020B0609020204030204" pitchFamily="49" charset="0"/>
-              </a:rPr>
-              <a:t>p</a:t>
-            </a:r>
-            <a:r>
-              <a:rPr lang="pt-BR" b="0" dirty="0">
-                <a:solidFill>
-                  <a:srgbClr val="808080"/>
-                </a:solidFill>
-                <a:effectLst/>
-                <a:latin typeface="Consolas" panose="020B0609020204030204" pitchFamily="49" charset="0"/>
-              </a:rPr>
-              <a:t>&gt;</a:t>
-            </a:r>
-            <a:endParaRPr lang="pt-BR" b="0" dirty="0">
-              <a:solidFill>
-                <a:srgbClr val="CCCCCC"/>
-              </a:solidFill>
-              <a:effectLst/>
-              <a:latin typeface="Consolas" panose="020B0609020204030204" pitchFamily="49" charset="0"/>
-            </a:endParaRPr>
+              <a:rPr lang="pt-BR" b="1" dirty="0">
+                <a:solidFill>
+                  <a:schemeClr val="accent1"/>
+                </a:solidFill>
+              </a:rPr>
+              <a:t>Obs.: Carregar Scripts no Final do Body: Coloque as </a:t>
+            </a:r>
+            <a:r>
+              <a:rPr lang="pt-BR" b="1" dirty="0" err="1">
+                <a:solidFill>
+                  <a:schemeClr val="accent1"/>
+                </a:solidFill>
+              </a:rPr>
+              <a:t>tags</a:t>
+            </a:r>
+            <a:r>
+              <a:rPr lang="pt-BR" b="1" dirty="0">
+                <a:solidFill>
+                  <a:schemeClr val="accent1"/>
+                </a:solidFill>
+              </a:rPr>
+              <a:t> &lt;script&gt; no final da seção &lt;body&gt; para garantir que o HTML seja carregado antes dos scripts.</a:t>
+            </a:r>
           </a:p>
         </p:txBody>
       </p:sp>
     </p:spTree>
     <p:extLst>
       <p:ext uri="{BB962C8B-B14F-4D97-AF65-F5344CB8AC3E}">
-        <p14:creationId xmlns:p14="http://schemas.microsoft.com/office/powerpoint/2010/main" val="3236264701"/>
+        <p14:creationId xmlns:p14="http://schemas.microsoft.com/office/powerpoint/2010/main" val="1002651100"/>
       </p:ext>
     </p:extLst>
   </p:cSld>
@@ -11566,20 +10963,55 @@
       </p:grpSpPr>
       <p:sp>
         <p:nvSpPr>
-          <p:cNvPr id="2" name="Retângulo 1">
+          <p:cNvPr id="2" name="Título 1">
             <a:extLst>
               <a:ext uri="{FF2B5EF4-FFF2-40B4-BE49-F238E27FC236}">
-                <a16:creationId xmlns:a16="http://schemas.microsoft.com/office/drawing/2014/main" id="{36666D60-C2C9-41D9-74BF-A8DC0409243E}"/>
+                <a16:creationId xmlns:a16="http://schemas.microsoft.com/office/drawing/2014/main" id="{6D6F67AB-1D4C-74F5-C84E-F756E7C90152}"/>
               </a:ext>
             </a:extLst>
           </p:cNvPr>
-          <p:cNvSpPr/>
+          <p:cNvSpPr>
+            <a:spLocks noGrp="1"/>
+          </p:cNvSpPr>
+          <p:nvPr>
+            <p:ph type="title"/>
+          </p:nvPr>
+        </p:nvSpPr>
+        <p:spPr/>
+        <p:txBody>
+          <a:bodyPr/>
+          <a:lstStyle/>
+          <a:p>
+            <a:r>
+              <a:rPr lang="pt-BR" sz="2000" dirty="0"/>
+              <a:t>Manipulação com JavaScript:</a:t>
+            </a:r>
+            <a:br>
+              <a:rPr lang="pt-BR" sz="2000" dirty="0"/>
+            </a:br>
+            <a:r>
+              <a:rPr lang="pt-BR" sz="2000" dirty="0"/>
+              <a:t>O id pode ser usado para acessar e manipular elementos no DOM com JavaScript.</a:t>
+            </a:r>
+          </a:p>
+        </p:txBody>
+      </p:sp>
+      <p:sp>
+        <p:nvSpPr>
+          <p:cNvPr id="5" name="CaixaDeTexto 4">
+            <a:extLst>
+              <a:ext uri="{FF2B5EF4-FFF2-40B4-BE49-F238E27FC236}">
+                <a16:creationId xmlns:a16="http://schemas.microsoft.com/office/drawing/2014/main" id="{ADC2B44A-554D-CBBD-DC23-5529B9E3EF6F}"/>
+              </a:ext>
+            </a:extLst>
+          </p:cNvPr>
+          <p:cNvSpPr txBox="1"/>
           <p:nvPr/>
         </p:nvSpPr>
         <p:spPr>
           <a:xfrm>
-            <a:off x="174206" y="178979"/>
-            <a:ext cx="3264035" cy="923330"/>
+            <a:off x="810000" y="2604196"/>
+            <a:ext cx="11065911" cy="2585323"/>
           </a:xfrm>
           <a:prstGeom prst="rect">
             <a:avLst/>
@@ -11587,298 +11019,617 @@
           <a:noFill/>
         </p:spPr>
         <p:txBody>
-          <a:bodyPr wrap="none" lIns="91440" tIns="45720" rIns="91440" bIns="45720">
+          <a:bodyPr wrap="square">
             <a:spAutoFit/>
           </a:bodyPr>
           <a:lstStyle/>
           <a:p>
-            <a:pPr algn="ctr"/>
-            <a:r>
-              <a:rPr lang="pt-BR" sz="5400" b="1" cap="none" spc="0" dirty="0">
-                <a:ln w="10160">
-                  <a:solidFill>
-                    <a:schemeClr val="accent5"/>
-                  </a:solidFill>
-                  <a:prstDash val="solid"/>
-                </a:ln>
-                <a:solidFill>
-                  <a:srgbClr val="FFFFFF"/>
-                </a:solidFill>
-                <a:effectLst>
-                  <a:outerShdw blurRad="38100" dist="22860" dir="5400000" algn="tl" rotWithShape="0">
-                    <a:srgbClr val="000000">
-                      <a:alpha val="30000"/>
-                    </a:srgbClr>
-                  </a:outerShdw>
-                </a:effectLst>
-              </a:rPr>
-              <a:t>Exercício</a:t>
-            </a:r>
-          </a:p>
-        </p:txBody>
-      </p:sp>
-      <p:sp>
-        <p:nvSpPr>
-          <p:cNvPr id="7" name="Espaço Reservado para Conteúdo 2">
-            <a:extLst>
-              <a:ext uri="{FF2B5EF4-FFF2-40B4-BE49-F238E27FC236}">
-                <a16:creationId xmlns:a16="http://schemas.microsoft.com/office/drawing/2014/main" id="{39F6D17E-24AB-44D1-6FCA-B202177920D8}"/>
-              </a:ext>
-            </a:extLst>
-          </p:cNvPr>
-          <p:cNvSpPr txBox="1">
-            <a:spLocks/>
-          </p:cNvSpPr>
-          <p:nvPr/>
-        </p:nvSpPr>
-        <p:spPr>
-          <a:xfrm>
-            <a:off x="818712" y="2222287"/>
-            <a:ext cx="10554574" cy="3636511"/>
-          </a:xfrm>
-          <a:prstGeom prst="rect">
-            <a:avLst/>
-          </a:prstGeom>
-        </p:spPr>
-        <p:txBody>
-          <a:bodyPr/>
-          <a:lstStyle>
-            <a:lvl1pPr marL="342900" indent="-342900" algn="l" defTabSz="457200" rtl="0" eaLnBrk="1" latinLnBrk="0" hangingPunct="1">
-              <a:spcBef>
-                <a:spcPct val="20000"/>
-              </a:spcBef>
-              <a:spcAft>
-                <a:spcPts val="600"/>
-              </a:spcAft>
-              <a:buClr>
-                <a:schemeClr val="accent1"/>
-              </a:buClr>
-              <a:buFont typeface="Wingdings 2" charset="2"/>
-              <a:buChar char=""/>
-              <a:defRPr sz="1800" kern="1200">
-                <a:solidFill>
-                  <a:schemeClr val="tx1"/>
-                </a:solidFill>
-                <a:latin typeface="+mn-lt"/>
-                <a:ea typeface="+mn-ea"/>
-                <a:cs typeface="+mn-cs"/>
-              </a:defRPr>
-            </a:lvl1pPr>
-            <a:lvl2pPr marL="742950" indent="-285750" algn="l" defTabSz="457200" rtl="0" eaLnBrk="1" latinLnBrk="0" hangingPunct="1">
-              <a:spcBef>
-                <a:spcPct val="20000"/>
-              </a:spcBef>
-              <a:spcAft>
-                <a:spcPts val="600"/>
-              </a:spcAft>
-              <a:buClr>
-                <a:schemeClr val="accent1"/>
-              </a:buClr>
-              <a:buFont typeface="Wingdings 2" charset="2"/>
-              <a:buChar char=""/>
-              <a:defRPr sz="1600" kern="1200">
-                <a:solidFill>
-                  <a:schemeClr val="tx1"/>
-                </a:solidFill>
-                <a:latin typeface="+mn-lt"/>
-                <a:ea typeface="+mn-ea"/>
-                <a:cs typeface="+mn-cs"/>
-              </a:defRPr>
-            </a:lvl2pPr>
-            <a:lvl3pPr marL="1143000" indent="-228600" algn="l" defTabSz="457200" rtl="0" eaLnBrk="1" latinLnBrk="0" hangingPunct="1">
-              <a:spcBef>
-                <a:spcPct val="20000"/>
-              </a:spcBef>
-              <a:spcAft>
-                <a:spcPts val="600"/>
-              </a:spcAft>
-              <a:buClr>
-                <a:schemeClr val="accent1"/>
-              </a:buClr>
-              <a:buFont typeface="Wingdings 2" charset="2"/>
-              <a:buChar char=""/>
-              <a:defRPr sz="1400" kern="1200">
-                <a:solidFill>
-                  <a:schemeClr val="tx1"/>
-                </a:solidFill>
-                <a:latin typeface="+mn-lt"/>
-                <a:ea typeface="+mn-ea"/>
-                <a:cs typeface="+mn-cs"/>
-              </a:defRPr>
-            </a:lvl3pPr>
-            <a:lvl4pPr marL="1600200" indent="-228600" algn="l" defTabSz="457200" rtl="0" eaLnBrk="1" latinLnBrk="0" hangingPunct="1">
-              <a:spcBef>
-                <a:spcPct val="20000"/>
-              </a:spcBef>
-              <a:spcAft>
-                <a:spcPts val="600"/>
-              </a:spcAft>
-              <a:buClr>
-                <a:schemeClr val="accent1"/>
-              </a:buClr>
-              <a:buFont typeface="Wingdings 2" charset="2"/>
-              <a:buChar char=""/>
-              <a:defRPr sz="1200" kern="1200">
-                <a:solidFill>
-                  <a:schemeClr val="tx1"/>
-                </a:solidFill>
-                <a:latin typeface="+mn-lt"/>
-                <a:ea typeface="+mn-ea"/>
-                <a:cs typeface="+mn-cs"/>
-              </a:defRPr>
-            </a:lvl4pPr>
-            <a:lvl5pPr marL="2057400" indent="-228600" algn="l" defTabSz="457200" rtl="0" eaLnBrk="1" latinLnBrk="0" hangingPunct="1">
-              <a:spcBef>
-                <a:spcPct val="20000"/>
-              </a:spcBef>
-              <a:spcAft>
-                <a:spcPts val="600"/>
-              </a:spcAft>
-              <a:buClr>
-                <a:schemeClr val="accent1"/>
-              </a:buClr>
-              <a:buFont typeface="Wingdings 2" charset="2"/>
-              <a:buChar char=""/>
-              <a:defRPr sz="1200" kern="1200">
-                <a:solidFill>
-                  <a:schemeClr val="tx1"/>
-                </a:solidFill>
-                <a:latin typeface="+mn-lt"/>
-                <a:ea typeface="+mn-ea"/>
-                <a:cs typeface="+mn-cs"/>
-              </a:defRPr>
-            </a:lvl5pPr>
-            <a:lvl6pPr marL="2400000" indent="-228600" algn="l" defTabSz="457200" rtl="0" eaLnBrk="1" latinLnBrk="0" hangingPunct="1">
-              <a:spcBef>
-                <a:spcPct val="20000"/>
-              </a:spcBef>
-              <a:spcAft>
-                <a:spcPts val="600"/>
-              </a:spcAft>
-              <a:buClr>
-                <a:schemeClr val="accent1"/>
-              </a:buClr>
-              <a:buFont typeface="Wingdings 2" charset="2"/>
-              <a:buChar char=""/>
-              <a:defRPr sz="1200" kern="1200">
-                <a:solidFill>
-                  <a:schemeClr val="tx1"/>
-                </a:solidFill>
-                <a:latin typeface="+mn-lt"/>
-                <a:ea typeface="+mn-ea"/>
-                <a:cs typeface="+mn-cs"/>
-              </a:defRPr>
-            </a:lvl6pPr>
-            <a:lvl7pPr marL="2800000" indent="-228600" algn="l" defTabSz="457200" rtl="0" eaLnBrk="1" latinLnBrk="0" hangingPunct="1">
-              <a:spcBef>
-                <a:spcPct val="20000"/>
-              </a:spcBef>
-              <a:spcAft>
-                <a:spcPts val="600"/>
-              </a:spcAft>
-              <a:buClr>
-                <a:schemeClr val="accent1"/>
-              </a:buClr>
-              <a:buFont typeface="Wingdings 2" charset="2"/>
-              <a:buChar char=""/>
-              <a:defRPr sz="1200" kern="1200">
-                <a:solidFill>
-                  <a:schemeClr val="tx1"/>
-                </a:solidFill>
-                <a:latin typeface="+mn-lt"/>
-                <a:ea typeface="+mn-ea"/>
-                <a:cs typeface="+mn-cs"/>
-              </a:defRPr>
-            </a:lvl7pPr>
-            <a:lvl8pPr marL="3200000" indent="-228600" algn="l" defTabSz="457200" rtl="0" eaLnBrk="1" latinLnBrk="0" hangingPunct="1">
-              <a:spcBef>
-                <a:spcPct val="20000"/>
-              </a:spcBef>
-              <a:spcAft>
-                <a:spcPts val="600"/>
-              </a:spcAft>
-              <a:buClr>
-                <a:schemeClr val="accent1"/>
-              </a:buClr>
-              <a:buFont typeface="Wingdings 2" charset="2"/>
-              <a:buChar char=""/>
-              <a:defRPr sz="1200" kern="1200">
-                <a:solidFill>
-                  <a:schemeClr val="tx1"/>
-                </a:solidFill>
-                <a:latin typeface="+mn-lt"/>
-                <a:ea typeface="+mn-ea"/>
-                <a:cs typeface="+mn-cs"/>
-              </a:defRPr>
-            </a:lvl8pPr>
-            <a:lvl9pPr marL="3600000" indent="-228600" algn="l" defTabSz="457200" rtl="0" eaLnBrk="1" latinLnBrk="0" hangingPunct="1">
-              <a:spcBef>
-                <a:spcPct val="20000"/>
-              </a:spcBef>
-              <a:spcAft>
-                <a:spcPts val="600"/>
-              </a:spcAft>
-              <a:buClr>
-                <a:schemeClr val="accent1"/>
-              </a:buClr>
-              <a:buFont typeface="Wingdings 2" charset="2"/>
-              <a:buChar char=""/>
-              <a:defRPr sz="1200" kern="1200">
-                <a:solidFill>
-                  <a:schemeClr val="tx1"/>
-                </a:solidFill>
-                <a:latin typeface="+mn-lt"/>
-                <a:ea typeface="+mn-ea"/>
-                <a:cs typeface="+mn-cs"/>
-              </a:defRPr>
-            </a:lvl9pPr>
-          </a:lstStyle>
-          <a:p>
-            <a:pPr>
-              <a:buFont typeface="+mj-lt"/>
-              <a:buAutoNum type="arabicPeriod"/>
-            </a:pPr>
-            <a:r>
-              <a:rPr lang="pt-BR" dirty="0"/>
-              <a:t>Criar Html.</a:t>
-            </a:r>
-          </a:p>
-          <a:p>
-            <a:pPr>
-              <a:buFont typeface="+mj-lt"/>
-              <a:buAutoNum type="arabicPeriod"/>
-            </a:pPr>
-            <a:r>
-              <a:rPr lang="pt-BR" dirty="0"/>
-              <a:t>1- Faça um documento HTML utilizado ID para trocar a cor do título</a:t>
-            </a:r>
-          </a:p>
-          <a:p>
-            <a:pPr>
-              <a:buFont typeface="+mj-lt"/>
-              <a:buAutoNum type="arabicPeriod"/>
-            </a:pPr>
-            <a:r>
-              <a:rPr lang="pt-BR" dirty="0"/>
-              <a:t>2- Colocar tamanho da fonte com 24px</a:t>
-            </a:r>
-          </a:p>
-          <a:p>
-            <a:pPr>
-              <a:buFont typeface="+mj-lt"/>
-              <a:buAutoNum type="arabicPeriod"/>
-            </a:pPr>
-            <a:r>
-              <a:rPr lang="pt-BR" dirty="0"/>
-              <a:t>3- Faça um botão para trocar o texto do parágrafo usando ID</a:t>
-            </a:r>
+            <a:r>
+              <a:rPr lang="pt-BR" b="0" dirty="0">
+                <a:solidFill>
+                  <a:srgbClr val="6A9955"/>
+                </a:solidFill>
+                <a:effectLst/>
+                <a:latin typeface="Consolas" panose="020B0609020204030204" pitchFamily="49" charset="0"/>
+              </a:rPr>
+              <a:t>&lt;!--Utilização com JS --&gt;</a:t>
+            </a:r>
+            <a:endParaRPr lang="pt-BR" b="0" dirty="0">
+              <a:solidFill>
+                <a:srgbClr val="CCCCCC"/>
+              </a:solidFill>
+              <a:effectLst/>
+              <a:latin typeface="Consolas" panose="020B0609020204030204" pitchFamily="49" charset="0"/>
+            </a:endParaRPr>
+          </a:p>
+          <a:p>
+            <a:r>
+              <a:rPr lang="pt-BR" b="0" dirty="0">
+                <a:solidFill>
+                  <a:srgbClr val="808080"/>
+                </a:solidFill>
+                <a:effectLst/>
+                <a:latin typeface="Consolas" panose="020B0609020204030204" pitchFamily="49" charset="0"/>
+              </a:rPr>
+              <a:t>&lt;</a:t>
+            </a:r>
+            <a:r>
+              <a:rPr lang="pt-BR" b="0" dirty="0">
+                <a:solidFill>
+                  <a:srgbClr val="569CD6"/>
+                </a:solidFill>
+                <a:effectLst/>
+                <a:latin typeface="Consolas" panose="020B0609020204030204" pitchFamily="49" charset="0"/>
+              </a:rPr>
+              <a:t>p</a:t>
+            </a:r>
+            <a:r>
+              <a:rPr lang="pt-BR" b="0" dirty="0">
+                <a:solidFill>
+                  <a:srgbClr val="CCCCCC"/>
+                </a:solidFill>
+                <a:effectLst/>
+                <a:latin typeface="Consolas" panose="020B0609020204030204" pitchFamily="49" charset="0"/>
+              </a:rPr>
+              <a:t> </a:t>
+            </a:r>
+            <a:r>
+              <a:rPr lang="pt-BR" b="0" dirty="0">
+                <a:solidFill>
+                  <a:srgbClr val="9CDCFE"/>
+                </a:solidFill>
+                <a:effectLst/>
+                <a:latin typeface="Consolas" panose="020B0609020204030204" pitchFamily="49" charset="0"/>
+              </a:rPr>
+              <a:t>id</a:t>
+            </a:r>
+            <a:r>
+              <a:rPr lang="pt-BR" b="0" dirty="0">
+                <a:solidFill>
+                  <a:srgbClr val="CCCCCC"/>
+                </a:solidFill>
+                <a:effectLst/>
+                <a:latin typeface="Consolas" panose="020B0609020204030204" pitchFamily="49" charset="0"/>
+              </a:rPr>
+              <a:t>=</a:t>
+            </a:r>
+            <a:r>
+              <a:rPr lang="pt-BR" b="0" dirty="0">
+                <a:solidFill>
+                  <a:srgbClr val="CE9178"/>
+                </a:solidFill>
+                <a:effectLst/>
+                <a:latin typeface="Consolas" panose="020B0609020204030204" pitchFamily="49" charset="0"/>
+              </a:rPr>
+              <a:t>"</a:t>
+            </a:r>
+            <a:r>
+              <a:rPr lang="pt-BR" b="0" dirty="0" err="1">
+                <a:solidFill>
+                  <a:srgbClr val="CE9178"/>
+                </a:solidFill>
+                <a:effectLst/>
+                <a:latin typeface="Consolas" panose="020B0609020204030204" pitchFamily="49" charset="0"/>
+              </a:rPr>
+              <a:t>meuParagrafo</a:t>
+            </a:r>
+            <a:r>
+              <a:rPr lang="pt-BR" b="0" dirty="0">
+                <a:solidFill>
+                  <a:srgbClr val="CE9178"/>
+                </a:solidFill>
+                <a:effectLst/>
+                <a:latin typeface="Consolas" panose="020B0609020204030204" pitchFamily="49" charset="0"/>
+              </a:rPr>
+              <a:t>"</a:t>
+            </a:r>
+            <a:r>
+              <a:rPr lang="pt-BR" b="0" dirty="0">
+                <a:solidFill>
+                  <a:srgbClr val="808080"/>
+                </a:solidFill>
+                <a:effectLst/>
+                <a:latin typeface="Consolas" panose="020B0609020204030204" pitchFamily="49" charset="0"/>
+              </a:rPr>
+              <a:t>&gt;</a:t>
+            </a:r>
+            <a:r>
+              <a:rPr lang="pt-BR" b="0" dirty="0">
+                <a:solidFill>
+                  <a:srgbClr val="CCCCCC"/>
+                </a:solidFill>
+                <a:effectLst/>
+                <a:latin typeface="Consolas" panose="020B0609020204030204" pitchFamily="49" charset="0"/>
+              </a:rPr>
+              <a:t>Clique no botão para mudar este texto.</a:t>
+            </a:r>
+            <a:r>
+              <a:rPr lang="pt-BR" b="0" dirty="0">
+                <a:solidFill>
+                  <a:srgbClr val="808080"/>
+                </a:solidFill>
+                <a:effectLst/>
+                <a:latin typeface="Consolas" panose="020B0609020204030204" pitchFamily="49" charset="0"/>
+              </a:rPr>
+              <a:t>&lt;/</a:t>
+            </a:r>
+            <a:r>
+              <a:rPr lang="pt-BR" b="0" dirty="0">
+                <a:solidFill>
+                  <a:srgbClr val="569CD6"/>
+                </a:solidFill>
+                <a:effectLst/>
+                <a:latin typeface="Consolas" panose="020B0609020204030204" pitchFamily="49" charset="0"/>
+              </a:rPr>
+              <a:t>p</a:t>
+            </a:r>
+            <a:r>
+              <a:rPr lang="pt-BR" b="0" dirty="0">
+                <a:solidFill>
+                  <a:srgbClr val="808080"/>
+                </a:solidFill>
+                <a:effectLst/>
+                <a:latin typeface="Consolas" panose="020B0609020204030204" pitchFamily="49" charset="0"/>
+              </a:rPr>
+              <a:t>&gt;</a:t>
+            </a:r>
+            <a:endParaRPr lang="pt-BR" b="0" dirty="0">
+              <a:solidFill>
+                <a:srgbClr val="CCCCCC"/>
+              </a:solidFill>
+              <a:effectLst/>
+              <a:latin typeface="Consolas" panose="020B0609020204030204" pitchFamily="49" charset="0"/>
+            </a:endParaRPr>
+          </a:p>
+          <a:p>
+            <a:r>
+              <a:rPr lang="pt-BR" b="0" dirty="0">
+                <a:solidFill>
+                  <a:srgbClr val="808080"/>
+                </a:solidFill>
+                <a:effectLst/>
+                <a:latin typeface="Consolas" panose="020B0609020204030204" pitchFamily="49" charset="0"/>
+              </a:rPr>
+              <a:t>&lt;</a:t>
+            </a:r>
+            <a:r>
+              <a:rPr lang="pt-BR" b="0" dirty="0" err="1">
+                <a:solidFill>
+                  <a:srgbClr val="569CD6"/>
+                </a:solidFill>
+                <a:effectLst/>
+                <a:latin typeface="Consolas" panose="020B0609020204030204" pitchFamily="49" charset="0"/>
+              </a:rPr>
+              <a:t>button</a:t>
+            </a:r>
+            <a:r>
+              <a:rPr lang="pt-BR" b="0" dirty="0">
+                <a:solidFill>
+                  <a:srgbClr val="CCCCCC"/>
+                </a:solidFill>
+                <a:effectLst/>
+                <a:latin typeface="Consolas" panose="020B0609020204030204" pitchFamily="49" charset="0"/>
+              </a:rPr>
+              <a:t> </a:t>
+            </a:r>
+            <a:r>
+              <a:rPr lang="pt-BR" b="0" dirty="0" err="1">
+                <a:solidFill>
+                  <a:srgbClr val="9CDCFE"/>
+                </a:solidFill>
+                <a:effectLst/>
+                <a:latin typeface="Consolas" panose="020B0609020204030204" pitchFamily="49" charset="0"/>
+              </a:rPr>
+              <a:t>onclick</a:t>
+            </a:r>
+            <a:r>
+              <a:rPr lang="pt-BR" b="0" dirty="0">
+                <a:solidFill>
+                  <a:srgbClr val="CCCCCC"/>
+                </a:solidFill>
+                <a:effectLst/>
+                <a:latin typeface="Consolas" panose="020B0609020204030204" pitchFamily="49" charset="0"/>
+              </a:rPr>
+              <a:t>=</a:t>
+            </a:r>
+            <a:r>
+              <a:rPr lang="pt-BR" b="0" dirty="0">
+                <a:solidFill>
+                  <a:srgbClr val="CE9178"/>
+                </a:solidFill>
+                <a:effectLst/>
+                <a:latin typeface="Consolas" panose="020B0609020204030204" pitchFamily="49" charset="0"/>
+              </a:rPr>
+              <a:t>"</a:t>
+            </a:r>
+            <a:r>
+              <a:rPr lang="pt-BR" b="0" dirty="0" err="1">
+                <a:solidFill>
+                  <a:srgbClr val="DCDCAA"/>
+                </a:solidFill>
+                <a:effectLst/>
+                <a:latin typeface="Consolas" panose="020B0609020204030204" pitchFamily="49" charset="0"/>
+              </a:rPr>
+              <a:t>mudarTexto</a:t>
+            </a:r>
+            <a:r>
+              <a:rPr lang="pt-BR" b="0" dirty="0">
+                <a:solidFill>
+                  <a:srgbClr val="CE9178"/>
+                </a:solidFill>
+                <a:effectLst/>
+                <a:latin typeface="Consolas" panose="020B0609020204030204" pitchFamily="49" charset="0"/>
+              </a:rPr>
+              <a:t>()"</a:t>
+            </a:r>
+            <a:r>
+              <a:rPr lang="pt-BR" b="0" dirty="0">
+                <a:solidFill>
+                  <a:srgbClr val="808080"/>
+                </a:solidFill>
+                <a:effectLst/>
+                <a:latin typeface="Consolas" panose="020B0609020204030204" pitchFamily="49" charset="0"/>
+              </a:rPr>
+              <a:t>&gt;</a:t>
+            </a:r>
+            <a:r>
+              <a:rPr lang="pt-BR" b="0" dirty="0">
+                <a:solidFill>
+                  <a:srgbClr val="CCCCCC"/>
+                </a:solidFill>
+                <a:effectLst/>
+                <a:latin typeface="Consolas" panose="020B0609020204030204" pitchFamily="49" charset="0"/>
+              </a:rPr>
+              <a:t>Clique aqui</a:t>
+            </a:r>
+            <a:r>
+              <a:rPr lang="pt-BR" b="0" dirty="0">
+                <a:solidFill>
+                  <a:srgbClr val="808080"/>
+                </a:solidFill>
+                <a:effectLst/>
+                <a:latin typeface="Consolas" panose="020B0609020204030204" pitchFamily="49" charset="0"/>
+              </a:rPr>
+              <a:t>&lt;/</a:t>
+            </a:r>
+            <a:r>
+              <a:rPr lang="pt-BR" b="0" dirty="0" err="1">
+                <a:solidFill>
+                  <a:srgbClr val="569CD6"/>
+                </a:solidFill>
+                <a:effectLst/>
+                <a:latin typeface="Consolas" panose="020B0609020204030204" pitchFamily="49" charset="0"/>
+              </a:rPr>
+              <a:t>button</a:t>
+            </a:r>
+            <a:r>
+              <a:rPr lang="pt-BR" b="0" dirty="0">
+                <a:solidFill>
+                  <a:srgbClr val="808080"/>
+                </a:solidFill>
+                <a:effectLst/>
+                <a:latin typeface="Consolas" panose="020B0609020204030204" pitchFamily="49" charset="0"/>
+              </a:rPr>
+              <a:t>&gt;</a:t>
+            </a:r>
+            <a:endParaRPr lang="pt-BR" b="0" dirty="0">
+              <a:solidFill>
+                <a:srgbClr val="CCCCCC"/>
+              </a:solidFill>
+              <a:effectLst/>
+              <a:latin typeface="Consolas" panose="020B0609020204030204" pitchFamily="49" charset="0"/>
+            </a:endParaRPr>
+          </a:p>
+          <a:p>
+            <a:br>
+              <a:rPr lang="pt-BR" b="0" dirty="0">
+                <a:solidFill>
+                  <a:srgbClr val="CCCCCC"/>
+                </a:solidFill>
+                <a:effectLst/>
+                <a:latin typeface="Consolas" panose="020B0609020204030204" pitchFamily="49" charset="0"/>
+              </a:rPr>
+            </a:br>
+            <a:r>
+              <a:rPr lang="pt-BR" b="0" dirty="0">
+                <a:solidFill>
+                  <a:srgbClr val="808080"/>
+                </a:solidFill>
+                <a:effectLst/>
+                <a:latin typeface="Consolas" panose="020B0609020204030204" pitchFamily="49" charset="0"/>
+              </a:rPr>
+              <a:t>&lt;</a:t>
+            </a:r>
+            <a:r>
+              <a:rPr lang="pt-BR" b="0" dirty="0">
+                <a:solidFill>
+                  <a:srgbClr val="569CD6"/>
+                </a:solidFill>
+                <a:effectLst/>
+                <a:latin typeface="Consolas" panose="020B0609020204030204" pitchFamily="49" charset="0"/>
+              </a:rPr>
+              <a:t>script</a:t>
+            </a:r>
+            <a:r>
+              <a:rPr lang="pt-BR" b="0" dirty="0">
+                <a:solidFill>
+                  <a:srgbClr val="808080"/>
+                </a:solidFill>
+                <a:effectLst/>
+                <a:latin typeface="Consolas" panose="020B0609020204030204" pitchFamily="49" charset="0"/>
+              </a:rPr>
+              <a:t>&gt;</a:t>
+            </a:r>
+            <a:endParaRPr lang="pt-BR" b="0" dirty="0">
+              <a:solidFill>
+                <a:srgbClr val="CCCCCC"/>
+              </a:solidFill>
+              <a:effectLst/>
+              <a:latin typeface="Consolas" panose="020B0609020204030204" pitchFamily="49" charset="0"/>
+            </a:endParaRPr>
+          </a:p>
+          <a:p>
+            <a:r>
+              <a:rPr lang="pt-BR" b="0" dirty="0">
+                <a:solidFill>
+                  <a:srgbClr val="D4D4D4"/>
+                </a:solidFill>
+                <a:effectLst/>
+                <a:latin typeface="Consolas" panose="020B0609020204030204" pitchFamily="49" charset="0"/>
+              </a:rPr>
+              <a:t>    </a:t>
+            </a:r>
+            <a:r>
+              <a:rPr lang="pt-BR" b="0" dirty="0" err="1">
+                <a:solidFill>
+                  <a:srgbClr val="569CD6"/>
+                </a:solidFill>
+                <a:effectLst/>
+                <a:latin typeface="Consolas" panose="020B0609020204030204" pitchFamily="49" charset="0"/>
+              </a:rPr>
+              <a:t>function</a:t>
+            </a:r>
+            <a:r>
+              <a:rPr lang="pt-BR" b="0" dirty="0">
+                <a:solidFill>
+                  <a:srgbClr val="D4D4D4"/>
+                </a:solidFill>
+                <a:effectLst/>
+                <a:latin typeface="Consolas" panose="020B0609020204030204" pitchFamily="49" charset="0"/>
+              </a:rPr>
+              <a:t> </a:t>
+            </a:r>
+            <a:r>
+              <a:rPr lang="pt-BR" b="0" dirty="0" err="1">
+                <a:solidFill>
+                  <a:srgbClr val="DCDCAA"/>
+                </a:solidFill>
+                <a:effectLst/>
+                <a:latin typeface="Consolas" panose="020B0609020204030204" pitchFamily="49" charset="0"/>
+              </a:rPr>
+              <a:t>mudarTexto</a:t>
+            </a:r>
+            <a:r>
+              <a:rPr lang="pt-BR" b="0" dirty="0">
+                <a:solidFill>
+                  <a:srgbClr val="D4D4D4"/>
+                </a:solidFill>
+                <a:effectLst/>
+                <a:latin typeface="Consolas" panose="020B0609020204030204" pitchFamily="49" charset="0"/>
+              </a:rPr>
+              <a:t>() {</a:t>
+            </a:r>
+            <a:endParaRPr lang="pt-BR" b="0" dirty="0">
+              <a:solidFill>
+                <a:srgbClr val="CCCCCC"/>
+              </a:solidFill>
+              <a:effectLst/>
+              <a:latin typeface="Consolas" panose="020B0609020204030204" pitchFamily="49" charset="0"/>
+            </a:endParaRPr>
+          </a:p>
+          <a:p>
+            <a:r>
+              <a:rPr lang="pt-BR" b="0" dirty="0">
+                <a:solidFill>
+                  <a:srgbClr val="D4D4D4"/>
+                </a:solidFill>
+                <a:effectLst/>
+                <a:latin typeface="Consolas" panose="020B0609020204030204" pitchFamily="49" charset="0"/>
+              </a:rPr>
+              <a:t>        </a:t>
+            </a:r>
+            <a:r>
+              <a:rPr lang="pt-BR" b="0" dirty="0" err="1">
+                <a:solidFill>
+                  <a:srgbClr val="9CDCFE"/>
+                </a:solidFill>
+                <a:effectLst/>
+                <a:latin typeface="Consolas" panose="020B0609020204030204" pitchFamily="49" charset="0"/>
+              </a:rPr>
+              <a:t>document</a:t>
+            </a:r>
+            <a:r>
+              <a:rPr lang="pt-BR" b="0" dirty="0" err="1">
+                <a:solidFill>
+                  <a:srgbClr val="D4D4D4"/>
+                </a:solidFill>
+                <a:effectLst/>
+                <a:latin typeface="Consolas" panose="020B0609020204030204" pitchFamily="49" charset="0"/>
+              </a:rPr>
+              <a:t>.</a:t>
+            </a:r>
+            <a:r>
+              <a:rPr lang="pt-BR" b="0" dirty="0" err="1">
+                <a:solidFill>
+                  <a:srgbClr val="DCDCAA"/>
+                </a:solidFill>
+                <a:effectLst/>
+                <a:latin typeface="Consolas" panose="020B0609020204030204" pitchFamily="49" charset="0"/>
+              </a:rPr>
+              <a:t>getElementById</a:t>
+            </a:r>
+            <a:r>
+              <a:rPr lang="pt-BR" b="0" dirty="0">
+                <a:solidFill>
+                  <a:srgbClr val="D4D4D4"/>
+                </a:solidFill>
+                <a:effectLst/>
+                <a:latin typeface="Consolas" panose="020B0609020204030204" pitchFamily="49" charset="0"/>
+              </a:rPr>
+              <a:t>(</a:t>
+            </a:r>
+            <a:r>
+              <a:rPr lang="pt-BR" b="0" dirty="0">
+                <a:solidFill>
+                  <a:srgbClr val="CE9178"/>
+                </a:solidFill>
+                <a:effectLst/>
+                <a:latin typeface="Consolas" panose="020B0609020204030204" pitchFamily="49" charset="0"/>
+              </a:rPr>
+              <a:t>"</a:t>
+            </a:r>
+            <a:r>
+              <a:rPr lang="pt-BR" b="0" dirty="0" err="1">
+                <a:solidFill>
+                  <a:srgbClr val="CE9178"/>
+                </a:solidFill>
+                <a:effectLst/>
+                <a:latin typeface="Consolas" panose="020B0609020204030204" pitchFamily="49" charset="0"/>
+              </a:rPr>
+              <a:t>meuParagrafo</a:t>
+            </a:r>
+            <a:r>
+              <a:rPr lang="pt-BR" b="0" dirty="0">
+                <a:solidFill>
+                  <a:srgbClr val="CE9178"/>
+                </a:solidFill>
+                <a:effectLst/>
+                <a:latin typeface="Consolas" panose="020B0609020204030204" pitchFamily="49" charset="0"/>
+              </a:rPr>
+              <a:t>"</a:t>
+            </a:r>
+            <a:r>
+              <a:rPr lang="pt-BR" b="0" dirty="0">
+                <a:solidFill>
+                  <a:srgbClr val="D4D4D4"/>
+                </a:solidFill>
+                <a:effectLst/>
+                <a:latin typeface="Consolas" panose="020B0609020204030204" pitchFamily="49" charset="0"/>
+              </a:rPr>
+              <a:t>).</a:t>
+            </a:r>
+            <a:r>
+              <a:rPr lang="pt-BR" b="0" dirty="0" err="1">
+                <a:solidFill>
+                  <a:srgbClr val="9CDCFE"/>
+                </a:solidFill>
+                <a:effectLst/>
+                <a:latin typeface="Consolas" panose="020B0609020204030204" pitchFamily="49" charset="0"/>
+              </a:rPr>
+              <a:t>innerText</a:t>
+            </a:r>
+            <a:r>
+              <a:rPr lang="pt-BR" b="0" dirty="0">
+                <a:solidFill>
+                  <a:srgbClr val="D4D4D4"/>
+                </a:solidFill>
+                <a:effectLst/>
+                <a:latin typeface="Consolas" panose="020B0609020204030204" pitchFamily="49" charset="0"/>
+              </a:rPr>
+              <a:t> = </a:t>
+            </a:r>
+            <a:r>
+              <a:rPr lang="pt-BR" b="0" dirty="0">
+                <a:solidFill>
+                  <a:srgbClr val="CE9178"/>
+                </a:solidFill>
+                <a:effectLst/>
+                <a:latin typeface="Consolas" panose="020B0609020204030204" pitchFamily="49" charset="0"/>
+              </a:rPr>
+              <a:t>"O texto foi mudado!"</a:t>
+            </a:r>
+            <a:r>
+              <a:rPr lang="pt-BR" b="0" dirty="0">
+                <a:solidFill>
+                  <a:srgbClr val="D4D4D4"/>
+                </a:solidFill>
+                <a:effectLst/>
+                <a:latin typeface="Consolas" panose="020B0609020204030204" pitchFamily="49" charset="0"/>
+              </a:rPr>
+              <a:t>;</a:t>
+            </a:r>
+            <a:endParaRPr lang="pt-BR" b="0" dirty="0">
+              <a:solidFill>
+                <a:srgbClr val="CCCCCC"/>
+              </a:solidFill>
+              <a:effectLst/>
+              <a:latin typeface="Consolas" panose="020B0609020204030204" pitchFamily="49" charset="0"/>
+            </a:endParaRPr>
+          </a:p>
+          <a:p>
+            <a:r>
+              <a:rPr lang="pt-BR" b="0" dirty="0">
+                <a:solidFill>
+                  <a:srgbClr val="D4D4D4"/>
+                </a:solidFill>
+                <a:effectLst/>
+                <a:latin typeface="Consolas" panose="020B0609020204030204" pitchFamily="49" charset="0"/>
+              </a:rPr>
+              <a:t>    }</a:t>
+            </a:r>
+            <a:endParaRPr lang="pt-BR" b="0" dirty="0">
+              <a:solidFill>
+                <a:srgbClr val="CCCCCC"/>
+              </a:solidFill>
+              <a:effectLst/>
+              <a:latin typeface="Consolas" panose="020B0609020204030204" pitchFamily="49" charset="0"/>
+            </a:endParaRPr>
+          </a:p>
+          <a:p>
+            <a:r>
+              <a:rPr lang="pt-BR" b="0" dirty="0">
+                <a:solidFill>
+                  <a:srgbClr val="808080"/>
+                </a:solidFill>
+                <a:effectLst/>
+                <a:latin typeface="Consolas" panose="020B0609020204030204" pitchFamily="49" charset="0"/>
+              </a:rPr>
+              <a:t>&lt;/</a:t>
+            </a:r>
+            <a:r>
+              <a:rPr lang="pt-BR" b="0" dirty="0">
+                <a:solidFill>
+                  <a:srgbClr val="569CD6"/>
+                </a:solidFill>
+                <a:effectLst/>
+                <a:latin typeface="Consolas" panose="020B0609020204030204" pitchFamily="49" charset="0"/>
+              </a:rPr>
+              <a:t>script</a:t>
+            </a:r>
+            <a:r>
+              <a:rPr lang="pt-BR" b="0" dirty="0">
+                <a:solidFill>
+                  <a:srgbClr val="808080"/>
+                </a:solidFill>
+                <a:effectLst/>
+                <a:latin typeface="Consolas" panose="020B0609020204030204" pitchFamily="49" charset="0"/>
+              </a:rPr>
+              <a:t>&gt;</a:t>
+            </a:r>
+            <a:endParaRPr lang="pt-BR" b="0" dirty="0">
+              <a:solidFill>
+                <a:srgbClr val="CCCCCC"/>
+              </a:solidFill>
+              <a:effectLst/>
+              <a:latin typeface="Consolas" panose="020B0609020204030204" pitchFamily="49" charset="0"/>
+            </a:endParaRPr>
           </a:p>
         </p:txBody>
       </p:sp>
     </p:spTree>
     <p:extLst>
       <p:ext uri="{BB962C8B-B14F-4D97-AF65-F5344CB8AC3E}">
-        <p14:creationId xmlns:p14="http://schemas.microsoft.com/office/powerpoint/2010/main" val="996139780"/>
+        <p14:creationId xmlns:p14="http://schemas.microsoft.com/office/powerpoint/2010/main" val="4227484640"/>
       </p:ext>
     </p:extLst>
   </p:cSld>
@@ -11910,7 +11661,7 @@
           <p:cNvPr id="2" name="Título 1">
             <a:extLst>
               <a:ext uri="{FF2B5EF4-FFF2-40B4-BE49-F238E27FC236}">
-                <a16:creationId xmlns:a16="http://schemas.microsoft.com/office/drawing/2014/main" id="{C7E3F66C-3E58-FA1A-CC60-111D2EA0E710}"/>
+                <a16:creationId xmlns:a16="http://schemas.microsoft.com/office/drawing/2014/main" id="{C0F866DF-6456-882F-CCCA-C6650919B749}"/>
               </a:ext>
             </a:extLst>
           </p:cNvPr>
@@ -11921,66 +11672,814 @@
             <p:ph type="title"/>
           </p:nvPr>
         </p:nvSpPr>
-        <p:spPr/>
+        <p:spPr>
+          <a:xfrm>
+            <a:off x="810000" y="447188"/>
+            <a:ext cx="11178800" cy="970450"/>
+          </a:xfrm>
+        </p:spPr>
         <p:txBody>
           <a:bodyPr/>
           <a:lstStyle/>
           <a:p>
             <a:r>
-              <a:rPr lang="pt-BR" dirty="0"/>
-              <a:t>Classe</a:t>
+              <a:rPr lang="pt-BR" sz="2400" dirty="0"/>
+              <a:t>Navegação Interna:</a:t>
+            </a:r>
+            <a:br>
+              <a:rPr lang="pt-BR" sz="1800" dirty="0"/>
+            </a:br>
+            <a:r>
+              <a:rPr lang="pt-BR" sz="1800" dirty="0"/>
+              <a:t>O id pode ser usado para criar âncoras que permitem a navegação dentro da mesma página.</a:t>
             </a:r>
           </a:p>
         </p:txBody>
       </p:sp>
       <p:sp>
         <p:nvSpPr>
-          <p:cNvPr id="3" name="Espaço Reservado para Texto 2">
+          <p:cNvPr id="5" name="CaixaDeTexto 4">
             <a:extLst>
               <a:ext uri="{FF2B5EF4-FFF2-40B4-BE49-F238E27FC236}">
-                <a16:creationId xmlns:a16="http://schemas.microsoft.com/office/drawing/2014/main" id="{5364AAC8-3360-8A2E-669F-5B2D952CA997}"/>
+                <a16:creationId xmlns:a16="http://schemas.microsoft.com/office/drawing/2014/main" id="{31F930BF-56B6-A48D-FDC4-ED352996178F}"/>
               </a:ext>
             </a:extLst>
           </p:cNvPr>
-          <p:cNvSpPr>
-            <a:spLocks noGrp="1"/>
-          </p:cNvSpPr>
-          <p:nvPr>
-            <p:ph type="body" idx="1"/>
-          </p:nvPr>
-        </p:nvSpPr>
-        <p:spPr/>
+          <p:cNvSpPr txBox="1"/>
+          <p:nvPr/>
+        </p:nvSpPr>
+        <p:spPr>
+          <a:xfrm>
+            <a:off x="810000" y="2602005"/>
+            <a:ext cx="6101644" cy="2585323"/>
+          </a:xfrm>
+          <a:prstGeom prst="rect">
+            <a:avLst/>
+          </a:prstGeom>
+          <a:noFill/>
+        </p:spPr>
         <p:txBody>
-          <a:bodyPr/>
+          <a:bodyPr wrap="square">
+            <a:spAutoFit/>
+          </a:bodyPr>
           <a:lstStyle/>
           <a:p>
             <a:r>
-              <a:rPr lang="pt-BR" b="1" dirty="0">
-                <a:solidFill>
-                  <a:srgbClr val="ECECEC"/>
-                </a:solidFill>
-                <a:latin typeface="Söhne"/>
-              </a:rPr>
-              <a:t>C</a:t>
-            </a:r>
-            <a:r>
-              <a:rPr lang="pt-BR" b="1" i="0" dirty="0">
-                <a:solidFill>
-                  <a:srgbClr val="ECECEC"/>
-                </a:solidFill>
-                <a:effectLst/>
-                <a:latin typeface="Söhne"/>
-              </a:rPr>
-              <a:t>lasses para um ou mias elementos</a:t>
-            </a:r>
-            <a:endParaRPr lang="pt-BR" b="1" dirty="0"/>
+              <a:rPr lang="pt-BR" b="0" dirty="0">
+                <a:solidFill>
+                  <a:srgbClr val="6A9955"/>
+                </a:solidFill>
+                <a:effectLst/>
+                <a:latin typeface="Consolas" panose="020B0609020204030204" pitchFamily="49" charset="0"/>
+              </a:rPr>
+              <a:t>&lt;!--Navegação --&gt;</a:t>
+            </a:r>
+            <a:endParaRPr lang="pt-BR" b="0" dirty="0">
+              <a:solidFill>
+                <a:srgbClr val="CCCCCC"/>
+              </a:solidFill>
+              <a:effectLst/>
+              <a:latin typeface="Consolas" panose="020B0609020204030204" pitchFamily="49" charset="0"/>
+            </a:endParaRPr>
+          </a:p>
+          <a:p>
+            <a:r>
+              <a:rPr lang="pt-BR" b="0" dirty="0">
+                <a:solidFill>
+                  <a:srgbClr val="808080"/>
+                </a:solidFill>
+                <a:effectLst/>
+                <a:latin typeface="Consolas" panose="020B0609020204030204" pitchFamily="49" charset="0"/>
+              </a:rPr>
+              <a:t>&lt;</a:t>
+            </a:r>
+            <a:r>
+              <a:rPr lang="pt-BR" b="0" dirty="0">
+                <a:solidFill>
+                  <a:srgbClr val="569CD6"/>
+                </a:solidFill>
+                <a:effectLst/>
+                <a:latin typeface="Consolas" panose="020B0609020204030204" pitchFamily="49" charset="0"/>
+              </a:rPr>
+              <a:t>p</a:t>
+            </a:r>
+            <a:r>
+              <a:rPr lang="pt-BR" b="0" dirty="0">
+                <a:solidFill>
+                  <a:srgbClr val="808080"/>
+                </a:solidFill>
+                <a:effectLst/>
+                <a:latin typeface="Consolas" panose="020B0609020204030204" pitchFamily="49" charset="0"/>
+              </a:rPr>
+              <a:t>&gt;&lt;</a:t>
+            </a:r>
+            <a:r>
+              <a:rPr lang="pt-BR" b="0" dirty="0">
+                <a:solidFill>
+                  <a:srgbClr val="569CD6"/>
+                </a:solidFill>
+                <a:effectLst/>
+                <a:latin typeface="Consolas" panose="020B0609020204030204" pitchFamily="49" charset="0"/>
+              </a:rPr>
+              <a:t>a</a:t>
+            </a:r>
+            <a:r>
+              <a:rPr lang="pt-BR" b="0" dirty="0">
+                <a:solidFill>
+                  <a:srgbClr val="CCCCCC"/>
+                </a:solidFill>
+                <a:effectLst/>
+                <a:latin typeface="Consolas" panose="020B0609020204030204" pitchFamily="49" charset="0"/>
+              </a:rPr>
+              <a:t> </a:t>
+            </a:r>
+            <a:r>
+              <a:rPr lang="pt-BR" b="0" dirty="0" err="1">
+                <a:solidFill>
+                  <a:srgbClr val="9CDCFE"/>
+                </a:solidFill>
+                <a:effectLst/>
+                <a:latin typeface="Consolas" panose="020B0609020204030204" pitchFamily="49" charset="0"/>
+              </a:rPr>
+              <a:t>href</a:t>
+            </a:r>
+            <a:r>
+              <a:rPr lang="pt-BR" b="0" dirty="0">
+                <a:solidFill>
+                  <a:srgbClr val="CCCCCC"/>
+                </a:solidFill>
+                <a:effectLst/>
+                <a:latin typeface="Consolas" panose="020B0609020204030204" pitchFamily="49" charset="0"/>
+              </a:rPr>
+              <a:t>=</a:t>
+            </a:r>
+            <a:r>
+              <a:rPr lang="pt-BR" b="0" dirty="0">
+                <a:solidFill>
+                  <a:srgbClr val="CE9178"/>
+                </a:solidFill>
+                <a:effectLst/>
+                <a:latin typeface="Consolas" panose="020B0609020204030204" pitchFamily="49" charset="0"/>
+              </a:rPr>
+              <a:t>"#seção1"</a:t>
+            </a:r>
+            <a:r>
+              <a:rPr lang="pt-BR" b="0" dirty="0">
+                <a:solidFill>
+                  <a:srgbClr val="808080"/>
+                </a:solidFill>
+                <a:effectLst/>
+                <a:latin typeface="Consolas" panose="020B0609020204030204" pitchFamily="49" charset="0"/>
+              </a:rPr>
+              <a:t>&gt;</a:t>
+            </a:r>
+            <a:r>
+              <a:rPr lang="pt-BR" b="0" dirty="0">
+                <a:solidFill>
+                  <a:srgbClr val="CCCCCC"/>
+                </a:solidFill>
+                <a:effectLst/>
+                <a:latin typeface="Consolas" panose="020B0609020204030204" pitchFamily="49" charset="0"/>
+              </a:rPr>
+              <a:t>Ir para a Seção 1</a:t>
+            </a:r>
+            <a:r>
+              <a:rPr lang="pt-BR" b="0" dirty="0">
+                <a:solidFill>
+                  <a:srgbClr val="808080"/>
+                </a:solidFill>
+                <a:effectLst/>
+                <a:latin typeface="Consolas" panose="020B0609020204030204" pitchFamily="49" charset="0"/>
+              </a:rPr>
+              <a:t>&lt;/</a:t>
+            </a:r>
+            <a:r>
+              <a:rPr lang="pt-BR" b="0" dirty="0">
+                <a:solidFill>
+                  <a:srgbClr val="569CD6"/>
+                </a:solidFill>
+                <a:effectLst/>
+                <a:latin typeface="Consolas" panose="020B0609020204030204" pitchFamily="49" charset="0"/>
+              </a:rPr>
+              <a:t>a</a:t>
+            </a:r>
+            <a:r>
+              <a:rPr lang="pt-BR" b="0" dirty="0">
+                <a:solidFill>
+                  <a:srgbClr val="808080"/>
+                </a:solidFill>
+                <a:effectLst/>
+                <a:latin typeface="Consolas" panose="020B0609020204030204" pitchFamily="49" charset="0"/>
+              </a:rPr>
+              <a:t>&gt;&lt;/</a:t>
+            </a:r>
+            <a:r>
+              <a:rPr lang="pt-BR" b="0" dirty="0">
+                <a:solidFill>
+                  <a:srgbClr val="569CD6"/>
+                </a:solidFill>
+                <a:effectLst/>
+                <a:latin typeface="Consolas" panose="020B0609020204030204" pitchFamily="49" charset="0"/>
+              </a:rPr>
+              <a:t>p</a:t>
+            </a:r>
+            <a:r>
+              <a:rPr lang="pt-BR" b="0" dirty="0">
+                <a:solidFill>
+                  <a:srgbClr val="808080"/>
+                </a:solidFill>
+                <a:effectLst/>
+                <a:latin typeface="Consolas" panose="020B0609020204030204" pitchFamily="49" charset="0"/>
+              </a:rPr>
+              <a:t>&gt;</a:t>
+            </a:r>
+            <a:endParaRPr lang="pt-BR" b="0" dirty="0">
+              <a:solidFill>
+                <a:srgbClr val="CCCCCC"/>
+              </a:solidFill>
+              <a:effectLst/>
+              <a:latin typeface="Consolas" panose="020B0609020204030204" pitchFamily="49" charset="0"/>
+            </a:endParaRPr>
+          </a:p>
+          <a:p>
+            <a:r>
+              <a:rPr lang="pt-BR" b="0" dirty="0">
+                <a:solidFill>
+                  <a:srgbClr val="808080"/>
+                </a:solidFill>
+                <a:effectLst/>
+                <a:latin typeface="Consolas" panose="020B0609020204030204" pitchFamily="49" charset="0"/>
+              </a:rPr>
+              <a:t>&lt;</a:t>
+            </a:r>
+            <a:r>
+              <a:rPr lang="pt-BR" b="0" dirty="0">
+                <a:solidFill>
+                  <a:srgbClr val="569CD6"/>
+                </a:solidFill>
+                <a:effectLst/>
+                <a:latin typeface="Consolas" panose="020B0609020204030204" pitchFamily="49" charset="0"/>
+              </a:rPr>
+              <a:t>p</a:t>
+            </a:r>
+            <a:r>
+              <a:rPr lang="pt-BR" b="0" dirty="0">
+                <a:solidFill>
+                  <a:srgbClr val="808080"/>
+                </a:solidFill>
+                <a:effectLst/>
+                <a:latin typeface="Consolas" panose="020B0609020204030204" pitchFamily="49" charset="0"/>
+              </a:rPr>
+              <a:t>&gt;&lt;</a:t>
+            </a:r>
+            <a:r>
+              <a:rPr lang="pt-BR" b="0" dirty="0">
+                <a:solidFill>
+                  <a:srgbClr val="569CD6"/>
+                </a:solidFill>
+                <a:effectLst/>
+                <a:latin typeface="Consolas" panose="020B0609020204030204" pitchFamily="49" charset="0"/>
+              </a:rPr>
+              <a:t>a</a:t>
+            </a:r>
+            <a:r>
+              <a:rPr lang="pt-BR" b="0" dirty="0">
+                <a:solidFill>
+                  <a:srgbClr val="CCCCCC"/>
+                </a:solidFill>
+                <a:effectLst/>
+                <a:latin typeface="Consolas" panose="020B0609020204030204" pitchFamily="49" charset="0"/>
+              </a:rPr>
+              <a:t> </a:t>
+            </a:r>
+            <a:r>
+              <a:rPr lang="pt-BR" b="0" dirty="0" err="1">
+                <a:solidFill>
+                  <a:srgbClr val="9CDCFE"/>
+                </a:solidFill>
+                <a:effectLst/>
+                <a:latin typeface="Consolas" panose="020B0609020204030204" pitchFamily="49" charset="0"/>
+              </a:rPr>
+              <a:t>href</a:t>
+            </a:r>
+            <a:r>
+              <a:rPr lang="pt-BR" b="0" dirty="0">
+                <a:solidFill>
+                  <a:srgbClr val="CCCCCC"/>
+                </a:solidFill>
+                <a:effectLst/>
+                <a:latin typeface="Consolas" panose="020B0609020204030204" pitchFamily="49" charset="0"/>
+              </a:rPr>
+              <a:t>=</a:t>
+            </a:r>
+            <a:r>
+              <a:rPr lang="pt-BR" b="0" dirty="0">
+                <a:solidFill>
+                  <a:srgbClr val="CE9178"/>
+                </a:solidFill>
+                <a:effectLst/>
+                <a:latin typeface="Consolas" panose="020B0609020204030204" pitchFamily="49" charset="0"/>
+              </a:rPr>
+              <a:t>"#seção2"</a:t>
+            </a:r>
+            <a:r>
+              <a:rPr lang="pt-BR" b="0" dirty="0">
+                <a:solidFill>
+                  <a:srgbClr val="808080"/>
+                </a:solidFill>
+                <a:effectLst/>
+                <a:latin typeface="Consolas" panose="020B0609020204030204" pitchFamily="49" charset="0"/>
+              </a:rPr>
+              <a:t>&gt;</a:t>
+            </a:r>
+            <a:r>
+              <a:rPr lang="pt-BR" b="0" dirty="0">
+                <a:solidFill>
+                  <a:srgbClr val="CCCCCC"/>
+                </a:solidFill>
+                <a:effectLst/>
+                <a:latin typeface="Consolas" panose="020B0609020204030204" pitchFamily="49" charset="0"/>
+              </a:rPr>
+              <a:t>Ir para a Seção 2</a:t>
+            </a:r>
+            <a:r>
+              <a:rPr lang="pt-BR" b="0" dirty="0">
+                <a:solidFill>
+                  <a:srgbClr val="808080"/>
+                </a:solidFill>
+                <a:effectLst/>
+                <a:latin typeface="Consolas" panose="020B0609020204030204" pitchFamily="49" charset="0"/>
+              </a:rPr>
+              <a:t>&lt;/</a:t>
+            </a:r>
+            <a:r>
+              <a:rPr lang="pt-BR" b="0" dirty="0">
+                <a:solidFill>
+                  <a:srgbClr val="569CD6"/>
+                </a:solidFill>
+                <a:effectLst/>
+                <a:latin typeface="Consolas" panose="020B0609020204030204" pitchFamily="49" charset="0"/>
+              </a:rPr>
+              <a:t>a</a:t>
+            </a:r>
+            <a:r>
+              <a:rPr lang="pt-BR" b="0" dirty="0">
+                <a:solidFill>
+                  <a:srgbClr val="808080"/>
+                </a:solidFill>
+                <a:effectLst/>
+                <a:latin typeface="Consolas" panose="020B0609020204030204" pitchFamily="49" charset="0"/>
+              </a:rPr>
+              <a:t>&gt;&lt;/</a:t>
+            </a:r>
+            <a:r>
+              <a:rPr lang="pt-BR" b="0" dirty="0">
+                <a:solidFill>
+                  <a:srgbClr val="569CD6"/>
+                </a:solidFill>
+                <a:effectLst/>
+                <a:latin typeface="Consolas" panose="020B0609020204030204" pitchFamily="49" charset="0"/>
+              </a:rPr>
+              <a:t>p</a:t>
+            </a:r>
+            <a:r>
+              <a:rPr lang="pt-BR" b="0" dirty="0">
+                <a:solidFill>
+                  <a:srgbClr val="808080"/>
+                </a:solidFill>
+                <a:effectLst/>
+                <a:latin typeface="Consolas" panose="020B0609020204030204" pitchFamily="49" charset="0"/>
+              </a:rPr>
+              <a:t>&gt;</a:t>
+            </a:r>
+            <a:endParaRPr lang="pt-BR" b="0" dirty="0">
+              <a:solidFill>
+                <a:srgbClr val="CCCCCC"/>
+              </a:solidFill>
+              <a:effectLst/>
+              <a:latin typeface="Consolas" panose="020B0609020204030204" pitchFamily="49" charset="0"/>
+            </a:endParaRPr>
+          </a:p>
+          <a:p>
+            <a:br>
+              <a:rPr lang="pt-BR" b="0" dirty="0">
+                <a:solidFill>
+                  <a:srgbClr val="CCCCCC"/>
+                </a:solidFill>
+                <a:effectLst/>
+                <a:latin typeface="Consolas" panose="020B0609020204030204" pitchFamily="49" charset="0"/>
+              </a:rPr>
+            </a:br>
+            <a:r>
+              <a:rPr lang="pt-BR" b="0" dirty="0">
+                <a:solidFill>
+                  <a:srgbClr val="808080"/>
+                </a:solidFill>
+                <a:effectLst/>
+                <a:latin typeface="Consolas" panose="020B0609020204030204" pitchFamily="49" charset="0"/>
+              </a:rPr>
+              <a:t>&lt;</a:t>
+            </a:r>
+            <a:r>
+              <a:rPr lang="pt-BR" b="0" dirty="0">
+                <a:solidFill>
+                  <a:srgbClr val="569CD6"/>
+                </a:solidFill>
+                <a:effectLst/>
+                <a:latin typeface="Consolas" panose="020B0609020204030204" pitchFamily="49" charset="0"/>
+              </a:rPr>
+              <a:t>h2</a:t>
+            </a:r>
+            <a:r>
+              <a:rPr lang="pt-BR" b="0" dirty="0">
+                <a:solidFill>
+                  <a:srgbClr val="CCCCCC"/>
+                </a:solidFill>
+                <a:effectLst/>
+                <a:latin typeface="Consolas" panose="020B0609020204030204" pitchFamily="49" charset="0"/>
+              </a:rPr>
+              <a:t> </a:t>
+            </a:r>
+            <a:r>
+              <a:rPr lang="pt-BR" b="0" dirty="0">
+                <a:solidFill>
+                  <a:srgbClr val="9CDCFE"/>
+                </a:solidFill>
+                <a:effectLst/>
+                <a:latin typeface="Consolas" panose="020B0609020204030204" pitchFamily="49" charset="0"/>
+              </a:rPr>
+              <a:t>id</a:t>
+            </a:r>
+            <a:r>
+              <a:rPr lang="pt-BR" b="0" dirty="0">
+                <a:solidFill>
+                  <a:srgbClr val="CCCCCC"/>
+                </a:solidFill>
+                <a:effectLst/>
+                <a:latin typeface="Consolas" panose="020B0609020204030204" pitchFamily="49" charset="0"/>
+              </a:rPr>
+              <a:t>=</a:t>
+            </a:r>
+            <a:r>
+              <a:rPr lang="pt-BR" b="0" dirty="0">
+                <a:solidFill>
+                  <a:srgbClr val="CE9178"/>
+                </a:solidFill>
+                <a:effectLst/>
+                <a:latin typeface="Consolas" panose="020B0609020204030204" pitchFamily="49" charset="0"/>
+              </a:rPr>
+              <a:t>"seção1"</a:t>
+            </a:r>
+            <a:r>
+              <a:rPr lang="pt-BR" b="0" dirty="0">
+                <a:solidFill>
+                  <a:srgbClr val="808080"/>
+                </a:solidFill>
+                <a:effectLst/>
+                <a:latin typeface="Consolas" panose="020B0609020204030204" pitchFamily="49" charset="0"/>
+              </a:rPr>
+              <a:t>&gt;</a:t>
+            </a:r>
+            <a:r>
+              <a:rPr lang="pt-BR" b="0" dirty="0">
+                <a:solidFill>
+                  <a:srgbClr val="CCCCCC"/>
+                </a:solidFill>
+                <a:effectLst/>
+                <a:latin typeface="Consolas" panose="020B0609020204030204" pitchFamily="49" charset="0"/>
+              </a:rPr>
+              <a:t>Seção 1</a:t>
+            </a:r>
+            <a:r>
+              <a:rPr lang="pt-BR" b="0" dirty="0">
+                <a:solidFill>
+                  <a:srgbClr val="808080"/>
+                </a:solidFill>
+                <a:effectLst/>
+                <a:latin typeface="Consolas" panose="020B0609020204030204" pitchFamily="49" charset="0"/>
+              </a:rPr>
+              <a:t>&lt;/</a:t>
+            </a:r>
+            <a:r>
+              <a:rPr lang="pt-BR" b="0" dirty="0">
+                <a:solidFill>
+                  <a:srgbClr val="569CD6"/>
+                </a:solidFill>
+                <a:effectLst/>
+                <a:latin typeface="Consolas" panose="020B0609020204030204" pitchFamily="49" charset="0"/>
+              </a:rPr>
+              <a:t>h2</a:t>
+            </a:r>
+            <a:r>
+              <a:rPr lang="pt-BR" b="0" dirty="0">
+                <a:solidFill>
+                  <a:srgbClr val="808080"/>
+                </a:solidFill>
+                <a:effectLst/>
+                <a:latin typeface="Consolas" panose="020B0609020204030204" pitchFamily="49" charset="0"/>
+              </a:rPr>
+              <a:t>&gt;</a:t>
+            </a:r>
+            <a:endParaRPr lang="pt-BR" b="0" dirty="0">
+              <a:solidFill>
+                <a:srgbClr val="CCCCCC"/>
+              </a:solidFill>
+              <a:effectLst/>
+              <a:latin typeface="Consolas" panose="020B0609020204030204" pitchFamily="49" charset="0"/>
+            </a:endParaRPr>
+          </a:p>
+          <a:p>
+            <a:r>
+              <a:rPr lang="pt-BR" b="0" dirty="0">
+                <a:solidFill>
+                  <a:srgbClr val="808080"/>
+                </a:solidFill>
+                <a:effectLst/>
+                <a:latin typeface="Consolas" panose="020B0609020204030204" pitchFamily="49" charset="0"/>
+              </a:rPr>
+              <a:t>&lt;</a:t>
+            </a:r>
+            <a:r>
+              <a:rPr lang="pt-BR" b="0" dirty="0">
+                <a:solidFill>
+                  <a:srgbClr val="569CD6"/>
+                </a:solidFill>
+                <a:effectLst/>
+                <a:latin typeface="Consolas" panose="020B0609020204030204" pitchFamily="49" charset="0"/>
+              </a:rPr>
+              <a:t>p</a:t>
+            </a:r>
+            <a:r>
+              <a:rPr lang="pt-BR" b="0" dirty="0">
+                <a:solidFill>
+                  <a:srgbClr val="808080"/>
+                </a:solidFill>
+                <a:effectLst/>
+                <a:latin typeface="Consolas" panose="020B0609020204030204" pitchFamily="49" charset="0"/>
+              </a:rPr>
+              <a:t>&gt;</a:t>
+            </a:r>
+            <a:r>
+              <a:rPr lang="pt-BR" b="0" dirty="0">
+                <a:solidFill>
+                  <a:srgbClr val="CCCCCC"/>
+                </a:solidFill>
+                <a:effectLst/>
+                <a:latin typeface="Consolas" panose="020B0609020204030204" pitchFamily="49" charset="0"/>
+              </a:rPr>
+              <a:t>Conteúdo da Seção 1.</a:t>
+            </a:r>
+            <a:r>
+              <a:rPr lang="pt-BR" b="0" dirty="0">
+                <a:solidFill>
+                  <a:srgbClr val="808080"/>
+                </a:solidFill>
+                <a:effectLst/>
+                <a:latin typeface="Consolas" panose="020B0609020204030204" pitchFamily="49" charset="0"/>
+              </a:rPr>
+              <a:t>&lt;/</a:t>
+            </a:r>
+            <a:r>
+              <a:rPr lang="pt-BR" b="0" dirty="0">
+                <a:solidFill>
+                  <a:srgbClr val="569CD6"/>
+                </a:solidFill>
+                <a:effectLst/>
+                <a:latin typeface="Consolas" panose="020B0609020204030204" pitchFamily="49" charset="0"/>
+              </a:rPr>
+              <a:t>p</a:t>
+            </a:r>
+            <a:r>
+              <a:rPr lang="pt-BR" b="0" dirty="0">
+                <a:solidFill>
+                  <a:srgbClr val="808080"/>
+                </a:solidFill>
+                <a:effectLst/>
+                <a:latin typeface="Consolas" panose="020B0609020204030204" pitchFamily="49" charset="0"/>
+              </a:rPr>
+              <a:t>&gt;</a:t>
+            </a:r>
+            <a:endParaRPr lang="pt-BR" b="0" dirty="0">
+              <a:solidFill>
+                <a:srgbClr val="CCCCCC"/>
+              </a:solidFill>
+              <a:effectLst/>
+              <a:latin typeface="Consolas" panose="020B0609020204030204" pitchFamily="49" charset="0"/>
+            </a:endParaRPr>
+          </a:p>
+          <a:p>
+            <a:br>
+              <a:rPr lang="pt-BR" b="0" dirty="0">
+                <a:solidFill>
+                  <a:srgbClr val="CCCCCC"/>
+                </a:solidFill>
+                <a:effectLst/>
+                <a:latin typeface="Consolas" panose="020B0609020204030204" pitchFamily="49" charset="0"/>
+              </a:rPr>
+            </a:br>
+            <a:r>
+              <a:rPr lang="pt-BR" b="0" dirty="0">
+                <a:solidFill>
+                  <a:srgbClr val="808080"/>
+                </a:solidFill>
+                <a:effectLst/>
+                <a:latin typeface="Consolas" panose="020B0609020204030204" pitchFamily="49" charset="0"/>
+              </a:rPr>
+              <a:t>&lt;</a:t>
+            </a:r>
+            <a:r>
+              <a:rPr lang="pt-BR" b="0" dirty="0">
+                <a:solidFill>
+                  <a:srgbClr val="569CD6"/>
+                </a:solidFill>
+                <a:effectLst/>
+                <a:latin typeface="Consolas" panose="020B0609020204030204" pitchFamily="49" charset="0"/>
+              </a:rPr>
+              <a:t>h2</a:t>
+            </a:r>
+            <a:r>
+              <a:rPr lang="pt-BR" b="0" dirty="0">
+                <a:solidFill>
+                  <a:srgbClr val="CCCCCC"/>
+                </a:solidFill>
+                <a:effectLst/>
+                <a:latin typeface="Consolas" panose="020B0609020204030204" pitchFamily="49" charset="0"/>
+              </a:rPr>
+              <a:t> </a:t>
+            </a:r>
+            <a:r>
+              <a:rPr lang="pt-BR" b="0" dirty="0">
+                <a:solidFill>
+                  <a:srgbClr val="9CDCFE"/>
+                </a:solidFill>
+                <a:effectLst/>
+                <a:latin typeface="Consolas" panose="020B0609020204030204" pitchFamily="49" charset="0"/>
+              </a:rPr>
+              <a:t>id</a:t>
+            </a:r>
+            <a:r>
+              <a:rPr lang="pt-BR" b="0" dirty="0">
+                <a:solidFill>
+                  <a:srgbClr val="CCCCCC"/>
+                </a:solidFill>
+                <a:effectLst/>
+                <a:latin typeface="Consolas" panose="020B0609020204030204" pitchFamily="49" charset="0"/>
+              </a:rPr>
+              <a:t>=</a:t>
+            </a:r>
+            <a:r>
+              <a:rPr lang="pt-BR" b="0" dirty="0">
+                <a:solidFill>
+                  <a:srgbClr val="CE9178"/>
+                </a:solidFill>
+                <a:effectLst/>
+                <a:latin typeface="Consolas" panose="020B0609020204030204" pitchFamily="49" charset="0"/>
+              </a:rPr>
+              <a:t>"seção2"</a:t>
+            </a:r>
+            <a:r>
+              <a:rPr lang="pt-BR" b="0" dirty="0">
+                <a:solidFill>
+                  <a:srgbClr val="808080"/>
+                </a:solidFill>
+                <a:effectLst/>
+                <a:latin typeface="Consolas" panose="020B0609020204030204" pitchFamily="49" charset="0"/>
+              </a:rPr>
+              <a:t>&gt;</a:t>
+            </a:r>
+            <a:r>
+              <a:rPr lang="pt-BR" b="0" dirty="0">
+                <a:solidFill>
+                  <a:srgbClr val="CCCCCC"/>
+                </a:solidFill>
+                <a:effectLst/>
+                <a:latin typeface="Consolas" panose="020B0609020204030204" pitchFamily="49" charset="0"/>
+              </a:rPr>
+              <a:t>Seção 2</a:t>
+            </a:r>
+            <a:r>
+              <a:rPr lang="pt-BR" b="0" dirty="0">
+                <a:solidFill>
+                  <a:srgbClr val="808080"/>
+                </a:solidFill>
+                <a:effectLst/>
+                <a:latin typeface="Consolas" panose="020B0609020204030204" pitchFamily="49" charset="0"/>
+              </a:rPr>
+              <a:t>&lt;/</a:t>
+            </a:r>
+            <a:r>
+              <a:rPr lang="pt-BR" b="0" dirty="0">
+                <a:solidFill>
+                  <a:srgbClr val="569CD6"/>
+                </a:solidFill>
+                <a:effectLst/>
+                <a:latin typeface="Consolas" panose="020B0609020204030204" pitchFamily="49" charset="0"/>
+              </a:rPr>
+              <a:t>h2</a:t>
+            </a:r>
+            <a:r>
+              <a:rPr lang="pt-BR" b="0" dirty="0">
+                <a:solidFill>
+                  <a:srgbClr val="808080"/>
+                </a:solidFill>
+                <a:effectLst/>
+                <a:latin typeface="Consolas" panose="020B0609020204030204" pitchFamily="49" charset="0"/>
+              </a:rPr>
+              <a:t>&gt;</a:t>
+            </a:r>
+            <a:endParaRPr lang="pt-BR" b="0" dirty="0">
+              <a:solidFill>
+                <a:srgbClr val="CCCCCC"/>
+              </a:solidFill>
+              <a:effectLst/>
+              <a:latin typeface="Consolas" panose="020B0609020204030204" pitchFamily="49" charset="0"/>
+            </a:endParaRPr>
+          </a:p>
+          <a:p>
+            <a:r>
+              <a:rPr lang="pt-BR" b="0" dirty="0">
+                <a:solidFill>
+                  <a:srgbClr val="808080"/>
+                </a:solidFill>
+                <a:effectLst/>
+                <a:latin typeface="Consolas" panose="020B0609020204030204" pitchFamily="49" charset="0"/>
+              </a:rPr>
+              <a:t>&lt;</a:t>
+            </a:r>
+            <a:r>
+              <a:rPr lang="pt-BR" b="0" dirty="0">
+                <a:solidFill>
+                  <a:srgbClr val="569CD6"/>
+                </a:solidFill>
+                <a:effectLst/>
+                <a:latin typeface="Consolas" panose="020B0609020204030204" pitchFamily="49" charset="0"/>
+              </a:rPr>
+              <a:t>p</a:t>
+            </a:r>
+            <a:r>
+              <a:rPr lang="pt-BR" b="0" dirty="0">
+                <a:solidFill>
+                  <a:srgbClr val="808080"/>
+                </a:solidFill>
+                <a:effectLst/>
+                <a:latin typeface="Consolas" panose="020B0609020204030204" pitchFamily="49" charset="0"/>
+              </a:rPr>
+              <a:t>&gt;</a:t>
+            </a:r>
+            <a:r>
+              <a:rPr lang="pt-BR" b="0" dirty="0">
+                <a:solidFill>
+                  <a:srgbClr val="CCCCCC"/>
+                </a:solidFill>
+                <a:effectLst/>
+                <a:latin typeface="Consolas" panose="020B0609020204030204" pitchFamily="49" charset="0"/>
+              </a:rPr>
+              <a:t>Conteúdo da Seção 2.</a:t>
+            </a:r>
+            <a:r>
+              <a:rPr lang="pt-BR" b="0" dirty="0">
+                <a:solidFill>
+                  <a:srgbClr val="808080"/>
+                </a:solidFill>
+                <a:effectLst/>
+                <a:latin typeface="Consolas" panose="020B0609020204030204" pitchFamily="49" charset="0"/>
+              </a:rPr>
+              <a:t>&lt;/</a:t>
+            </a:r>
+            <a:r>
+              <a:rPr lang="pt-BR" b="0" dirty="0">
+                <a:solidFill>
+                  <a:srgbClr val="569CD6"/>
+                </a:solidFill>
+                <a:effectLst/>
+                <a:latin typeface="Consolas" panose="020B0609020204030204" pitchFamily="49" charset="0"/>
+              </a:rPr>
+              <a:t>p</a:t>
+            </a:r>
+            <a:r>
+              <a:rPr lang="pt-BR" b="0" dirty="0">
+                <a:solidFill>
+                  <a:srgbClr val="808080"/>
+                </a:solidFill>
+                <a:effectLst/>
+                <a:latin typeface="Consolas" panose="020B0609020204030204" pitchFamily="49" charset="0"/>
+              </a:rPr>
+              <a:t>&gt;</a:t>
+            </a:r>
+            <a:endParaRPr lang="pt-BR" b="0" dirty="0">
+              <a:solidFill>
+                <a:srgbClr val="CCCCCC"/>
+              </a:solidFill>
+              <a:effectLst/>
+              <a:latin typeface="Consolas" panose="020B0609020204030204" pitchFamily="49" charset="0"/>
+            </a:endParaRPr>
           </a:p>
         </p:txBody>
       </p:sp>
     </p:spTree>
     <p:extLst>
       <p:ext uri="{BB962C8B-B14F-4D97-AF65-F5344CB8AC3E}">
-        <p14:creationId xmlns:p14="http://schemas.microsoft.com/office/powerpoint/2010/main" val="1070905612"/>
+        <p14:creationId xmlns:p14="http://schemas.microsoft.com/office/powerpoint/2010/main" val="3236264701"/>
       </p:ext>
     </p:extLst>
   </p:cSld>
